--- a/In/Template/InPreD_MTB_template.pptx
+++ b/In/Template/InPreD_MTB_template.pptx
@@ -5760,7 +5760,7 @@
         </p:nvSpPr>
         <p:spPr>
           <a:xfrm>
-            <a:off x="6580509" y="130842"/>
+            <a:off x="6580509" y="115200"/>
             <a:ext cx="1223640" cy="395280"/>
           </a:xfrm>
           <a:prstGeom prst="rect">
@@ -5826,7 +5826,7 @@
         </p:nvSpPr>
         <p:spPr>
           <a:xfrm>
-            <a:off x="7302558" y="60425"/>
+            <a:off x="7302558" y="46800"/>
             <a:ext cx="1223640" cy="333720"/>
           </a:xfrm>
           <a:prstGeom prst="rect">
@@ -5892,7 +5892,7 @@
         </p:nvSpPr>
         <p:spPr>
           <a:xfrm>
-            <a:off x="7302558" y="271025"/>
+            <a:off x="7302558" y="255600"/>
             <a:ext cx="1223640" cy="333720"/>
           </a:xfrm>
           <a:prstGeom prst="rect">
@@ -5958,7 +5958,7 @@
         </p:nvSpPr>
         <p:spPr>
           <a:xfrm>
-            <a:off x="7662198" y="335825"/>
+            <a:off x="7662198" y="324000"/>
             <a:ext cx="504000" cy="0"/>
           </a:xfrm>
           <a:prstGeom prst="line">
@@ -7616,7 +7616,7 @@
         </p:nvSpPr>
         <p:spPr>
           <a:xfrm>
-            <a:off x="6580509" y="130842"/>
+            <a:off x="6580509" y="115200"/>
             <a:ext cx="1223640" cy="395280"/>
           </a:xfrm>
           <a:prstGeom prst="rect">
@@ -7682,7 +7682,7 @@
         </p:nvSpPr>
         <p:spPr>
           <a:xfrm>
-            <a:off x="7302558" y="60425"/>
+            <a:off x="7302558" y="46800"/>
             <a:ext cx="1223640" cy="333720"/>
           </a:xfrm>
           <a:prstGeom prst="rect">
@@ -7748,7 +7748,7 @@
         </p:nvSpPr>
         <p:spPr>
           <a:xfrm>
-            <a:off x="7302558" y="271025"/>
+            <a:off x="7302558" y="255600"/>
             <a:ext cx="1223640" cy="333720"/>
           </a:xfrm>
           <a:prstGeom prst="rect">
@@ -7814,7 +7814,7 @@
         </p:nvSpPr>
         <p:spPr>
           <a:xfrm>
-            <a:off x="7662198" y="335825"/>
+            <a:off x="7662198" y="324000"/>
             <a:ext cx="504000" cy="0"/>
           </a:xfrm>
           <a:prstGeom prst="line">
@@ -9952,7 +9952,7 @@
         </p:nvSpPr>
         <p:spPr>
           <a:xfrm>
-            <a:off x="6580509" y="130842"/>
+            <a:off x="6580509" y="115200"/>
             <a:ext cx="1223640" cy="395280"/>
           </a:xfrm>
           <a:prstGeom prst="rect">
@@ -10018,7 +10018,7 @@
         </p:nvSpPr>
         <p:spPr>
           <a:xfrm>
-            <a:off x="7302558" y="60425"/>
+            <a:off x="7302558" y="46800"/>
             <a:ext cx="1223640" cy="333720"/>
           </a:xfrm>
           <a:prstGeom prst="rect">
@@ -10084,7 +10084,7 @@
         </p:nvSpPr>
         <p:spPr>
           <a:xfrm>
-            <a:off x="7302558" y="271025"/>
+            <a:off x="7302558" y="255600"/>
             <a:ext cx="1223640" cy="333720"/>
           </a:xfrm>
           <a:prstGeom prst="rect">
@@ -10150,7 +10150,7 @@
         </p:nvSpPr>
         <p:spPr>
           <a:xfrm>
-            <a:off x="7662198" y="335825"/>
+            <a:off x="7662198" y="324000"/>
             <a:ext cx="504000" cy="0"/>
           </a:xfrm>
           <a:prstGeom prst="line">
@@ -13072,7 +13072,7 @@
         </p:nvSpPr>
         <p:spPr>
           <a:xfrm>
-            <a:off x="6580509" y="130842"/>
+            <a:off x="6580509" y="115200"/>
             <a:ext cx="1223640" cy="395280"/>
           </a:xfrm>
           <a:prstGeom prst="rect">
@@ -13138,7 +13138,7 @@
         </p:nvSpPr>
         <p:spPr>
           <a:xfrm>
-            <a:off x="7302558" y="60425"/>
+            <a:off x="7302558" y="46800"/>
             <a:ext cx="1223640" cy="333720"/>
           </a:xfrm>
           <a:prstGeom prst="rect">
@@ -13204,7 +13204,7 @@
         </p:nvSpPr>
         <p:spPr>
           <a:xfrm>
-            <a:off x="7302558" y="271025"/>
+            <a:off x="7302558" y="255600"/>
             <a:ext cx="1223640" cy="333720"/>
           </a:xfrm>
           <a:prstGeom prst="rect">
@@ -13270,7 +13270,7 @@
         </p:nvSpPr>
         <p:spPr>
           <a:xfrm>
-            <a:off x="7662198" y="335825"/>
+            <a:off x="7662198" y="324000"/>
             <a:ext cx="504000" cy="0"/>
           </a:xfrm>
           <a:prstGeom prst="line">
@@ -14324,8 +14324,8 @@
         </p:nvSpPr>
         <p:spPr>
           <a:xfrm>
-            <a:off x="7115810" y="4495800"/>
-            <a:ext cx="2028190" cy="583565"/>
+            <a:off x="7110000" y="4910400"/>
+            <a:ext cx="2028190" cy="213995"/>
           </a:xfrm>
           <a:prstGeom prst="rect">
             <a:avLst/>
@@ -14357,21 +14357,6 @@
             <a:r>
               <a:rPr lang="en-US" sz="800" dirty="0"/>
               <a:t> significance (VUS)</a:t>
-            </a:r>
-            <a:endParaRPr lang="en-US" sz="800" dirty="0"/>
-          </a:p>
-          <a:p>
-            <a:r>
-              <a:rPr lang="en-US" sz="800" i="1" dirty="0" smtClean="0">
-                <a:sym typeface="+mn-ea"/>
-              </a:rPr>
-              <a:t>According to ESMO guidelines, recommendation for genetic counseling does not apply for the variants reported</a:t>
-            </a:r>
-            <a:r>
-              <a:rPr lang="nb-NO" altLang="en-US" sz="800" i="1" dirty="0" smtClean="0">
-                <a:sym typeface="+mn-ea"/>
-              </a:rPr>
-              <a:t>.</a:t>
             </a:r>
             <a:endParaRPr lang="nb-NO" altLang="en-US" sz="800" i="1" dirty="0" smtClean="0">
               <a:sym typeface="+mn-ea"/>
@@ -18378,7 +18363,7 @@
         </p:nvSpPr>
         <p:spPr>
           <a:xfrm>
-            <a:off x="6580509" y="130842"/>
+            <a:off x="6580509" y="115200"/>
             <a:ext cx="1223640" cy="395280"/>
           </a:xfrm>
           <a:prstGeom prst="rect">
@@ -18444,7 +18429,7 @@
         </p:nvSpPr>
         <p:spPr>
           <a:xfrm>
-            <a:off x="7302558" y="60425"/>
+            <a:off x="7302558" y="46800"/>
             <a:ext cx="1223640" cy="333720"/>
           </a:xfrm>
           <a:prstGeom prst="rect">
@@ -18510,7 +18495,7 @@
         </p:nvSpPr>
         <p:spPr>
           <a:xfrm>
-            <a:off x="7302558" y="271025"/>
+            <a:off x="7302558" y="255600"/>
             <a:ext cx="1223640" cy="333720"/>
           </a:xfrm>
           <a:prstGeom prst="rect">
@@ -18576,7 +18561,7 @@
         </p:nvSpPr>
         <p:spPr>
           <a:xfrm>
-            <a:off x="7662198" y="335825"/>
+            <a:off x="7662198" y="324000"/>
             <a:ext cx="504000" cy="0"/>
           </a:xfrm>
           <a:prstGeom prst="line">
@@ -19708,8 +19693,8 @@
         </p:nvSpPr>
         <p:spPr>
           <a:xfrm>
-            <a:off x="7115810" y="4495800"/>
-            <a:ext cx="2028190" cy="583565"/>
+            <a:off x="7110000" y="4910400"/>
+            <a:ext cx="2028190" cy="213995"/>
           </a:xfrm>
           <a:prstGeom prst="rect">
             <a:avLst/>
@@ -19741,21 +19726,6 @@
             <a:r>
               <a:rPr lang="en-US" sz="800" dirty="0"/>
               <a:t> significance (VUS)</a:t>
-            </a:r>
-            <a:endParaRPr lang="en-US" sz="800" dirty="0"/>
-          </a:p>
-          <a:p>
-            <a:r>
-              <a:rPr lang="en-US" sz="800" i="1" dirty="0" smtClean="0">
-                <a:sym typeface="+mn-ea"/>
-              </a:rPr>
-              <a:t>According to ESMO guidelines, recommendation for genetic counseling does not apply for the variants reported</a:t>
-            </a:r>
-            <a:r>
-              <a:rPr lang="nb-NO" altLang="en-US" sz="800" i="1" dirty="0" smtClean="0">
-                <a:sym typeface="+mn-ea"/>
-              </a:rPr>
-              <a:t>.</a:t>
             </a:r>
             <a:endParaRPr lang="nb-NO" altLang="en-US" sz="800" i="1" dirty="0" smtClean="0">
               <a:sym typeface="+mn-ea"/>

--- a/In/Template/InPreD_MTB_template.pptx
+++ b/In/Template/InPreD_MTB_template.pptx
@@ -15,7 +15,7 @@
     <p:sldId id="268" r:id="rId8"/>
     <p:sldId id="266" r:id="rId9"/>
     <p:sldId id="279" r:id="rId10"/>
-    <p:sldId id="277" r:id="rId11"/>
+    <p:sldId id="280" r:id="rId11"/>
   </p:sldIdLst>
   <p:sldSz cx="9144000" cy="5143500" type="screen16x9"/>
   <p:notesSz cx="6858000" cy="9144000"/>
@@ -5227,7 +5227,7 @@
         <p:spPr>
           <a:xfrm>
             <a:off x="1660319" y="1923678"/>
-            <a:ext cx="4883001" cy="2920365"/>
+            <a:ext cx="4883001" cy="3168645"/>
           </a:xfrm>
           <a:prstGeom prst="rect">
             <a:avLst/>
@@ -5505,9 +5505,88 @@
               <a:rPr lang="en-US" sz="800" spc="-1" dirty="0">
                 <a:sym typeface="+mn-ea"/>
               </a:rPr>
-              <a:t>Variants of uncertain significance (VUS) refer to variants with unknown/ unclear / inconclusive / contradictory functional consequence in cancer. Level of evidence for experimental treatment follows ESCAT guidelines and will be defined by the respective study/trial.</a:t>
-            </a:r>
-            <a:endParaRPr lang="en-US" sz="800" b="0" strike="noStrike" spc="-1" dirty="0"/>
+              <a:t>Variants of uncertain significance (VUS) refer to variants with unknown/ unclear / inconclusive / contradictory functional consequence in cancer. Level of evidence for experimental treatment follows ESCAT guidelines and will be defined by the respective study/trial</a:t>
+            </a:r>
+            <a:r>
+              <a:rPr lang="en-US" sz="800" spc="-1" dirty="0" smtClean="0">
+                <a:sym typeface="+mn-ea"/>
+              </a:rPr>
+              <a:t>.</a:t>
+            </a:r>
+            <a:endParaRPr lang="en-US" sz="800" spc="-1" dirty="0" smtClean="0">
+              <a:sym typeface="+mn-ea"/>
+            </a:endParaRPr>
+          </a:p>
+          <a:p>
+            <a:r>
+              <a:rPr lang="en-US" sz="800" b="0" strike="noStrike" spc="-1" smtClean="0">
+                <a:solidFill>
+                  <a:schemeClr val="tx1"/>
+                </a:solidFill>
+                <a:sym typeface="+mn-ea"/>
+              </a:rPr>
+              <a:t>The tumor </a:t>
+            </a:r>
+            <a:r>
+              <a:rPr lang="en-US" sz="800" b="0" strike="noStrike" spc="-1" dirty="0" smtClean="0">
+                <a:solidFill>
+                  <a:schemeClr val="tx1"/>
+                </a:solidFill>
+                <a:sym typeface="+mn-ea"/>
+              </a:rPr>
+              <a:t>content is estimated by a pathologist </a:t>
+            </a:r>
+            <a:r>
+              <a:rPr lang="en-US" sz="800" spc="-1" dirty="0" smtClean="0">
+                <a:solidFill>
+                  <a:schemeClr val="tx1"/>
+                </a:solidFill>
+                <a:sym typeface="+mn-ea"/>
+              </a:rPr>
+              <a:t>unless</a:t>
+            </a:r>
+            <a:r>
+              <a:rPr lang="en-US" sz="800" b="0" strike="noStrike" spc="-1" dirty="0" smtClean="0">
+                <a:solidFill>
+                  <a:schemeClr val="tx1"/>
+                </a:solidFill>
+                <a:sym typeface="+mn-ea"/>
+              </a:rPr>
+              <a:t> otherwise specified. This tumor content </a:t>
+            </a:r>
+            <a:r>
+              <a:rPr lang="en-US" sz="800" spc="-1" dirty="0" smtClean="0">
+                <a:solidFill>
+                  <a:schemeClr val="tx1"/>
+                </a:solidFill>
+                <a:sym typeface="+mn-ea"/>
+              </a:rPr>
+              <a:t>is used as input in the post </a:t>
+            </a:r>
+            <a:r>
+              <a:rPr lang="en-US" sz="800" spc="-1" dirty="0">
+                <a:solidFill>
+                  <a:schemeClr val="tx1"/>
+                </a:solidFill>
+                <a:sym typeface="+mn-ea"/>
+              </a:rPr>
+              <a:t>processing </a:t>
+            </a:r>
+            <a:r>
+              <a:rPr lang="en-US" sz="800" spc="-1" dirty="0" smtClean="0">
+                <a:solidFill>
+                  <a:schemeClr val="tx1"/>
+                </a:solidFill>
+                <a:sym typeface="+mn-ea"/>
+              </a:rPr>
+              <a:t>pipeline (TSOPPI). </a:t>
+            </a:r>
+            <a:endParaRPr lang="en-US" sz="800" b="0" strike="noStrike" spc="-1" dirty="0" smtClean="0">
+              <a:solidFill>
+                <a:schemeClr val="tx1"/>
+              </a:solidFill>
+              <a:sym typeface="+mn-ea"/>
+            </a:endParaRPr>
           </a:p>
         </p:txBody>
       </p:sp>
@@ -6290,7 +6369,7 @@
         </p:nvGrpSpPr>
         <p:grpSpPr>
           <a:xfrm>
-            <a:off x="254308" y="1301732"/>
+            <a:off x="196462" y="1299222"/>
             <a:ext cx="146716" cy="214722"/>
             <a:chOff x="171000" y="979920"/>
             <a:chExt cx="182160" cy="263520"/>
@@ -7140,9 +7219,45 @@
             </a:pPr>
             <a:r>
               <a:rPr lang="en-US" sz="2000" dirty="0" smtClean="0"/>
-              <a:t>Contains clinical information from the material transit form (MTF).</a:t>
-            </a:r>
-            <a:endParaRPr lang="en-US" sz="2000" dirty="0"/>
+              <a:t>Contains clinical information from the </a:t>
+            </a:r>
+            <a:r>
+              <a:rPr lang="en-US" sz="2000" dirty="0">
+                <a:solidFill>
+                  <a:schemeClr val="tx1"/>
+                </a:solidFill>
+              </a:rPr>
+              <a:t>file </a:t>
+            </a:r>
+            <a:r>
+              <a:rPr lang="en-US" sz="2000" dirty="0" smtClean="0">
+                <a:solidFill>
+                  <a:schemeClr val="tx1"/>
+                </a:solidFill>
+              </a:rPr>
+              <a:t>“</a:t>
+            </a:r>
+            <a:r>
+              <a:rPr lang="en-US" sz="2000" dirty="0" err="1" smtClean="0">
+                <a:solidFill>
+                  <a:schemeClr val="tx1"/>
+                </a:solidFill>
+              </a:rPr>
+              <a:t>InPreD_PRONTO_metadata</a:t>
+            </a:r>
+            <a:r>
+              <a:rPr lang="en-US" sz="2000" dirty="0" smtClean="0">
+                <a:solidFill>
+                  <a:schemeClr val="tx1"/>
+                </a:solidFill>
+              </a:rPr>
+              <a:t>”. </a:t>
+            </a:r>
+            <a:endParaRPr lang="en-US" sz="2000" dirty="0" smtClean="0">
+              <a:solidFill>
+                <a:schemeClr val="tx1"/>
+              </a:solidFill>
+            </a:endParaRPr>
           </a:p>
         </p:txBody>
       </p:sp>
@@ -8527,152 +8642,6 @@
       </p:sp>
       <p:grpSp>
         <p:nvGrpSpPr>
-          <p:cNvPr id="45" name="Gruppe 41"/>
-          <p:cNvGrpSpPr/>
-          <p:nvPr/>
-        </p:nvGrpSpPr>
-        <p:grpSpPr>
-          <a:xfrm>
-            <a:off x="254308" y="1301732"/>
-            <a:ext cx="146716" cy="214722"/>
-            <a:chOff x="171000" y="979920"/>
-            <a:chExt cx="182160" cy="263520"/>
-          </a:xfrm>
-        </p:grpSpPr>
-        <p:sp>
-          <p:nvSpPr>
-            <p:cNvPr id="46" name="Ellipse 42"/>
-            <p:cNvSpPr/>
-            <p:nvPr/>
-          </p:nvSpPr>
-          <p:spPr>
-            <a:xfrm>
-              <a:off x="209520" y="1195920"/>
-              <a:ext cx="106200" cy="47520"/>
-            </a:xfrm>
-            <a:prstGeom prst="ellipse">
-              <a:avLst/>
-            </a:prstGeom>
-            <a:gradFill rotWithShape="0">
-              <a:gsLst>
-                <a:gs pos="0">
-                  <a:srgbClr val="8EB4E3"/>
-                </a:gs>
-                <a:gs pos="100000">
-                  <a:srgbClr val="0070C0"/>
-                </a:gs>
-              </a:gsLst>
-              <a:lin ang="0"/>
-            </a:gradFill>
-            <a:ln>
-              <a:noFill/>
-            </a:ln>
-          </p:spPr>
-          <p:style>
-            <a:lnRef idx="2">
-              <a:schemeClr val="accent1">
-                <a:shade val="50000"/>
-              </a:schemeClr>
-            </a:lnRef>
-            <a:fillRef idx="1">
-              <a:schemeClr val="accent1"/>
-            </a:fillRef>
-            <a:effectRef idx="0">
-              <a:schemeClr val="accent1"/>
-            </a:effectRef>
-            <a:fontRef idx="minor"/>
-          </p:style>
-        </p:sp>
-        <p:sp>
-          <p:nvSpPr>
-            <p:cNvPr id="47" name="Tåre 43"/>
-            <p:cNvSpPr/>
-            <p:nvPr/>
-          </p:nvSpPr>
-          <p:spPr>
-            <a:xfrm rot="8045400">
-              <a:off x="189000" y="1018080"/>
-              <a:ext cx="135360" cy="136800"/>
-            </a:xfrm>
-            <a:prstGeom prst="teardrop">
-              <a:avLst>
-                <a:gd name="adj" fmla="val 143023"/>
-              </a:avLst>
-            </a:prstGeom>
-            <a:gradFill rotWithShape="0">
-              <a:gsLst>
-                <a:gs pos="0">
-                  <a:srgbClr val="17375E"/>
-                </a:gs>
-                <a:gs pos="100000">
-                  <a:srgbClr val="C6D9F1"/>
-                </a:gs>
-              </a:gsLst>
-              <a:path path="rect">
-                <a:fillToRect l="100000" t="100000"/>
-              </a:path>
-            </a:gradFill>
-            <a:ln w="6350">
-              <a:solidFill>
-                <a:srgbClr val="FFFFFF"/>
-              </a:solidFill>
-              <a:round/>
-            </a:ln>
-          </p:spPr>
-          <p:style>
-            <a:lnRef idx="2">
-              <a:schemeClr val="accent1">
-                <a:shade val="50000"/>
-              </a:schemeClr>
-            </a:lnRef>
-            <a:fillRef idx="1">
-              <a:schemeClr val="accent1"/>
-            </a:fillRef>
-            <a:effectRef idx="0">
-              <a:schemeClr val="accent1"/>
-            </a:effectRef>
-            <a:fontRef idx="minor"/>
-          </p:style>
-        </p:sp>
-        <p:sp>
-          <p:nvSpPr>
-            <p:cNvPr id="48" name="Ellipse 44"/>
-            <p:cNvSpPr/>
-            <p:nvPr/>
-          </p:nvSpPr>
-          <p:spPr>
-            <a:xfrm>
-              <a:off x="227880" y="1067040"/>
-              <a:ext cx="52920" cy="54360"/>
-            </a:xfrm>
-            <a:prstGeom prst="ellipse">
-              <a:avLst/>
-            </a:prstGeom>
-            <a:solidFill>
-              <a:schemeClr val="bg1"/>
-            </a:solidFill>
-            <a:ln w="6350">
-              <a:noFill/>
-            </a:ln>
-          </p:spPr>
-          <p:style>
-            <a:lnRef idx="2">
-              <a:schemeClr val="accent1">
-                <a:shade val="50000"/>
-              </a:schemeClr>
-            </a:lnRef>
-            <a:fillRef idx="1">
-              <a:schemeClr val="accent1"/>
-            </a:fillRef>
-            <a:effectRef idx="0">
-              <a:schemeClr val="accent1"/>
-            </a:effectRef>
-            <a:fontRef idx="minor"/>
-          </p:style>
-        </p:sp>
-      </p:grpSp>
-      <p:grpSp>
-        <p:nvGrpSpPr>
           <p:cNvPr id="50" name="Gruppe 49"/>
           <p:cNvGrpSpPr/>
           <p:nvPr/>
@@ -9163,6 +9132,152 @@
           </a:p>
         </p:txBody>
       </p:sp>
+      <p:grpSp>
+        <p:nvGrpSpPr>
+          <p:cNvPr id="64" name="Gruppe 41"/>
+          <p:cNvGrpSpPr/>
+          <p:nvPr/>
+        </p:nvGrpSpPr>
+        <p:grpSpPr>
+          <a:xfrm>
+            <a:off x="196462" y="1299222"/>
+            <a:ext cx="146716" cy="214722"/>
+            <a:chOff x="171000" y="979920"/>
+            <a:chExt cx="182160" cy="263520"/>
+          </a:xfrm>
+        </p:grpSpPr>
+        <p:sp>
+          <p:nvSpPr>
+            <p:cNvPr id="65" name="Ellipse 42"/>
+            <p:cNvSpPr/>
+            <p:nvPr/>
+          </p:nvSpPr>
+          <p:spPr>
+            <a:xfrm>
+              <a:off x="209520" y="1195920"/>
+              <a:ext cx="106200" cy="47520"/>
+            </a:xfrm>
+            <a:prstGeom prst="ellipse">
+              <a:avLst/>
+            </a:prstGeom>
+            <a:gradFill rotWithShape="0">
+              <a:gsLst>
+                <a:gs pos="0">
+                  <a:srgbClr val="8EB4E3"/>
+                </a:gs>
+                <a:gs pos="100000">
+                  <a:srgbClr val="0070C0"/>
+                </a:gs>
+              </a:gsLst>
+              <a:lin ang="0"/>
+            </a:gradFill>
+            <a:ln>
+              <a:noFill/>
+            </a:ln>
+          </p:spPr>
+          <p:style>
+            <a:lnRef idx="2">
+              <a:schemeClr val="accent1">
+                <a:shade val="50000"/>
+              </a:schemeClr>
+            </a:lnRef>
+            <a:fillRef idx="1">
+              <a:schemeClr val="accent1"/>
+            </a:fillRef>
+            <a:effectRef idx="0">
+              <a:schemeClr val="accent1"/>
+            </a:effectRef>
+            <a:fontRef idx="minor"/>
+          </p:style>
+        </p:sp>
+        <p:sp>
+          <p:nvSpPr>
+            <p:cNvPr id="66" name="Tåre 43"/>
+            <p:cNvSpPr/>
+            <p:nvPr/>
+          </p:nvSpPr>
+          <p:spPr>
+            <a:xfrm rot="8045400">
+              <a:off x="189000" y="1018080"/>
+              <a:ext cx="135360" cy="136800"/>
+            </a:xfrm>
+            <a:prstGeom prst="teardrop">
+              <a:avLst>
+                <a:gd name="adj" fmla="val 143023"/>
+              </a:avLst>
+            </a:prstGeom>
+            <a:gradFill rotWithShape="0">
+              <a:gsLst>
+                <a:gs pos="0">
+                  <a:srgbClr val="17375E"/>
+                </a:gs>
+                <a:gs pos="100000">
+                  <a:srgbClr val="C6D9F1"/>
+                </a:gs>
+              </a:gsLst>
+              <a:path path="rect">
+                <a:fillToRect l="100000" t="100000"/>
+              </a:path>
+            </a:gradFill>
+            <a:ln w="6350">
+              <a:solidFill>
+                <a:srgbClr val="FFFFFF"/>
+              </a:solidFill>
+              <a:round/>
+            </a:ln>
+          </p:spPr>
+          <p:style>
+            <a:lnRef idx="2">
+              <a:schemeClr val="accent1">
+                <a:shade val="50000"/>
+              </a:schemeClr>
+            </a:lnRef>
+            <a:fillRef idx="1">
+              <a:schemeClr val="accent1"/>
+            </a:fillRef>
+            <a:effectRef idx="0">
+              <a:schemeClr val="accent1"/>
+            </a:effectRef>
+            <a:fontRef idx="minor"/>
+          </p:style>
+        </p:sp>
+        <p:sp>
+          <p:nvSpPr>
+            <p:cNvPr id="67" name="Ellipse 44"/>
+            <p:cNvSpPr/>
+            <p:nvPr/>
+          </p:nvSpPr>
+          <p:spPr>
+            <a:xfrm>
+              <a:off x="227880" y="1067040"/>
+              <a:ext cx="52920" cy="54360"/>
+            </a:xfrm>
+            <a:prstGeom prst="ellipse">
+              <a:avLst/>
+            </a:prstGeom>
+            <a:solidFill>
+              <a:schemeClr val="bg1"/>
+            </a:solidFill>
+            <a:ln w="6350">
+              <a:noFill/>
+            </a:ln>
+          </p:spPr>
+          <p:style>
+            <a:lnRef idx="2">
+              <a:schemeClr val="accent1">
+                <a:shade val="50000"/>
+              </a:schemeClr>
+            </a:lnRef>
+            <a:fillRef idx="1">
+              <a:schemeClr val="accent1"/>
+            </a:fillRef>
+            <a:effectRef idx="0">
+              <a:schemeClr val="accent1"/>
+            </a:effectRef>
+            <a:fontRef idx="minor"/>
+          </p:style>
+        </p:sp>
+      </p:grpSp>
     </p:spTree>
   </p:cSld>
   <p:clrMapOvr>
@@ -9631,48 +9746,6 @@
           </a:p>
         </p:txBody>
       </p:sp>
-      <p:sp>
-        <p:nvSpPr>
-          <p:cNvPr id="121" name="Rounded Rectangle 60"/>
-          <p:cNvSpPr/>
-          <p:nvPr/>
-        </p:nvSpPr>
-        <p:spPr>
-          <a:xfrm>
-            <a:off x="7106760" y="4443840"/>
-            <a:ext cx="359640" cy="215640"/>
-          </a:xfrm>
-          <a:prstGeom prst="roundRect">
-            <a:avLst>
-              <a:gd name="adj" fmla="val 16667"/>
-            </a:avLst>
-          </a:prstGeom>
-          <a:noFill/>
-          <a:ln w="12700">
-            <a:solidFill>
-              <a:srgbClr val="1F497D">
-                <a:lumMod val="60000"/>
-                <a:lumOff val="40000"/>
-              </a:srgbClr>
-            </a:solidFill>
-            <a:round/>
-          </a:ln>
-        </p:spPr>
-        <p:style>
-          <a:lnRef idx="2">
-            <a:schemeClr val="accent1">
-              <a:shade val="50000"/>
-            </a:schemeClr>
-          </a:lnRef>
-          <a:fillRef idx="1">
-            <a:schemeClr val="accent1"/>
-          </a:fillRef>
-          <a:effectRef idx="0">
-            <a:schemeClr val="accent1"/>
-          </a:effectRef>
-          <a:fontRef idx="minor"/>
-        </p:style>
-      </p:sp>
       <p:pic>
         <p:nvPicPr>
           <p:cNvPr id="122" name="Picture 4" descr="C:\Users\vigdisny\AppData\Local\Microsoft\Windows\INetCache\IE\4VAY8QE2\Green_check.svg[1].png"/>
@@ -9687,74 +9760,7 @@
         </p:blipFill>
         <p:spPr>
           <a:xfrm>
-            <a:off x="7147800" y="4268880"/>
-            <a:ext cx="390600" cy="390600"/>
-          </a:xfrm>
-          <a:prstGeom prst="rect">
-            <a:avLst/>
-          </a:prstGeom>
-          <a:ln w="0">
-            <a:noFill/>
-          </a:ln>
-        </p:spPr>
-      </p:pic>
-      <p:sp>
-        <p:nvSpPr>
-          <p:cNvPr id="123" name="Rounded Rectangle 60"/>
-          <p:cNvSpPr/>
-          <p:nvPr/>
-        </p:nvSpPr>
-        <p:spPr>
-          <a:xfrm>
-            <a:off x="7034760" y="2283840"/>
-            <a:ext cx="359640" cy="215640"/>
-          </a:xfrm>
-          <a:prstGeom prst="roundRect">
-            <a:avLst>
-              <a:gd name="adj" fmla="val 16667"/>
-            </a:avLst>
-          </a:prstGeom>
-          <a:noFill/>
-          <a:ln w="12700">
-            <a:solidFill>
-              <a:srgbClr val="1F497D">
-                <a:lumMod val="60000"/>
-                <a:lumOff val="40000"/>
-              </a:srgbClr>
-            </a:solidFill>
-            <a:round/>
-          </a:ln>
-        </p:spPr>
-        <p:style>
-          <a:lnRef idx="2">
-            <a:schemeClr val="accent1">
-              <a:shade val="50000"/>
-            </a:schemeClr>
-          </a:lnRef>
-          <a:fillRef idx="1">
-            <a:schemeClr val="accent1"/>
-          </a:fillRef>
-          <a:effectRef idx="0">
-            <a:schemeClr val="accent1"/>
-          </a:effectRef>
-          <a:fontRef idx="minor"/>
-        </p:style>
-      </p:sp>
-      <p:pic>
-        <p:nvPicPr>
-          <p:cNvPr id="124" name="Picture 4" descr="C:\Users\vigdisny\AppData\Local\Microsoft\Windows\INetCache\IE\4VAY8QE2\Green_check.svg[1].png"/>
-          <p:cNvPicPr/>
-          <p:nvPr/>
-        </p:nvPicPr>
-        <p:blipFill>
-          <a:blip r:embed="rId1"/>
-          <a:stretch>
-            <a:fillRect/>
-          </a:stretch>
-        </p:blipFill>
-        <p:spPr>
-          <a:xfrm>
-            <a:off x="7075800" y="2108880"/>
+            <a:off x="1913231" y="1041173"/>
             <a:ext cx="390600" cy="390600"/>
           </a:xfrm>
           <a:prstGeom prst="rect">
@@ -10718,152 +10724,6 @@
       </p:sp>
       <p:grpSp>
         <p:nvGrpSpPr>
-          <p:cNvPr id="47" name="Gruppe 41"/>
-          <p:cNvGrpSpPr/>
-          <p:nvPr/>
-        </p:nvGrpSpPr>
-        <p:grpSpPr>
-          <a:xfrm>
-            <a:off x="254308" y="1301732"/>
-            <a:ext cx="146716" cy="214722"/>
-            <a:chOff x="171000" y="979920"/>
-            <a:chExt cx="182160" cy="263520"/>
-          </a:xfrm>
-        </p:grpSpPr>
-        <p:sp>
-          <p:nvSpPr>
-            <p:cNvPr id="48" name="Ellipse 42"/>
-            <p:cNvSpPr/>
-            <p:nvPr/>
-          </p:nvSpPr>
-          <p:spPr>
-            <a:xfrm>
-              <a:off x="209520" y="1195920"/>
-              <a:ext cx="106200" cy="47520"/>
-            </a:xfrm>
-            <a:prstGeom prst="ellipse">
-              <a:avLst/>
-            </a:prstGeom>
-            <a:gradFill rotWithShape="0">
-              <a:gsLst>
-                <a:gs pos="0">
-                  <a:srgbClr val="8EB4E3"/>
-                </a:gs>
-                <a:gs pos="100000">
-                  <a:srgbClr val="0070C0"/>
-                </a:gs>
-              </a:gsLst>
-              <a:lin ang="0"/>
-            </a:gradFill>
-            <a:ln>
-              <a:noFill/>
-            </a:ln>
-          </p:spPr>
-          <p:style>
-            <a:lnRef idx="2">
-              <a:schemeClr val="accent1">
-                <a:shade val="50000"/>
-              </a:schemeClr>
-            </a:lnRef>
-            <a:fillRef idx="1">
-              <a:schemeClr val="accent1"/>
-            </a:fillRef>
-            <a:effectRef idx="0">
-              <a:schemeClr val="accent1"/>
-            </a:effectRef>
-            <a:fontRef idx="minor"/>
-          </p:style>
-        </p:sp>
-        <p:sp>
-          <p:nvSpPr>
-            <p:cNvPr id="52" name="Tåre 43"/>
-            <p:cNvSpPr/>
-            <p:nvPr/>
-          </p:nvSpPr>
-          <p:spPr>
-            <a:xfrm rot="8045400">
-              <a:off x="189000" y="1018080"/>
-              <a:ext cx="135360" cy="136800"/>
-            </a:xfrm>
-            <a:prstGeom prst="teardrop">
-              <a:avLst>
-                <a:gd name="adj" fmla="val 143023"/>
-              </a:avLst>
-            </a:prstGeom>
-            <a:gradFill rotWithShape="0">
-              <a:gsLst>
-                <a:gs pos="0">
-                  <a:srgbClr val="17375E"/>
-                </a:gs>
-                <a:gs pos="100000">
-                  <a:srgbClr val="C6D9F1"/>
-                </a:gs>
-              </a:gsLst>
-              <a:path path="rect">
-                <a:fillToRect l="100000" t="100000"/>
-              </a:path>
-            </a:gradFill>
-            <a:ln w="6350">
-              <a:solidFill>
-                <a:srgbClr val="FFFFFF"/>
-              </a:solidFill>
-              <a:round/>
-            </a:ln>
-          </p:spPr>
-          <p:style>
-            <a:lnRef idx="2">
-              <a:schemeClr val="accent1">
-                <a:shade val="50000"/>
-              </a:schemeClr>
-            </a:lnRef>
-            <a:fillRef idx="1">
-              <a:schemeClr val="accent1"/>
-            </a:fillRef>
-            <a:effectRef idx="0">
-              <a:schemeClr val="accent1"/>
-            </a:effectRef>
-            <a:fontRef idx="minor"/>
-          </p:style>
-        </p:sp>
-        <p:sp>
-          <p:nvSpPr>
-            <p:cNvPr id="56" name="Ellipse 44"/>
-            <p:cNvSpPr/>
-            <p:nvPr/>
-          </p:nvSpPr>
-          <p:spPr>
-            <a:xfrm>
-              <a:off x="227880" y="1067040"/>
-              <a:ext cx="52920" cy="54360"/>
-            </a:xfrm>
-            <a:prstGeom prst="ellipse">
-              <a:avLst/>
-            </a:prstGeom>
-            <a:solidFill>
-              <a:schemeClr val="bg1"/>
-            </a:solidFill>
-            <a:ln w="6350">
-              <a:noFill/>
-            </a:ln>
-          </p:spPr>
-          <p:style>
-            <a:lnRef idx="2">
-              <a:schemeClr val="accent1">
-                <a:shade val="50000"/>
-              </a:schemeClr>
-            </a:lnRef>
-            <a:fillRef idx="1">
-              <a:schemeClr val="accent1"/>
-            </a:fillRef>
-            <a:effectRef idx="0">
-              <a:schemeClr val="accent1"/>
-            </a:effectRef>
-            <a:fontRef idx="minor"/>
-          </p:style>
-        </p:sp>
-      </p:grpSp>
-      <p:grpSp>
-        <p:nvGrpSpPr>
           <p:cNvPr id="57" name="Gruppe 56"/>
           <p:cNvGrpSpPr/>
           <p:nvPr/>
@@ -11425,6 +11285,190 @@
               <a:t> </a:t>
             </a:r>
             <a:endParaRPr lang="en-US" sz="600" dirty="0" smtClean="0">
+              <a:solidFill>
+                <a:schemeClr val="tx1"/>
+              </a:solidFill>
+            </a:endParaRPr>
+          </a:p>
+        </p:txBody>
+      </p:sp>
+      <p:grpSp>
+        <p:nvGrpSpPr>
+          <p:cNvPr id="63" name="Gruppe 41"/>
+          <p:cNvGrpSpPr/>
+          <p:nvPr/>
+        </p:nvGrpSpPr>
+        <p:grpSpPr>
+          <a:xfrm>
+            <a:off x="196462" y="1299222"/>
+            <a:ext cx="146716" cy="214722"/>
+            <a:chOff x="171000" y="979920"/>
+            <a:chExt cx="182160" cy="263520"/>
+          </a:xfrm>
+        </p:grpSpPr>
+        <p:sp>
+          <p:nvSpPr>
+            <p:cNvPr id="64" name="Ellipse 42"/>
+            <p:cNvSpPr/>
+            <p:nvPr/>
+          </p:nvSpPr>
+          <p:spPr>
+            <a:xfrm>
+              <a:off x="209520" y="1195920"/>
+              <a:ext cx="106200" cy="47520"/>
+            </a:xfrm>
+            <a:prstGeom prst="ellipse">
+              <a:avLst/>
+            </a:prstGeom>
+            <a:gradFill rotWithShape="0">
+              <a:gsLst>
+                <a:gs pos="0">
+                  <a:srgbClr val="8EB4E3"/>
+                </a:gs>
+                <a:gs pos="100000">
+                  <a:srgbClr val="0070C0"/>
+                </a:gs>
+              </a:gsLst>
+              <a:lin ang="0"/>
+            </a:gradFill>
+            <a:ln>
+              <a:noFill/>
+            </a:ln>
+          </p:spPr>
+          <p:style>
+            <a:lnRef idx="2">
+              <a:schemeClr val="accent1">
+                <a:shade val="50000"/>
+              </a:schemeClr>
+            </a:lnRef>
+            <a:fillRef idx="1">
+              <a:schemeClr val="accent1"/>
+            </a:fillRef>
+            <a:effectRef idx="0">
+              <a:schemeClr val="accent1"/>
+            </a:effectRef>
+            <a:fontRef idx="minor"/>
+          </p:style>
+        </p:sp>
+        <p:sp>
+          <p:nvSpPr>
+            <p:cNvPr id="66" name="Tåre 43"/>
+            <p:cNvSpPr/>
+            <p:nvPr/>
+          </p:nvSpPr>
+          <p:spPr>
+            <a:xfrm rot="8045400">
+              <a:off x="189000" y="1018080"/>
+              <a:ext cx="135360" cy="136800"/>
+            </a:xfrm>
+            <a:prstGeom prst="teardrop">
+              <a:avLst>
+                <a:gd name="adj" fmla="val 143023"/>
+              </a:avLst>
+            </a:prstGeom>
+            <a:gradFill rotWithShape="0">
+              <a:gsLst>
+                <a:gs pos="0">
+                  <a:srgbClr val="17375E"/>
+                </a:gs>
+                <a:gs pos="100000">
+                  <a:srgbClr val="C6D9F1"/>
+                </a:gs>
+              </a:gsLst>
+              <a:path path="rect">
+                <a:fillToRect l="100000" t="100000"/>
+              </a:path>
+            </a:gradFill>
+            <a:ln w="6350">
+              <a:solidFill>
+                <a:srgbClr val="FFFFFF"/>
+              </a:solidFill>
+              <a:round/>
+            </a:ln>
+          </p:spPr>
+          <p:style>
+            <a:lnRef idx="2">
+              <a:schemeClr val="accent1">
+                <a:shade val="50000"/>
+              </a:schemeClr>
+            </a:lnRef>
+            <a:fillRef idx="1">
+              <a:schemeClr val="accent1"/>
+            </a:fillRef>
+            <a:effectRef idx="0">
+              <a:schemeClr val="accent1"/>
+            </a:effectRef>
+            <a:fontRef idx="minor"/>
+          </p:style>
+        </p:sp>
+        <p:sp>
+          <p:nvSpPr>
+            <p:cNvPr id="67" name="Ellipse 44"/>
+            <p:cNvSpPr/>
+            <p:nvPr/>
+          </p:nvSpPr>
+          <p:spPr>
+            <a:xfrm>
+              <a:off x="227880" y="1067040"/>
+              <a:ext cx="52920" cy="54360"/>
+            </a:xfrm>
+            <a:prstGeom prst="ellipse">
+              <a:avLst/>
+            </a:prstGeom>
+            <a:solidFill>
+              <a:schemeClr val="bg1"/>
+            </a:solidFill>
+            <a:ln w="6350">
+              <a:noFill/>
+            </a:ln>
+          </p:spPr>
+          <p:style>
+            <a:lnRef idx="2">
+              <a:schemeClr val="accent1">
+                <a:shade val="50000"/>
+              </a:schemeClr>
+            </a:lnRef>
+            <a:fillRef idx="1">
+              <a:schemeClr val="accent1"/>
+            </a:fillRef>
+            <a:effectRef idx="0">
+              <a:schemeClr val="accent1"/>
+            </a:effectRef>
+            <a:fontRef idx="minor"/>
+          </p:style>
+        </p:sp>
+      </p:grpSp>
+      <p:sp>
+        <p:nvSpPr>
+          <p:cNvPr id="2" name="TekstSylinder 1"/>
+          <p:cNvSpPr txBox="1"/>
+          <p:nvPr/>
+        </p:nvSpPr>
+        <p:spPr>
+          <a:xfrm>
+            <a:off x="2261398" y="1000269"/>
+            <a:ext cx="2745398" cy="461665"/>
+          </a:xfrm>
+          <a:prstGeom prst="rect">
+            <a:avLst/>
+          </a:prstGeom>
+          <a:noFill/>
+        </p:spPr>
+        <p:txBody>
+          <a:bodyPr wrap="square" rtlCol="0">
+            <a:spAutoFit/>
+          </a:bodyPr>
+          <a:lstStyle/>
+          <a:p>
+            <a:r>
+              <a:rPr lang="en-US" sz="1200" dirty="0" smtClean="0">
+                <a:solidFill>
+                  <a:schemeClr val="tx1"/>
+                </a:solidFill>
+              </a:rPr>
+              <a:t>Approved if observed quality metrics are within regions marked green </a:t>
+            </a:r>
+            <a:endParaRPr lang="en-US" sz="1200" dirty="0" smtClean="0">
               <a:solidFill>
                 <a:schemeClr val="tx1"/>
               </a:solidFill>
@@ -13762,152 +13806,6 @@
       </p:sp>
       <p:grpSp>
         <p:nvGrpSpPr>
-          <p:cNvPr id="61" name="Gruppe 41"/>
-          <p:cNvGrpSpPr/>
-          <p:nvPr/>
-        </p:nvGrpSpPr>
-        <p:grpSpPr>
-          <a:xfrm>
-            <a:off x="254308" y="1301732"/>
-            <a:ext cx="146716" cy="214722"/>
-            <a:chOff x="171000" y="979920"/>
-            <a:chExt cx="182160" cy="263520"/>
-          </a:xfrm>
-        </p:grpSpPr>
-        <p:sp>
-          <p:nvSpPr>
-            <p:cNvPr id="62" name="Ellipse 42"/>
-            <p:cNvSpPr/>
-            <p:nvPr/>
-          </p:nvSpPr>
-          <p:spPr>
-            <a:xfrm>
-              <a:off x="209520" y="1195920"/>
-              <a:ext cx="106200" cy="47520"/>
-            </a:xfrm>
-            <a:prstGeom prst="ellipse">
-              <a:avLst/>
-            </a:prstGeom>
-            <a:gradFill rotWithShape="0">
-              <a:gsLst>
-                <a:gs pos="0">
-                  <a:srgbClr val="8EB4E3"/>
-                </a:gs>
-                <a:gs pos="100000">
-                  <a:srgbClr val="0070C0"/>
-                </a:gs>
-              </a:gsLst>
-              <a:lin ang="0"/>
-            </a:gradFill>
-            <a:ln>
-              <a:noFill/>
-            </a:ln>
-          </p:spPr>
-          <p:style>
-            <a:lnRef idx="2">
-              <a:schemeClr val="accent1">
-                <a:shade val="50000"/>
-              </a:schemeClr>
-            </a:lnRef>
-            <a:fillRef idx="1">
-              <a:schemeClr val="accent1"/>
-            </a:fillRef>
-            <a:effectRef idx="0">
-              <a:schemeClr val="accent1"/>
-            </a:effectRef>
-            <a:fontRef idx="minor"/>
-          </p:style>
-        </p:sp>
-        <p:sp>
-          <p:nvSpPr>
-            <p:cNvPr id="63" name="Tåre 43"/>
-            <p:cNvSpPr/>
-            <p:nvPr/>
-          </p:nvSpPr>
-          <p:spPr>
-            <a:xfrm rot="8045400">
-              <a:off x="189000" y="1018080"/>
-              <a:ext cx="135360" cy="136800"/>
-            </a:xfrm>
-            <a:prstGeom prst="teardrop">
-              <a:avLst>
-                <a:gd name="adj" fmla="val 143023"/>
-              </a:avLst>
-            </a:prstGeom>
-            <a:gradFill rotWithShape="0">
-              <a:gsLst>
-                <a:gs pos="0">
-                  <a:srgbClr val="17375E"/>
-                </a:gs>
-                <a:gs pos="100000">
-                  <a:srgbClr val="C6D9F1"/>
-                </a:gs>
-              </a:gsLst>
-              <a:path path="rect">
-                <a:fillToRect l="100000" t="100000"/>
-              </a:path>
-            </a:gradFill>
-            <a:ln w="6350">
-              <a:solidFill>
-                <a:srgbClr val="FFFFFF"/>
-              </a:solidFill>
-              <a:round/>
-            </a:ln>
-          </p:spPr>
-          <p:style>
-            <a:lnRef idx="2">
-              <a:schemeClr val="accent1">
-                <a:shade val="50000"/>
-              </a:schemeClr>
-            </a:lnRef>
-            <a:fillRef idx="1">
-              <a:schemeClr val="accent1"/>
-            </a:fillRef>
-            <a:effectRef idx="0">
-              <a:schemeClr val="accent1"/>
-            </a:effectRef>
-            <a:fontRef idx="minor"/>
-          </p:style>
-        </p:sp>
-        <p:sp>
-          <p:nvSpPr>
-            <p:cNvPr id="64" name="Ellipse 44"/>
-            <p:cNvSpPr/>
-            <p:nvPr/>
-          </p:nvSpPr>
-          <p:spPr>
-            <a:xfrm>
-              <a:off x="227880" y="1067040"/>
-              <a:ext cx="52920" cy="54360"/>
-            </a:xfrm>
-            <a:prstGeom prst="ellipse">
-              <a:avLst/>
-            </a:prstGeom>
-            <a:solidFill>
-              <a:schemeClr val="bg1"/>
-            </a:solidFill>
-            <a:ln w="6350">
-              <a:noFill/>
-            </a:ln>
-          </p:spPr>
-          <p:style>
-            <a:lnRef idx="2">
-              <a:schemeClr val="accent1">
-                <a:shade val="50000"/>
-              </a:schemeClr>
-            </a:lnRef>
-            <a:fillRef idx="1">
-              <a:schemeClr val="accent1"/>
-            </a:fillRef>
-            <a:effectRef idx="0">
-              <a:schemeClr val="accent1"/>
-            </a:effectRef>
-            <a:fontRef idx="minor"/>
-          </p:style>
-        </p:sp>
-      </p:grpSp>
-      <p:grpSp>
-        <p:nvGrpSpPr>
           <p:cNvPr id="65" name="Gruppe 64"/>
           <p:cNvGrpSpPr/>
           <p:nvPr/>
@@ -14465,6 +14363,7 @@
           <a:bodyPr wrap="square">
             <a:spAutoFit/>
           </a:bodyPr>
+          <a:lstStyle/>
           <a:p>
             <a:r>
               <a:rPr lang="en-US" sz="600" dirty="0" smtClean="0">
@@ -14523,6 +14422,152 @@
           </a:p>
         </p:txBody>
       </p:sp>
+      <p:grpSp>
+        <p:nvGrpSpPr>
+          <p:cNvPr id="52" name="Gruppe 41"/>
+          <p:cNvGrpSpPr/>
+          <p:nvPr/>
+        </p:nvGrpSpPr>
+        <p:grpSpPr>
+          <a:xfrm>
+            <a:off x="196462" y="1299222"/>
+            <a:ext cx="146716" cy="214722"/>
+            <a:chOff x="171000" y="979920"/>
+            <a:chExt cx="182160" cy="263520"/>
+          </a:xfrm>
+        </p:grpSpPr>
+        <p:sp>
+          <p:nvSpPr>
+            <p:cNvPr id="53" name="Ellipse 42"/>
+            <p:cNvSpPr/>
+            <p:nvPr/>
+          </p:nvSpPr>
+          <p:spPr>
+            <a:xfrm>
+              <a:off x="209520" y="1195920"/>
+              <a:ext cx="106200" cy="47520"/>
+            </a:xfrm>
+            <a:prstGeom prst="ellipse">
+              <a:avLst/>
+            </a:prstGeom>
+            <a:gradFill rotWithShape="0">
+              <a:gsLst>
+                <a:gs pos="0">
+                  <a:srgbClr val="8EB4E3"/>
+                </a:gs>
+                <a:gs pos="100000">
+                  <a:srgbClr val="0070C0"/>
+                </a:gs>
+              </a:gsLst>
+              <a:lin ang="0"/>
+            </a:gradFill>
+            <a:ln>
+              <a:noFill/>
+            </a:ln>
+          </p:spPr>
+          <p:style>
+            <a:lnRef idx="2">
+              <a:schemeClr val="accent1">
+                <a:shade val="50000"/>
+              </a:schemeClr>
+            </a:lnRef>
+            <a:fillRef idx="1">
+              <a:schemeClr val="accent1"/>
+            </a:fillRef>
+            <a:effectRef idx="0">
+              <a:schemeClr val="accent1"/>
+            </a:effectRef>
+            <a:fontRef idx="minor"/>
+          </p:style>
+        </p:sp>
+        <p:sp>
+          <p:nvSpPr>
+            <p:cNvPr id="54" name="Tåre 43"/>
+            <p:cNvSpPr/>
+            <p:nvPr/>
+          </p:nvSpPr>
+          <p:spPr>
+            <a:xfrm rot="8045400">
+              <a:off x="189000" y="1018080"/>
+              <a:ext cx="135360" cy="136800"/>
+            </a:xfrm>
+            <a:prstGeom prst="teardrop">
+              <a:avLst>
+                <a:gd name="adj" fmla="val 143023"/>
+              </a:avLst>
+            </a:prstGeom>
+            <a:gradFill rotWithShape="0">
+              <a:gsLst>
+                <a:gs pos="0">
+                  <a:srgbClr val="17375E"/>
+                </a:gs>
+                <a:gs pos="100000">
+                  <a:srgbClr val="C6D9F1"/>
+                </a:gs>
+              </a:gsLst>
+              <a:path path="rect">
+                <a:fillToRect l="100000" t="100000"/>
+              </a:path>
+            </a:gradFill>
+            <a:ln w="6350">
+              <a:solidFill>
+                <a:srgbClr val="FFFFFF"/>
+              </a:solidFill>
+              <a:round/>
+            </a:ln>
+          </p:spPr>
+          <p:style>
+            <a:lnRef idx="2">
+              <a:schemeClr val="accent1">
+                <a:shade val="50000"/>
+              </a:schemeClr>
+            </a:lnRef>
+            <a:fillRef idx="1">
+              <a:schemeClr val="accent1"/>
+            </a:fillRef>
+            <a:effectRef idx="0">
+              <a:schemeClr val="accent1"/>
+            </a:effectRef>
+            <a:fontRef idx="minor"/>
+          </p:style>
+        </p:sp>
+        <p:sp>
+          <p:nvSpPr>
+            <p:cNvPr id="55" name="Ellipse 44"/>
+            <p:cNvSpPr/>
+            <p:nvPr/>
+          </p:nvSpPr>
+          <p:spPr>
+            <a:xfrm>
+              <a:off x="227880" y="1067040"/>
+              <a:ext cx="52920" cy="54360"/>
+            </a:xfrm>
+            <a:prstGeom prst="ellipse">
+              <a:avLst/>
+            </a:prstGeom>
+            <a:solidFill>
+              <a:schemeClr val="bg1"/>
+            </a:solidFill>
+            <a:ln w="6350">
+              <a:noFill/>
+            </a:ln>
+          </p:spPr>
+          <p:style>
+            <a:lnRef idx="2">
+              <a:schemeClr val="accent1">
+                <a:shade val="50000"/>
+              </a:schemeClr>
+            </a:lnRef>
+            <a:fillRef idx="1">
+              <a:schemeClr val="accent1"/>
+            </a:fillRef>
+            <a:effectRef idx="0">
+              <a:schemeClr val="accent1"/>
+            </a:effectRef>
+            <a:fontRef idx="minor"/>
+          </p:style>
+        </p:sp>
+      </p:grpSp>
     </p:spTree>
   </p:cSld>
   <p:clrMapOvr>
@@ -14594,6 +14639,7 @@
         </p:style>
         <p:txBody>
           <a:bodyPr rtlCol="0" anchor="ctr"/>
+          <a:lstStyle/>
           <a:p>
             <a:pPr algn="ctr"/>
             <a:endParaRPr lang="en-US" dirty="0"/>
@@ -19053,152 +19099,6 @@
       </p:sp>
       <p:grpSp>
         <p:nvGrpSpPr>
-          <p:cNvPr id="63" name="Gruppe 41"/>
-          <p:cNvGrpSpPr/>
-          <p:nvPr/>
-        </p:nvGrpSpPr>
-        <p:grpSpPr>
-          <a:xfrm>
-            <a:off x="254308" y="1301732"/>
-            <a:ext cx="146716" cy="214722"/>
-            <a:chOff x="171000" y="979920"/>
-            <a:chExt cx="182160" cy="263520"/>
-          </a:xfrm>
-        </p:grpSpPr>
-        <p:sp>
-          <p:nvSpPr>
-            <p:cNvPr id="64" name="Ellipse 42"/>
-            <p:cNvSpPr/>
-            <p:nvPr/>
-          </p:nvSpPr>
-          <p:spPr>
-            <a:xfrm>
-              <a:off x="209520" y="1195920"/>
-              <a:ext cx="106200" cy="47520"/>
-            </a:xfrm>
-            <a:prstGeom prst="ellipse">
-              <a:avLst/>
-            </a:prstGeom>
-            <a:gradFill rotWithShape="0">
-              <a:gsLst>
-                <a:gs pos="0">
-                  <a:srgbClr val="8EB4E3"/>
-                </a:gs>
-                <a:gs pos="100000">
-                  <a:srgbClr val="0070C0"/>
-                </a:gs>
-              </a:gsLst>
-              <a:lin ang="0"/>
-            </a:gradFill>
-            <a:ln>
-              <a:noFill/>
-            </a:ln>
-          </p:spPr>
-          <p:style>
-            <a:lnRef idx="2">
-              <a:schemeClr val="accent1">
-                <a:shade val="50000"/>
-              </a:schemeClr>
-            </a:lnRef>
-            <a:fillRef idx="1">
-              <a:schemeClr val="accent1"/>
-            </a:fillRef>
-            <a:effectRef idx="0">
-              <a:schemeClr val="accent1"/>
-            </a:effectRef>
-            <a:fontRef idx="minor"/>
-          </p:style>
-        </p:sp>
-        <p:sp>
-          <p:nvSpPr>
-            <p:cNvPr id="65" name="Tåre 43"/>
-            <p:cNvSpPr/>
-            <p:nvPr/>
-          </p:nvSpPr>
-          <p:spPr>
-            <a:xfrm rot="8045400">
-              <a:off x="189000" y="1018080"/>
-              <a:ext cx="135360" cy="136800"/>
-            </a:xfrm>
-            <a:prstGeom prst="teardrop">
-              <a:avLst>
-                <a:gd name="adj" fmla="val 143023"/>
-              </a:avLst>
-            </a:prstGeom>
-            <a:gradFill rotWithShape="0">
-              <a:gsLst>
-                <a:gs pos="0">
-                  <a:srgbClr val="17375E"/>
-                </a:gs>
-                <a:gs pos="100000">
-                  <a:srgbClr val="C6D9F1"/>
-                </a:gs>
-              </a:gsLst>
-              <a:path path="rect">
-                <a:fillToRect l="100000" t="100000"/>
-              </a:path>
-            </a:gradFill>
-            <a:ln w="6350">
-              <a:solidFill>
-                <a:srgbClr val="FFFFFF"/>
-              </a:solidFill>
-              <a:round/>
-            </a:ln>
-          </p:spPr>
-          <p:style>
-            <a:lnRef idx="2">
-              <a:schemeClr val="accent1">
-                <a:shade val="50000"/>
-              </a:schemeClr>
-            </a:lnRef>
-            <a:fillRef idx="1">
-              <a:schemeClr val="accent1"/>
-            </a:fillRef>
-            <a:effectRef idx="0">
-              <a:schemeClr val="accent1"/>
-            </a:effectRef>
-            <a:fontRef idx="minor"/>
-          </p:style>
-        </p:sp>
-        <p:sp>
-          <p:nvSpPr>
-            <p:cNvPr id="66" name="Ellipse 44"/>
-            <p:cNvSpPr/>
-            <p:nvPr/>
-          </p:nvSpPr>
-          <p:spPr>
-            <a:xfrm>
-              <a:off x="227880" y="1067040"/>
-              <a:ext cx="52920" cy="54360"/>
-            </a:xfrm>
-            <a:prstGeom prst="ellipse">
-              <a:avLst/>
-            </a:prstGeom>
-            <a:solidFill>
-              <a:schemeClr val="bg1"/>
-            </a:solidFill>
-            <a:ln w="6350">
-              <a:noFill/>
-            </a:ln>
-          </p:spPr>
-          <p:style>
-            <a:lnRef idx="2">
-              <a:schemeClr val="accent1">
-                <a:shade val="50000"/>
-              </a:schemeClr>
-            </a:lnRef>
-            <a:fillRef idx="1">
-              <a:schemeClr val="accent1"/>
-            </a:fillRef>
-            <a:effectRef idx="0">
-              <a:schemeClr val="accent1"/>
-            </a:effectRef>
-            <a:fontRef idx="minor"/>
-          </p:style>
-        </p:sp>
-      </p:grpSp>
-      <p:grpSp>
-        <p:nvGrpSpPr>
           <p:cNvPr id="67" name="Gruppe 66"/>
           <p:cNvGrpSpPr/>
           <p:nvPr/>
@@ -19815,6 +19715,152 @@
           </a:p>
         </p:txBody>
       </p:sp>
+      <p:grpSp>
+        <p:nvGrpSpPr>
+          <p:cNvPr id="53" name="Gruppe 41"/>
+          <p:cNvGrpSpPr/>
+          <p:nvPr/>
+        </p:nvGrpSpPr>
+        <p:grpSpPr>
+          <a:xfrm>
+            <a:off x="196462" y="1299222"/>
+            <a:ext cx="146716" cy="214722"/>
+            <a:chOff x="171000" y="979920"/>
+            <a:chExt cx="182160" cy="263520"/>
+          </a:xfrm>
+        </p:grpSpPr>
+        <p:sp>
+          <p:nvSpPr>
+            <p:cNvPr id="54" name="Ellipse 42"/>
+            <p:cNvSpPr/>
+            <p:nvPr/>
+          </p:nvSpPr>
+          <p:spPr>
+            <a:xfrm>
+              <a:off x="209520" y="1195920"/>
+              <a:ext cx="106200" cy="47520"/>
+            </a:xfrm>
+            <a:prstGeom prst="ellipse">
+              <a:avLst/>
+            </a:prstGeom>
+            <a:gradFill rotWithShape="0">
+              <a:gsLst>
+                <a:gs pos="0">
+                  <a:srgbClr val="8EB4E3"/>
+                </a:gs>
+                <a:gs pos="100000">
+                  <a:srgbClr val="0070C0"/>
+                </a:gs>
+              </a:gsLst>
+              <a:lin ang="0"/>
+            </a:gradFill>
+            <a:ln>
+              <a:noFill/>
+            </a:ln>
+          </p:spPr>
+          <p:style>
+            <a:lnRef idx="2">
+              <a:schemeClr val="accent1">
+                <a:shade val="50000"/>
+              </a:schemeClr>
+            </a:lnRef>
+            <a:fillRef idx="1">
+              <a:schemeClr val="accent1"/>
+            </a:fillRef>
+            <a:effectRef idx="0">
+              <a:schemeClr val="accent1"/>
+            </a:effectRef>
+            <a:fontRef idx="minor"/>
+          </p:style>
+        </p:sp>
+        <p:sp>
+          <p:nvSpPr>
+            <p:cNvPr id="55" name="Tåre 43"/>
+            <p:cNvSpPr/>
+            <p:nvPr/>
+          </p:nvSpPr>
+          <p:spPr>
+            <a:xfrm rot="8045400">
+              <a:off x="189000" y="1018080"/>
+              <a:ext cx="135360" cy="136800"/>
+            </a:xfrm>
+            <a:prstGeom prst="teardrop">
+              <a:avLst>
+                <a:gd name="adj" fmla="val 143023"/>
+              </a:avLst>
+            </a:prstGeom>
+            <a:gradFill rotWithShape="0">
+              <a:gsLst>
+                <a:gs pos="0">
+                  <a:srgbClr val="17375E"/>
+                </a:gs>
+                <a:gs pos="100000">
+                  <a:srgbClr val="C6D9F1"/>
+                </a:gs>
+              </a:gsLst>
+              <a:path path="rect">
+                <a:fillToRect l="100000" t="100000"/>
+              </a:path>
+            </a:gradFill>
+            <a:ln w="6350">
+              <a:solidFill>
+                <a:srgbClr val="FFFFFF"/>
+              </a:solidFill>
+              <a:round/>
+            </a:ln>
+          </p:spPr>
+          <p:style>
+            <a:lnRef idx="2">
+              <a:schemeClr val="accent1">
+                <a:shade val="50000"/>
+              </a:schemeClr>
+            </a:lnRef>
+            <a:fillRef idx="1">
+              <a:schemeClr val="accent1"/>
+            </a:fillRef>
+            <a:effectRef idx="0">
+              <a:schemeClr val="accent1"/>
+            </a:effectRef>
+            <a:fontRef idx="minor"/>
+          </p:style>
+        </p:sp>
+        <p:sp>
+          <p:nvSpPr>
+            <p:cNvPr id="56" name="Ellipse 44"/>
+            <p:cNvSpPr/>
+            <p:nvPr/>
+          </p:nvSpPr>
+          <p:spPr>
+            <a:xfrm>
+              <a:off x="227880" y="1067040"/>
+              <a:ext cx="52920" cy="54360"/>
+            </a:xfrm>
+            <a:prstGeom prst="ellipse">
+              <a:avLst/>
+            </a:prstGeom>
+            <a:solidFill>
+              <a:schemeClr val="bg1"/>
+            </a:solidFill>
+            <a:ln w="6350">
+              <a:noFill/>
+            </a:ln>
+          </p:spPr>
+          <p:style>
+            <a:lnRef idx="2">
+              <a:schemeClr val="accent1">
+                <a:shade val="50000"/>
+              </a:schemeClr>
+            </a:lnRef>
+            <a:fillRef idx="1">
+              <a:schemeClr val="accent1"/>
+            </a:fillRef>
+            <a:effectRef idx="0">
+              <a:schemeClr val="accent1"/>
+            </a:effectRef>
+            <a:fontRef idx="minor"/>
+          </p:style>
+        </p:sp>
+      </p:grpSp>
     </p:spTree>
   </p:cSld>
   <p:clrMapOvr>
@@ -21965,13 +22011,13 @@
       </p:sp>
       <p:sp>
         <p:nvSpPr>
-          <p:cNvPr id="59" name="Rectangle 113"/>
+          <p:cNvPr id="62" name="Rectangle 113"/>
           <p:cNvSpPr/>
           <p:nvPr/>
         </p:nvSpPr>
         <p:spPr>
           <a:xfrm>
-            <a:off x="1708575" y="4295238"/>
+            <a:off x="1706184" y="3331375"/>
             <a:ext cx="4596986" cy="230832"/>
           </a:xfrm>
           <a:prstGeom prst="rect">
@@ -21986,1234 +22032,12 @@
           <a:p>
             <a:r>
               <a:rPr lang="en-US" sz="900" b="1" dirty="0" smtClean="0"/>
-              <a:t>Additional results: Variants of potential biological and diagnostic relevance</a:t>
+              <a:t>Additional results: Copy number variant </a:t>
             </a:r>
             <a:endParaRPr lang="en-US" sz="900" b="1" dirty="0"/>
           </a:p>
         </p:txBody>
       </p:sp>
-      <p:graphicFrame>
-        <p:nvGraphicFramePr>
-          <p:cNvPr id="60" name="Table 114"/>
-          <p:cNvGraphicFramePr>
-            <a:graphicFrameLocks noGrp="1"/>
-          </p:cNvGraphicFramePr>
-          <p:nvPr/>
-        </p:nvGraphicFramePr>
-        <p:xfrm>
-          <a:off x="1757330" y="4498317"/>
-          <a:ext cx="4809121" cy="440690"/>
-        </p:xfrm>
-        <a:graphic>
-          <a:graphicData uri="http://schemas.openxmlformats.org/drawingml/2006/table">
-            <a:tbl>
-              <a:tblPr/>
-              <a:tblGrid>
-                <a:gridCol w="510414"/>
-                <a:gridCol w="648072"/>
-                <a:gridCol w="936104"/>
-                <a:gridCol w="2714531"/>
-              </a:tblGrid>
-              <a:tr h="177165">
-                <a:tc>
-                  <a:txBody>
-                    <a:bodyPr/>
-                    <a:lstStyle/>
-                    <a:p>
-                      <a:pPr marL="0" marR="0" algn="ctr">
-                        <a:lnSpc>
-                          <a:spcPct val="100000"/>
-                        </a:lnSpc>
-                        <a:spcBef>
-                          <a:spcPts val="0"/>
-                        </a:spcBef>
-                        <a:spcAft>
-                          <a:spcPts val="0"/>
-                        </a:spcAft>
-                      </a:pPr>
-                      <a:r>
-                        <a:rPr lang="en-US" sz="800" b="1" dirty="0">
-                          <a:solidFill>
-                            <a:srgbClr val="000000"/>
-                          </a:solidFill>
-                          <a:latin typeface="Calibri"/>
-                          <a:ea typeface="Calibri"/>
-                          <a:cs typeface="Times New Roman" panose="02020603050405020304"/>
-                        </a:rPr>
-                        <a:t>Gene</a:t>
-                      </a:r>
-                      <a:endParaRPr lang="en-US" sz="1100" dirty="0">
-                        <a:solidFill>
-                          <a:srgbClr val="000000"/>
-                        </a:solidFill>
-                        <a:latin typeface="Calibri"/>
-                        <a:ea typeface="Calibri"/>
-                        <a:cs typeface="Times New Roman" panose="02020603050405020304"/>
-                      </a:endParaRPr>
-                    </a:p>
-                  </a:txBody>
-                  <a:tcPr marL="68580" marR="68580" marT="0" marB="0" anchor="ctr">
-                    <a:lnL>
-                      <a:noFill/>
-                    </a:lnL>
-                    <a:lnR w="12700" cap="flat" cmpd="sng" algn="ctr">
-                      <a:solidFill>
-                        <a:schemeClr val="bg1"/>
-                      </a:solidFill>
-                      <a:prstDash val="solid"/>
-                      <a:round/>
-                      <a:headEnd type="none" w="med" len="med"/>
-                      <a:tailEnd type="none" w="med" len="med"/>
-                    </a:lnR>
-                    <a:lnT w="12700" cap="flat" cmpd="sng" algn="ctr">
-                      <a:solidFill>
-                        <a:srgbClr val="000000"/>
-                      </a:solidFill>
-                      <a:prstDash val="solid"/>
-                      <a:round/>
-                      <a:headEnd type="none" w="med" len="med"/>
-                      <a:tailEnd type="none" w="med" len="med"/>
-                    </a:lnT>
-                    <a:lnB>
-                      <a:noFill/>
-                    </a:lnB>
-                    <a:solidFill>
-                      <a:schemeClr val="accent5">
-                        <a:lumMod val="20000"/>
-                        <a:lumOff val="80000"/>
-                      </a:schemeClr>
-                    </a:solidFill>
-                  </a:tcPr>
-                </a:tc>
-                <a:tc>
-                  <a:txBody>
-                    <a:bodyPr/>
-                    <a:lstStyle/>
-                    <a:p>
-                      <a:pPr marL="0" marR="0" algn="ctr">
-                        <a:lnSpc>
-                          <a:spcPct val="100000"/>
-                        </a:lnSpc>
-                        <a:spcBef>
-                          <a:spcPts val="0"/>
-                        </a:spcBef>
-                        <a:spcAft>
-                          <a:spcPts val="0"/>
-                        </a:spcAft>
-                      </a:pPr>
-                      <a:r>
-                        <a:rPr lang="en-US" sz="800" b="1" dirty="0">
-                          <a:solidFill>
-                            <a:srgbClr val="000000"/>
-                          </a:solidFill>
-                          <a:latin typeface="Calibri"/>
-                          <a:ea typeface="Calibri"/>
-                          <a:cs typeface="Times New Roman" panose="02020603050405020304"/>
-                        </a:rPr>
-                        <a:t>Variant</a:t>
-                      </a:r>
-                      <a:endParaRPr lang="en-US" sz="1100" dirty="0">
-                        <a:solidFill>
-                          <a:srgbClr val="000000"/>
-                        </a:solidFill>
-                        <a:latin typeface="Calibri"/>
-                        <a:ea typeface="Calibri"/>
-                        <a:cs typeface="Times New Roman" panose="02020603050405020304"/>
-                      </a:endParaRPr>
-                    </a:p>
-                  </a:txBody>
-                  <a:tcPr marL="68580" marR="68580" marT="0" marB="0" anchor="ctr">
-                    <a:lnL w="12700" cap="flat" cmpd="sng" algn="ctr">
-                      <a:solidFill>
-                        <a:schemeClr val="bg1"/>
-                      </a:solidFill>
-                      <a:prstDash val="solid"/>
-                      <a:round/>
-                      <a:headEnd type="none" w="med" len="med"/>
-                      <a:tailEnd type="none" w="med" len="med"/>
-                    </a:lnL>
-                    <a:lnR w="12700" cap="flat" cmpd="sng" algn="ctr">
-                      <a:solidFill>
-                        <a:schemeClr val="bg1"/>
-                      </a:solidFill>
-                      <a:prstDash val="solid"/>
-                      <a:round/>
-                      <a:headEnd type="none" w="med" len="med"/>
-                      <a:tailEnd type="none" w="med" len="med"/>
-                    </a:lnR>
-                    <a:lnT w="12700" cap="flat" cmpd="sng" algn="ctr">
-                      <a:solidFill>
-                        <a:srgbClr val="000000"/>
-                      </a:solidFill>
-                      <a:prstDash val="solid"/>
-                      <a:round/>
-                      <a:headEnd type="none" w="med" len="med"/>
-                      <a:tailEnd type="none" w="med" len="med"/>
-                    </a:lnT>
-                    <a:lnB>
-                      <a:noFill/>
-                    </a:lnB>
-                    <a:solidFill>
-                      <a:schemeClr val="accent5">
-                        <a:lumMod val="20000"/>
-                        <a:lumOff val="80000"/>
-                      </a:schemeClr>
-                    </a:solidFill>
-                  </a:tcPr>
-                </a:tc>
-                <a:tc>
-                  <a:txBody>
-                    <a:bodyPr/>
-                    <a:lstStyle/>
-                    <a:p>
-                      <a:pPr marL="0" marR="0" algn="ctr">
-                        <a:lnSpc>
-                          <a:spcPct val="100000"/>
-                        </a:lnSpc>
-                        <a:spcBef>
-                          <a:spcPts val="0"/>
-                        </a:spcBef>
-                        <a:spcAft>
-                          <a:spcPts val="0"/>
-                        </a:spcAft>
-                      </a:pPr>
-                      <a:r>
-                        <a:rPr lang="en-US" sz="800" b="1" dirty="0" err="1" smtClean="0">
-                          <a:solidFill>
-                            <a:srgbClr val="000000"/>
-                          </a:solidFill>
-                          <a:latin typeface="+mn-lt"/>
-                          <a:ea typeface="Calibri"/>
-                          <a:cs typeface="Times New Roman" panose="02020603050405020304"/>
-                        </a:rPr>
-                        <a:t>GoF</a:t>
-                      </a:r>
-                      <a:r>
-                        <a:rPr lang="en-US" sz="800" b="1" dirty="0" smtClean="0">
-                          <a:solidFill>
-                            <a:srgbClr val="000000"/>
-                          </a:solidFill>
-                          <a:latin typeface="+mn-lt"/>
-                          <a:ea typeface="Calibri"/>
-                          <a:cs typeface="Times New Roman" panose="02020603050405020304"/>
-                        </a:rPr>
-                        <a:t>/</a:t>
-                      </a:r>
-                      <a:r>
-                        <a:rPr lang="en-US" sz="800" b="1" dirty="0" err="1" smtClean="0">
-                          <a:solidFill>
-                            <a:srgbClr val="000000"/>
-                          </a:solidFill>
-                          <a:latin typeface="+mn-lt"/>
-                          <a:ea typeface="Calibri"/>
-                          <a:cs typeface="Times New Roman" panose="02020603050405020304"/>
-                        </a:rPr>
-                        <a:t>LoF</a:t>
-                      </a:r>
-                      <a:endParaRPr lang="en-US" sz="1100" dirty="0">
-                        <a:solidFill>
-                          <a:srgbClr val="000000"/>
-                        </a:solidFill>
-                        <a:latin typeface="+mn-lt"/>
-                        <a:ea typeface="Calibri"/>
-                        <a:cs typeface="Times New Roman" panose="02020603050405020304"/>
-                      </a:endParaRPr>
-                    </a:p>
-                  </a:txBody>
-                  <a:tcPr marL="68580" marR="68580" marT="0" marB="0" anchor="ctr">
-                    <a:lnL w="12700" cap="flat" cmpd="sng" algn="ctr">
-                      <a:solidFill>
-                        <a:schemeClr val="bg1"/>
-                      </a:solidFill>
-                      <a:prstDash val="solid"/>
-                      <a:round/>
-                      <a:headEnd type="none" w="med" len="med"/>
-                      <a:tailEnd type="none" w="med" len="med"/>
-                    </a:lnL>
-                    <a:lnR w="12700" cap="flat" cmpd="sng" algn="ctr">
-                      <a:solidFill>
-                        <a:schemeClr val="bg1"/>
-                      </a:solidFill>
-                      <a:prstDash val="solid"/>
-                      <a:round/>
-                      <a:headEnd type="none" w="med" len="med"/>
-                      <a:tailEnd type="none" w="med" len="med"/>
-                    </a:lnR>
-                    <a:lnT w="12700" cap="flat" cmpd="sng" algn="ctr">
-                      <a:solidFill>
-                        <a:srgbClr val="000000"/>
-                      </a:solidFill>
-                      <a:prstDash val="solid"/>
-                      <a:round/>
-                      <a:headEnd type="none" w="med" len="med"/>
-                      <a:tailEnd type="none" w="med" len="med"/>
-                    </a:lnT>
-                    <a:lnB>
-                      <a:noFill/>
-                    </a:lnB>
-                    <a:solidFill>
-                      <a:schemeClr val="accent5">
-                        <a:lumMod val="20000"/>
-                        <a:lumOff val="80000"/>
-                      </a:schemeClr>
-                    </a:solidFill>
-                  </a:tcPr>
-                </a:tc>
-                <a:tc>
-                  <a:txBody>
-                    <a:bodyPr/>
-                    <a:lstStyle/>
-                    <a:p>
-                      <a:pPr marL="0" marR="0" algn="ctr">
-                        <a:lnSpc>
-                          <a:spcPct val="100000"/>
-                        </a:lnSpc>
-                        <a:spcBef>
-                          <a:spcPts val="0"/>
-                        </a:spcBef>
-                        <a:spcAft>
-                          <a:spcPts val="0"/>
-                        </a:spcAft>
-                      </a:pPr>
-                      <a:r>
-                        <a:rPr lang="en-US" sz="800" b="1" dirty="0" smtClean="0">
-                          <a:solidFill>
-                            <a:srgbClr val="000000"/>
-                          </a:solidFill>
-                          <a:latin typeface="Calibri"/>
-                          <a:ea typeface="Calibri"/>
-                          <a:cs typeface="Times New Roman" panose="02020603050405020304"/>
-                        </a:rPr>
-                        <a:t>Comments</a:t>
-                      </a:r>
-                      <a:endParaRPr lang="en-US" sz="800" b="1" dirty="0">
-                        <a:solidFill>
-                          <a:srgbClr val="000000"/>
-                        </a:solidFill>
-                        <a:latin typeface="Calibri"/>
-                        <a:ea typeface="Calibri"/>
-                        <a:cs typeface="Times New Roman" panose="02020603050405020304"/>
-                      </a:endParaRPr>
-                    </a:p>
-                  </a:txBody>
-                  <a:tcPr marL="68580" marR="68580" marT="0" marB="0" anchor="ctr">
-                    <a:lnL w="12700" cap="flat" cmpd="sng" algn="ctr">
-                      <a:solidFill>
-                        <a:schemeClr val="bg1"/>
-                      </a:solidFill>
-                      <a:prstDash val="solid"/>
-                      <a:round/>
-                      <a:headEnd type="none" w="med" len="med"/>
-                      <a:tailEnd type="none" w="med" len="med"/>
-                    </a:lnL>
-                    <a:lnR w="12700" cap="flat" cmpd="sng" algn="ctr">
-                      <a:noFill/>
-                      <a:prstDash val="solid"/>
-                      <a:round/>
-                      <a:headEnd type="none" w="med" len="med"/>
-                      <a:tailEnd type="none" w="med" len="med"/>
-                    </a:lnR>
-                    <a:lnT w="12700" cap="flat" cmpd="sng" algn="ctr">
-                      <a:solidFill>
-                        <a:srgbClr val="000000"/>
-                      </a:solidFill>
-                      <a:prstDash val="solid"/>
-                      <a:round/>
-                      <a:headEnd type="none" w="med" len="med"/>
-                      <a:tailEnd type="none" w="med" len="med"/>
-                    </a:lnT>
-                    <a:lnB>
-                      <a:noFill/>
-                    </a:lnB>
-                    <a:solidFill>
-                      <a:schemeClr val="accent5">
-                        <a:lumMod val="20000"/>
-                        <a:lumOff val="80000"/>
-                      </a:schemeClr>
-                    </a:solidFill>
-                  </a:tcPr>
-                </a:tc>
-              </a:tr>
-              <a:tr h="263525">
-                <a:tc>
-                  <a:txBody>
-                    <a:bodyPr/>
-                    <a:lstStyle/>
-                    <a:p>
-                      <a:pPr marL="0" marR="0" algn="l">
-                        <a:lnSpc>
-                          <a:spcPct val="100000"/>
-                        </a:lnSpc>
-                        <a:spcBef>
-                          <a:spcPts val="0"/>
-                        </a:spcBef>
-                        <a:spcAft>
-                          <a:spcPts val="0"/>
-                        </a:spcAft>
-                      </a:pPr>
-                      <a:r>
-                        <a:rPr lang="en-US" sz="800" b="1" dirty="0" smtClean="0">
-                          <a:solidFill>
-                            <a:srgbClr val="000000"/>
-                          </a:solidFill>
-                          <a:latin typeface="Calibri"/>
-                          <a:ea typeface="Calibri"/>
-                          <a:cs typeface="Times New Roman" panose="02020603050405020304"/>
-                        </a:rPr>
-                        <a:t>xxx</a:t>
-                      </a:r>
-                      <a:endParaRPr lang="en-US" sz="800" b="1" dirty="0">
-                        <a:solidFill>
-                          <a:srgbClr val="000000"/>
-                        </a:solidFill>
-                        <a:latin typeface="Calibri"/>
-                        <a:ea typeface="Calibri"/>
-                        <a:cs typeface="Times New Roman" panose="02020603050405020304"/>
-                      </a:endParaRPr>
-                    </a:p>
-                  </a:txBody>
-                  <a:tcPr marL="68580" marR="68580" marT="0" marB="0" anchor="ctr">
-                    <a:lnL>
-                      <a:noFill/>
-                    </a:lnL>
-                    <a:lnR>
-                      <a:noFill/>
-                    </a:lnR>
-                    <a:lnT>
-                      <a:noFill/>
-                    </a:lnT>
-                    <a:lnB w="12700" cap="flat" cmpd="sng" algn="ctr">
-                      <a:noFill/>
-                      <a:prstDash val="solid"/>
-                      <a:round/>
-                      <a:headEnd type="none" w="med" len="med"/>
-                      <a:tailEnd type="none" w="med" len="med"/>
-                    </a:lnB>
-                    <a:noFill/>
-                  </a:tcPr>
-                </a:tc>
-                <a:tc>
-                  <a:txBody>
-                    <a:bodyPr/>
-                    <a:lstStyle/>
-                    <a:p>
-                      <a:pPr algn="ctr">
-                        <a:lnSpc>
-                          <a:spcPct val="115000"/>
-                        </a:lnSpc>
-                        <a:spcAft>
-                          <a:spcPts val="0"/>
-                        </a:spcAft>
-                      </a:pPr>
-                      <a:r>
-                        <a:rPr lang="en-US" sz="800" dirty="0" smtClean="0">
-                          <a:effectLst/>
-                          <a:latin typeface="+mn-lt"/>
-                          <a:ea typeface="Calibri"/>
-                          <a:cs typeface="Times New Roman" panose="02020603050405020304"/>
-                        </a:rPr>
-                        <a:t>xxx</a:t>
-                      </a:r>
-                      <a:endParaRPr lang="nb-NO" sz="800" dirty="0">
-                        <a:effectLst/>
-                        <a:latin typeface="+mn-lt"/>
-                        <a:ea typeface="Calibri"/>
-                        <a:cs typeface="Times New Roman" panose="02020603050405020304"/>
-                      </a:endParaRPr>
-                    </a:p>
-                  </a:txBody>
-                  <a:tcPr marL="68580" marR="68580" marT="0" marB="0" anchor="ctr">
-                    <a:lnL>
-                      <a:noFill/>
-                    </a:lnL>
-                    <a:lnR>
-                      <a:noFill/>
-                    </a:lnR>
-                    <a:lnT>
-                      <a:noFill/>
-                    </a:lnT>
-                    <a:lnB w="12700" cap="flat" cmpd="sng" algn="ctr">
-                      <a:noFill/>
-                      <a:prstDash val="solid"/>
-                      <a:round/>
-                      <a:headEnd type="none" w="med" len="med"/>
-                      <a:tailEnd type="none" w="med" len="med"/>
-                    </a:lnB>
-                    <a:noFill/>
-                  </a:tcPr>
-                </a:tc>
-                <a:tc>
-                  <a:txBody>
-                    <a:bodyPr/>
-                    <a:lstStyle/>
-                    <a:p>
-                      <a:pPr marL="0" marR="0" algn="ctr">
-                        <a:lnSpc>
-                          <a:spcPct val="100000"/>
-                        </a:lnSpc>
-                        <a:spcBef>
-                          <a:spcPts val="0"/>
-                        </a:spcBef>
-                        <a:spcAft>
-                          <a:spcPts val="0"/>
-                        </a:spcAft>
-                      </a:pPr>
-                      <a:r>
-                        <a:rPr lang="en-US" sz="800" dirty="0" smtClean="0">
-                          <a:solidFill>
-                            <a:srgbClr val="000000"/>
-                          </a:solidFill>
-                          <a:latin typeface="Calibri"/>
-                          <a:ea typeface="Calibri"/>
-                          <a:cs typeface="Times New Roman" panose="02020603050405020304"/>
-                        </a:rPr>
-                        <a:t>Unknown</a:t>
-                      </a:r>
-                      <a:endParaRPr lang="en-US" sz="800" dirty="0" smtClean="0">
-                        <a:solidFill>
-                          <a:srgbClr val="000000"/>
-                        </a:solidFill>
-                        <a:latin typeface="Calibri"/>
-                        <a:ea typeface="Calibri"/>
-                        <a:cs typeface="Times New Roman" panose="02020603050405020304"/>
-                      </a:endParaRPr>
-                    </a:p>
-                  </a:txBody>
-                  <a:tcPr marL="68580" marR="68580" marT="0" marB="0" anchor="ctr">
-                    <a:lnL>
-                      <a:noFill/>
-                    </a:lnL>
-                    <a:lnR>
-                      <a:noFill/>
-                    </a:lnR>
-                    <a:lnT>
-                      <a:noFill/>
-                    </a:lnT>
-                    <a:lnB w="12700" cap="flat" cmpd="sng" algn="ctr">
-                      <a:noFill/>
-                      <a:prstDash val="solid"/>
-                      <a:round/>
-                      <a:headEnd type="none" w="med" len="med"/>
-                      <a:tailEnd type="none" w="med" len="med"/>
-                    </a:lnB>
-                    <a:noFill/>
-                  </a:tcPr>
-                </a:tc>
-                <a:tc>
-                  <a:txBody>
-                    <a:bodyPr/>
-                    <a:lstStyle/>
-                    <a:p>
-                      <a:pPr marL="0" marR="0" algn="l">
-                        <a:lnSpc>
-                          <a:spcPct val="100000"/>
-                        </a:lnSpc>
-                        <a:spcBef>
-                          <a:spcPts val="0"/>
-                        </a:spcBef>
-                        <a:spcAft>
-                          <a:spcPts val="0"/>
-                        </a:spcAft>
-                      </a:pPr>
-                      <a:r>
-                        <a:rPr lang="en-US" sz="700" dirty="0" err="1" smtClean="0">
-                          <a:solidFill>
-                            <a:srgbClr val="000000"/>
-                          </a:solidFill>
-                          <a:latin typeface="Calibri"/>
-                          <a:ea typeface="Calibri"/>
-                          <a:cs typeface="Times New Roman" panose="02020603050405020304"/>
-                        </a:rPr>
-                        <a:t>xxxxx</a:t>
-                      </a:r>
-                      <a:endParaRPr lang="en-US" sz="700" dirty="0">
-                        <a:solidFill>
-                          <a:srgbClr val="000000"/>
-                        </a:solidFill>
-                        <a:latin typeface="Calibri"/>
-                        <a:ea typeface="Calibri"/>
-                        <a:cs typeface="Times New Roman" panose="02020603050405020304"/>
-                      </a:endParaRPr>
-                    </a:p>
-                  </a:txBody>
-                  <a:tcPr marL="68580" marR="68580" marT="0" marB="0" anchor="ctr">
-                    <a:lnL>
-                      <a:noFill/>
-                    </a:lnL>
-                    <a:lnR>
-                      <a:noFill/>
-                    </a:lnR>
-                    <a:lnT>
-                      <a:noFill/>
-                    </a:lnT>
-                    <a:lnB w="12700" cap="flat" cmpd="sng" algn="ctr">
-                      <a:noFill/>
-                      <a:prstDash val="solid"/>
-                      <a:round/>
-                      <a:headEnd type="none" w="med" len="med"/>
-                      <a:tailEnd type="none" w="med" len="med"/>
-                    </a:lnB>
-                    <a:noFill/>
-                  </a:tcPr>
-                </a:tc>
-              </a:tr>
-            </a:tbl>
-          </a:graphicData>
-        </a:graphic>
-      </p:graphicFrame>
-      <p:sp>
-        <p:nvSpPr>
-          <p:cNvPr id="62" name="Rectangle 113"/>
-          <p:cNvSpPr/>
-          <p:nvPr/>
-        </p:nvSpPr>
-        <p:spPr>
-          <a:xfrm>
-            <a:off x="1708575" y="3497188"/>
-            <a:ext cx="4596986" cy="230832"/>
-          </a:xfrm>
-          <a:prstGeom prst="rect">
-            <a:avLst/>
-          </a:prstGeom>
-        </p:spPr>
-        <p:txBody>
-          <a:bodyPr wrap="square">
-            <a:spAutoFit/>
-          </a:bodyPr>
-          <a:lstStyle/>
-          <a:p>
-            <a:r>
-              <a:rPr lang="en-US" sz="900" b="1" dirty="0" smtClean="0"/>
-              <a:t>Additional results: Copy number variant </a:t>
-            </a:r>
-            <a:endParaRPr lang="en-US" sz="900" b="1" dirty="0"/>
-          </a:p>
-        </p:txBody>
-      </p:sp>
-      <p:graphicFrame>
-        <p:nvGraphicFramePr>
-          <p:cNvPr id="63" name="Table 114"/>
-          <p:cNvGraphicFramePr>
-            <a:graphicFrameLocks noGrp="1"/>
-          </p:cNvGraphicFramePr>
-          <p:nvPr/>
-        </p:nvGraphicFramePr>
-        <p:xfrm>
-          <a:off x="1757330" y="3717743"/>
-          <a:ext cx="4809121" cy="440690"/>
-        </p:xfrm>
-        <a:graphic>
-          <a:graphicData uri="http://schemas.openxmlformats.org/drawingml/2006/table">
-            <a:tbl>
-              <a:tblPr/>
-              <a:tblGrid>
-                <a:gridCol w="510414"/>
-                <a:gridCol w="648072"/>
-                <a:gridCol w="936104"/>
-                <a:gridCol w="2714531"/>
-              </a:tblGrid>
-              <a:tr h="177165">
-                <a:tc>
-                  <a:txBody>
-                    <a:bodyPr/>
-                    <a:lstStyle/>
-                    <a:p>
-                      <a:pPr marL="0" marR="0" algn="ctr">
-                        <a:lnSpc>
-                          <a:spcPct val="100000"/>
-                        </a:lnSpc>
-                        <a:spcBef>
-                          <a:spcPts val="0"/>
-                        </a:spcBef>
-                        <a:spcAft>
-                          <a:spcPts val="0"/>
-                        </a:spcAft>
-                      </a:pPr>
-                      <a:r>
-                        <a:rPr lang="en-US" sz="800" b="1" dirty="0">
-                          <a:solidFill>
-                            <a:srgbClr val="000000"/>
-                          </a:solidFill>
-                          <a:latin typeface="Calibri"/>
-                          <a:ea typeface="Calibri"/>
-                          <a:cs typeface="Times New Roman" panose="02020603050405020304"/>
-                        </a:rPr>
-                        <a:t>Gene</a:t>
-                      </a:r>
-                      <a:endParaRPr lang="en-US" sz="1100" dirty="0">
-                        <a:solidFill>
-                          <a:srgbClr val="000000"/>
-                        </a:solidFill>
-                        <a:latin typeface="Calibri"/>
-                        <a:ea typeface="Calibri"/>
-                        <a:cs typeface="Times New Roman" panose="02020603050405020304"/>
-                      </a:endParaRPr>
-                    </a:p>
-                  </a:txBody>
-                  <a:tcPr marL="68580" marR="68580" marT="0" marB="0" anchor="ctr">
-                    <a:lnL>
-                      <a:noFill/>
-                    </a:lnL>
-                    <a:lnR w="12700" cap="flat" cmpd="sng" algn="ctr">
-                      <a:solidFill>
-                        <a:schemeClr val="bg1"/>
-                      </a:solidFill>
-                      <a:prstDash val="solid"/>
-                      <a:round/>
-                      <a:headEnd type="none" w="med" len="med"/>
-                      <a:tailEnd type="none" w="med" len="med"/>
-                    </a:lnR>
-                    <a:lnT w="12700" cap="flat" cmpd="sng" algn="ctr">
-                      <a:solidFill>
-                        <a:srgbClr val="000000"/>
-                      </a:solidFill>
-                      <a:prstDash val="solid"/>
-                      <a:round/>
-                      <a:headEnd type="none" w="med" len="med"/>
-                      <a:tailEnd type="none" w="med" len="med"/>
-                    </a:lnT>
-                    <a:lnB>
-                      <a:noFill/>
-                    </a:lnB>
-                    <a:solidFill>
-                      <a:schemeClr val="accent5">
-                        <a:lumMod val="20000"/>
-                        <a:lumOff val="80000"/>
-                      </a:schemeClr>
-                    </a:solidFill>
-                  </a:tcPr>
-                </a:tc>
-                <a:tc>
-                  <a:txBody>
-                    <a:bodyPr/>
-                    <a:lstStyle/>
-                    <a:p>
-                      <a:pPr marL="0" marR="0" algn="ctr">
-                        <a:lnSpc>
-                          <a:spcPct val="100000"/>
-                        </a:lnSpc>
-                        <a:spcBef>
-                          <a:spcPts val="0"/>
-                        </a:spcBef>
-                        <a:spcAft>
-                          <a:spcPts val="0"/>
-                        </a:spcAft>
-                      </a:pPr>
-                      <a:r>
-                        <a:rPr lang="en-US" sz="800" b="1" dirty="0">
-                          <a:solidFill>
-                            <a:srgbClr val="000000"/>
-                          </a:solidFill>
-                          <a:latin typeface="Calibri"/>
-                          <a:ea typeface="Calibri"/>
-                          <a:cs typeface="Times New Roman" panose="02020603050405020304"/>
-                        </a:rPr>
-                        <a:t>Variant</a:t>
-                      </a:r>
-                      <a:endParaRPr lang="en-US" sz="1100" dirty="0">
-                        <a:solidFill>
-                          <a:srgbClr val="000000"/>
-                        </a:solidFill>
-                        <a:latin typeface="Calibri"/>
-                        <a:ea typeface="Calibri"/>
-                        <a:cs typeface="Times New Roman" panose="02020603050405020304"/>
-                      </a:endParaRPr>
-                    </a:p>
-                  </a:txBody>
-                  <a:tcPr marL="68580" marR="68580" marT="0" marB="0" anchor="ctr">
-                    <a:lnL w="12700" cap="flat" cmpd="sng" algn="ctr">
-                      <a:solidFill>
-                        <a:schemeClr val="bg1"/>
-                      </a:solidFill>
-                      <a:prstDash val="solid"/>
-                      <a:round/>
-                      <a:headEnd type="none" w="med" len="med"/>
-                      <a:tailEnd type="none" w="med" len="med"/>
-                    </a:lnL>
-                    <a:lnR w="12700" cap="flat" cmpd="sng" algn="ctr">
-                      <a:solidFill>
-                        <a:schemeClr val="bg1"/>
-                      </a:solidFill>
-                      <a:prstDash val="solid"/>
-                      <a:round/>
-                      <a:headEnd type="none" w="med" len="med"/>
-                      <a:tailEnd type="none" w="med" len="med"/>
-                    </a:lnR>
-                    <a:lnT w="12700" cap="flat" cmpd="sng" algn="ctr">
-                      <a:solidFill>
-                        <a:srgbClr val="000000"/>
-                      </a:solidFill>
-                      <a:prstDash val="solid"/>
-                      <a:round/>
-                      <a:headEnd type="none" w="med" len="med"/>
-                      <a:tailEnd type="none" w="med" len="med"/>
-                    </a:lnT>
-                    <a:lnB>
-                      <a:noFill/>
-                    </a:lnB>
-                    <a:solidFill>
-                      <a:schemeClr val="accent5">
-                        <a:lumMod val="20000"/>
-                        <a:lumOff val="80000"/>
-                      </a:schemeClr>
-                    </a:solidFill>
-                  </a:tcPr>
-                </a:tc>
-                <a:tc>
-                  <a:txBody>
-                    <a:bodyPr/>
-                    <a:lstStyle/>
-                    <a:p>
-                      <a:pPr marL="0" marR="0" algn="ctr">
-                        <a:lnSpc>
-                          <a:spcPct val="100000"/>
-                        </a:lnSpc>
-                        <a:spcBef>
-                          <a:spcPts val="0"/>
-                        </a:spcBef>
-                        <a:spcAft>
-                          <a:spcPts val="0"/>
-                        </a:spcAft>
-                      </a:pPr>
-                      <a:r>
-                        <a:rPr lang="en-US" sz="800" b="1" dirty="0" err="1" smtClean="0">
-                          <a:solidFill>
-                            <a:srgbClr val="000000"/>
-                          </a:solidFill>
-                          <a:latin typeface="Calibri"/>
-                          <a:ea typeface="Calibri"/>
-                          <a:cs typeface="Times New Roman" panose="02020603050405020304"/>
-                        </a:rPr>
-                        <a:t>GoF</a:t>
-                      </a:r>
-                      <a:r>
-                        <a:rPr lang="en-US" sz="800" b="1" dirty="0" smtClean="0">
-                          <a:solidFill>
-                            <a:srgbClr val="000000"/>
-                          </a:solidFill>
-                          <a:latin typeface="Calibri"/>
-                          <a:ea typeface="Calibri"/>
-                          <a:cs typeface="Times New Roman" panose="02020603050405020304"/>
-                        </a:rPr>
-                        <a:t>/</a:t>
-                      </a:r>
-                      <a:r>
-                        <a:rPr lang="en-US" sz="800" b="1" dirty="0" err="1" smtClean="0">
-                          <a:solidFill>
-                            <a:srgbClr val="000000"/>
-                          </a:solidFill>
-                          <a:latin typeface="Calibri"/>
-                          <a:ea typeface="Calibri"/>
-                          <a:cs typeface="Times New Roman" panose="02020603050405020304"/>
-                        </a:rPr>
-                        <a:t>LoF</a:t>
-                      </a:r>
-                      <a:endParaRPr lang="en-US" sz="1100" dirty="0">
-                        <a:solidFill>
-                          <a:srgbClr val="000000"/>
-                        </a:solidFill>
-                        <a:latin typeface="Calibri"/>
-                        <a:ea typeface="Calibri"/>
-                        <a:cs typeface="Times New Roman" panose="02020603050405020304"/>
-                      </a:endParaRPr>
-                    </a:p>
-                  </a:txBody>
-                  <a:tcPr marL="68580" marR="68580" marT="0" marB="0" anchor="ctr">
-                    <a:lnL w="12700" cap="flat" cmpd="sng" algn="ctr">
-                      <a:solidFill>
-                        <a:schemeClr val="bg1"/>
-                      </a:solidFill>
-                      <a:prstDash val="solid"/>
-                      <a:round/>
-                      <a:headEnd type="none" w="med" len="med"/>
-                      <a:tailEnd type="none" w="med" len="med"/>
-                    </a:lnL>
-                    <a:lnR w="12700" cap="flat" cmpd="sng" algn="ctr">
-                      <a:solidFill>
-                        <a:schemeClr val="bg1"/>
-                      </a:solidFill>
-                      <a:prstDash val="solid"/>
-                      <a:round/>
-                      <a:headEnd type="none" w="med" len="med"/>
-                      <a:tailEnd type="none" w="med" len="med"/>
-                    </a:lnR>
-                    <a:lnT w="12700" cap="flat" cmpd="sng" algn="ctr">
-                      <a:solidFill>
-                        <a:srgbClr val="000000"/>
-                      </a:solidFill>
-                      <a:prstDash val="solid"/>
-                      <a:round/>
-                      <a:headEnd type="none" w="med" len="med"/>
-                      <a:tailEnd type="none" w="med" len="med"/>
-                    </a:lnT>
-                    <a:lnB>
-                      <a:noFill/>
-                    </a:lnB>
-                    <a:solidFill>
-                      <a:schemeClr val="accent5">
-                        <a:lumMod val="20000"/>
-                        <a:lumOff val="80000"/>
-                      </a:schemeClr>
-                    </a:solidFill>
-                  </a:tcPr>
-                </a:tc>
-                <a:tc>
-                  <a:txBody>
-                    <a:bodyPr/>
-                    <a:lstStyle/>
-                    <a:p>
-                      <a:pPr marL="0" marR="0" algn="ctr">
-                        <a:lnSpc>
-                          <a:spcPct val="100000"/>
-                        </a:lnSpc>
-                        <a:spcBef>
-                          <a:spcPts val="0"/>
-                        </a:spcBef>
-                        <a:spcAft>
-                          <a:spcPts val="0"/>
-                        </a:spcAft>
-                      </a:pPr>
-                      <a:r>
-                        <a:rPr lang="en-US" sz="800" b="1" dirty="0" smtClean="0">
-                          <a:solidFill>
-                            <a:srgbClr val="000000"/>
-                          </a:solidFill>
-                          <a:latin typeface="Calibri"/>
-                          <a:ea typeface="Calibri"/>
-                          <a:cs typeface="Times New Roman" panose="02020603050405020304"/>
-                        </a:rPr>
-                        <a:t>Comments</a:t>
-                      </a:r>
-                      <a:endParaRPr lang="en-US" sz="800" b="1" dirty="0">
-                        <a:solidFill>
-                          <a:srgbClr val="000000"/>
-                        </a:solidFill>
-                        <a:latin typeface="Calibri"/>
-                        <a:ea typeface="Calibri"/>
-                        <a:cs typeface="Times New Roman" panose="02020603050405020304"/>
-                      </a:endParaRPr>
-                    </a:p>
-                  </a:txBody>
-                  <a:tcPr marL="68580" marR="68580" marT="0" marB="0" anchor="ctr">
-                    <a:lnL w="12700" cap="flat" cmpd="sng" algn="ctr">
-                      <a:solidFill>
-                        <a:schemeClr val="bg1"/>
-                      </a:solidFill>
-                      <a:prstDash val="solid"/>
-                      <a:round/>
-                      <a:headEnd type="none" w="med" len="med"/>
-                      <a:tailEnd type="none" w="med" len="med"/>
-                    </a:lnL>
-                    <a:lnR w="12700" cap="flat" cmpd="sng" algn="ctr">
-                      <a:noFill/>
-                      <a:prstDash val="solid"/>
-                      <a:round/>
-                      <a:headEnd type="none" w="med" len="med"/>
-                      <a:tailEnd type="none" w="med" len="med"/>
-                    </a:lnR>
-                    <a:lnT w="12700" cap="flat" cmpd="sng" algn="ctr">
-                      <a:solidFill>
-                        <a:srgbClr val="000000"/>
-                      </a:solidFill>
-                      <a:prstDash val="solid"/>
-                      <a:round/>
-                      <a:headEnd type="none" w="med" len="med"/>
-                      <a:tailEnd type="none" w="med" len="med"/>
-                    </a:lnT>
-                    <a:lnB>
-                      <a:noFill/>
-                    </a:lnB>
-                    <a:solidFill>
-                      <a:schemeClr val="accent5">
-                        <a:lumMod val="20000"/>
-                        <a:lumOff val="80000"/>
-                      </a:schemeClr>
-                    </a:solidFill>
-                  </a:tcPr>
-                </a:tc>
-              </a:tr>
-              <a:tr h="263525">
-                <a:tc>
-                  <a:txBody>
-                    <a:bodyPr/>
-                    <a:lstStyle/>
-                    <a:p>
-                      <a:pPr marL="0" marR="0" algn="l">
-                        <a:lnSpc>
-                          <a:spcPct val="100000"/>
-                        </a:lnSpc>
-                        <a:spcBef>
-                          <a:spcPts val="0"/>
-                        </a:spcBef>
-                        <a:spcAft>
-                          <a:spcPts val="0"/>
-                        </a:spcAft>
-                      </a:pPr>
-                      <a:r>
-                        <a:rPr lang="en-US" sz="800" b="1" dirty="0" smtClean="0">
-                          <a:solidFill>
-                            <a:srgbClr val="000000"/>
-                          </a:solidFill>
-                          <a:latin typeface="Calibri"/>
-                          <a:ea typeface="Calibri"/>
-                          <a:cs typeface="Times New Roman" panose="02020603050405020304"/>
-                        </a:rPr>
-                        <a:t>xxx</a:t>
-                      </a:r>
-                      <a:endParaRPr lang="en-US" sz="800" b="1" dirty="0">
-                        <a:solidFill>
-                          <a:srgbClr val="000000"/>
-                        </a:solidFill>
-                        <a:latin typeface="Calibri"/>
-                        <a:ea typeface="Calibri"/>
-                        <a:cs typeface="Times New Roman" panose="02020603050405020304"/>
-                      </a:endParaRPr>
-                    </a:p>
-                  </a:txBody>
-                  <a:tcPr marL="68580" marR="68580" marT="0" marB="0" anchor="ctr">
-                    <a:lnL>
-                      <a:noFill/>
-                    </a:lnL>
-                    <a:lnR>
-                      <a:noFill/>
-                    </a:lnR>
-                    <a:lnT>
-                      <a:noFill/>
-                    </a:lnT>
-                    <a:lnB w="12700" cap="flat" cmpd="sng" algn="ctr">
-                      <a:noFill/>
-                      <a:prstDash val="solid"/>
-                      <a:round/>
-                      <a:headEnd type="none" w="med" len="med"/>
-                      <a:tailEnd type="none" w="med" len="med"/>
-                    </a:lnB>
-                    <a:noFill/>
-                  </a:tcPr>
-                </a:tc>
-                <a:tc>
-                  <a:txBody>
-                    <a:bodyPr/>
-                    <a:lstStyle/>
-                    <a:p>
-                      <a:pPr algn="ctr">
-                        <a:lnSpc>
-                          <a:spcPct val="115000"/>
-                        </a:lnSpc>
-                        <a:spcAft>
-                          <a:spcPts val="0"/>
-                        </a:spcAft>
-                      </a:pPr>
-                      <a:r>
-                        <a:rPr lang="en-US" sz="800" dirty="0" smtClean="0">
-                          <a:effectLst/>
-                          <a:latin typeface="+mn-lt"/>
-                          <a:ea typeface="Calibri"/>
-                          <a:cs typeface="Times New Roman" panose="02020603050405020304"/>
-                        </a:rPr>
-                        <a:t>(Gain/Loss)</a:t>
-                      </a:r>
-                      <a:endParaRPr lang="nb-NO" sz="800" dirty="0">
-                        <a:effectLst/>
-                        <a:latin typeface="+mn-lt"/>
-                        <a:ea typeface="Calibri"/>
-                        <a:cs typeface="Times New Roman" panose="02020603050405020304"/>
-                      </a:endParaRPr>
-                    </a:p>
-                  </a:txBody>
-                  <a:tcPr marL="68580" marR="68580" marT="0" marB="0" anchor="ctr">
-                    <a:lnL>
-                      <a:noFill/>
-                    </a:lnL>
-                    <a:lnR>
-                      <a:noFill/>
-                    </a:lnR>
-                    <a:lnT>
-                      <a:noFill/>
-                    </a:lnT>
-                    <a:lnB w="12700" cap="flat" cmpd="sng" algn="ctr">
-                      <a:noFill/>
-                      <a:prstDash val="solid"/>
-                      <a:round/>
-                      <a:headEnd type="none" w="med" len="med"/>
-                      <a:tailEnd type="none" w="med" len="med"/>
-                    </a:lnB>
-                    <a:noFill/>
-                  </a:tcPr>
-                </a:tc>
-                <a:tc>
-                  <a:txBody>
-                    <a:bodyPr/>
-                    <a:lstStyle/>
-                    <a:p>
-                      <a:pPr marL="0" marR="0" algn="ctr">
-                        <a:lnSpc>
-                          <a:spcPct val="100000"/>
-                        </a:lnSpc>
-                        <a:spcBef>
-                          <a:spcPts val="0"/>
-                        </a:spcBef>
-                        <a:spcAft>
-                          <a:spcPts val="0"/>
-                        </a:spcAft>
-                      </a:pPr>
-                      <a:r>
-                        <a:rPr lang="en-US" sz="800" baseline="0" dirty="0" err="1" smtClean="0">
-                          <a:solidFill>
-                            <a:srgbClr val="000000"/>
-                          </a:solidFill>
-                          <a:latin typeface="Calibri"/>
-                          <a:ea typeface="Calibri"/>
-                          <a:cs typeface="Times New Roman" panose="02020603050405020304"/>
-                        </a:rPr>
-                        <a:t>GoF</a:t>
-                      </a:r>
-                      <a:r>
-                        <a:rPr lang="en-US" sz="800" baseline="0" dirty="0" smtClean="0">
-                          <a:solidFill>
-                            <a:srgbClr val="000000"/>
-                          </a:solidFill>
-                          <a:latin typeface="Calibri"/>
-                          <a:ea typeface="Calibri"/>
-                          <a:cs typeface="Times New Roman" panose="02020603050405020304"/>
-                        </a:rPr>
-                        <a:t>/</a:t>
-                      </a:r>
-                      <a:r>
-                        <a:rPr lang="en-US" sz="800" baseline="0" dirty="0" err="1" smtClean="0">
-                          <a:solidFill>
-                            <a:srgbClr val="000000"/>
-                          </a:solidFill>
-                          <a:latin typeface="Calibri"/>
-                          <a:ea typeface="Calibri"/>
-                          <a:cs typeface="Times New Roman" panose="02020603050405020304"/>
-                        </a:rPr>
-                        <a:t>LoF</a:t>
-                      </a:r>
-                      <a:endParaRPr lang="en-US" sz="800" dirty="0" smtClean="0">
-                        <a:solidFill>
-                          <a:srgbClr val="000000"/>
-                        </a:solidFill>
-                        <a:latin typeface="Calibri"/>
-                        <a:ea typeface="Calibri"/>
-                        <a:cs typeface="Times New Roman" panose="02020603050405020304"/>
-                      </a:endParaRPr>
-                    </a:p>
-                  </a:txBody>
-                  <a:tcPr marL="68580" marR="68580" marT="0" marB="0" anchor="ctr">
-                    <a:lnL>
-                      <a:noFill/>
-                    </a:lnL>
-                    <a:lnR>
-                      <a:noFill/>
-                    </a:lnR>
-                    <a:lnT>
-                      <a:noFill/>
-                    </a:lnT>
-                    <a:lnB w="12700" cap="flat" cmpd="sng" algn="ctr">
-                      <a:noFill/>
-                      <a:prstDash val="solid"/>
-                      <a:round/>
-                      <a:headEnd type="none" w="med" len="med"/>
-                      <a:tailEnd type="none" w="med" len="med"/>
-                    </a:lnB>
-                    <a:noFill/>
-                  </a:tcPr>
-                </a:tc>
-                <a:tc>
-                  <a:txBody>
-                    <a:bodyPr/>
-                    <a:lstStyle/>
-                    <a:p>
-                      <a:pPr marL="0" marR="0" algn="l">
-                        <a:lnSpc>
-                          <a:spcPct val="100000"/>
-                        </a:lnSpc>
-                        <a:spcBef>
-                          <a:spcPts val="0"/>
-                        </a:spcBef>
-                        <a:spcAft>
-                          <a:spcPts val="0"/>
-                        </a:spcAft>
-                      </a:pPr>
-                      <a:r>
-                        <a:rPr lang="en-US" sz="800" dirty="0" smtClean="0">
-                          <a:solidFill>
-                            <a:srgbClr val="000000"/>
-                          </a:solidFill>
-                          <a:latin typeface="+mn-lt"/>
-                          <a:ea typeface="Calibri"/>
-                          <a:cs typeface="Times New Roman" panose="02020603050405020304"/>
-                        </a:rPr>
-                        <a:t>Amplification</a:t>
-                      </a:r>
-                      <a:r>
-                        <a:rPr lang="en-US" sz="800" baseline="0" dirty="0" smtClean="0">
-                          <a:solidFill>
-                            <a:srgbClr val="000000"/>
-                          </a:solidFill>
-                          <a:latin typeface="+mn-lt"/>
-                          <a:ea typeface="Calibri"/>
-                          <a:cs typeface="Times New Roman" panose="02020603050405020304"/>
-                        </a:rPr>
-                        <a:t> of the </a:t>
-                      </a:r>
-                      <a:r>
-                        <a:rPr lang="en-US" sz="800" baseline="0" dirty="0" err="1" smtClean="0">
-                          <a:solidFill>
-                            <a:srgbClr val="000000"/>
-                          </a:solidFill>
-                          <a:latin typeface="+mn-lt"/>
-                          <a:ea typeface="Calibri"/>
-                          <a:cs typeface="Times New Roman" panose="02020603050405020304"/>
-                        </a:rPr>
-                        <a:t>xxxx</a:t>
-                      </a:r>
-                      <a:r>
-                        <a:rPr lang="en-US" sz="800" baseline="0" dirty="0" smtClean="0">
-                          <a:solidFill>
-                            <a:srgbClr val="000000"/>
-                          </a:solidFill>
-                          <a:latin typeface="+mn-lt"/>
-                          <a:ea typeface="Calibri"/>
-                          <a:cs typeface="Times New Roman" panose="02020603050405020304"/>
-                        </a:rPr>
-                        <a:t>.</a:t>
-                      </a:r>
-                      <a:endParaRPr lang="en-US" sz="800" dirty="0">
-                        <a:solidFill>
-                          <a:srgbClr val="000000"/>
-                        </a:solidFill>
-                        <a:latin typeface="Calibri"/>
-                        <a:ea typeface="Calibri"/>
-                        <a:cs typeface="Times New Roman" panose="02020603050405020304"/>
-                      </a:endParaRPr>
-                    </a:p>
-                  </a:txBody>
-                  <a:tcPr marL="68580" marR="68580" marT="0" marB="0" anchor="ctr">
-                    <a:lnL>
-                      <a:noFill/>
-                    </a:lnL>
-                    <a:lnR>
-                      <a:noFill/>
-                    </a:lnR>
-                    <a:lnT>
-                      <a:noFill/>
-                    </a:lnT>
-                    <a:lnB w="12700" cap="flat" cmpd="sng" algn="ctr">
-                      <a:noFill/>
-                      <a:prstDash val="solid"/>
-                      <a:round/>
-                      <a:headEnd type="none" w="med" len="med"/>
-                      <a:tailEnd type="none" w="med" len="med"/>
-                    </a:lnB>
-                    <a:noFill/>
-                  </a:tcPr>
-                </a:tc>
-              </a:tr>
-            </a:tbl>
-          </a:graphicData>
-        </a:graphic>
-      </p:graphicFrame>
       <p:sp>
         <p:nvSpPr>
           <p:cNvPr id="65" name="TekstSylinder 64"/>
@@ -23294,7 +22118,7 @@
         </p:nvSpPr>
         <p:spPr>
           <a:xfrm>
-            <a:off x="8077940" y="4362181"/>
+            <a:off x="8077940" y="4443958"/>
             <a:ext cx="922047" cy="215444"/>
           </a:xfrm>
           <a:prstGeom prst="rect">
@@ -23329,7 +22153,7 @@
         </p:nvSpPr>
         <p:spPr>
           <a:xfrm>
-            <a:off x="7717940" y="4410654"/>
+            <a:off x="7717940" y="4492431"/>
             <a:ext cx="360000" cy="118498"/>
           </a:xfrm>
           <a:prstGeom prst="roundRect">
@@ -23378,7 +22202,7 @@
         </p:nvSpPr>
         <p:spPr>
           <a:xfrm>
-            <a:off x="7614444" y="4540006"/>
+            <a:off x="7614444" y="4621783"/>
             <a:ext cx="700833" cy="461665"/>
           </a:xfrm>
           <a:prstGeom prst="rect">
@@ -23470,7 +22294,7 @@
         </p:nvSpPr>
         <p:spPr>
           <a:xfrm>
-            <a:off x="1763688" y="4933206"/>
+            <a:off x="1702168" y="3497139"/>
             <a:ext cx="4596986" cy="230832"/>
           </a:xfrm>
           <a:prstGeom prst="rect">
@@ -23500,8 +22324,8 @@
           <p:nvPr/>
         </p:nvGraphicFramePr>
         <p:xfrm>
-          <a:off x="1795169" y="2886809"/>
-          <a:ext cx="4771282" cy="384985"/>
+          <a:off x="1795169" y="2801548"/>
+          <a:ext cx="4771282" cy="428864"/>
         </p:xfrm>
         <a:graphic>
           <a:graphicData uri="http://schemas.openxmlformats.org/drawingml/2006/table">
@@ -23839,7 +22663,7 @@
                     <a:bodyPr/>
                     <a:lstStyle/>
                     <a:p>
-                      <a:pPr marL="0" marR="0" algn="l">
+                      <a:pPr marL="0" marR="0" algn="ctr">
                         <a:lnSpc>
                           <a:spcPct val="100000"/>
                         </a:lnSpc>
@@ -23859,7 +22683,7 @@
                           <a:ea typeface="Calibri"/>
                           <a:cs typeface="Times New Roman" panose="02020603050405020304"/>
                         </a:rPr>
-                        <a:t>XXXX</a:t>
+                        <a:t>XX</a:t>
                       </a:r>
                       <a:endParaRPr lang="en-US" sz="800" b="1" dirty="0">
                         <a:solidFill>
@@ -23910,7 +22734,7 @@
                           <a:ea typeface="Calibri"/>
                           <a:cs typeface="Times New Roman" panose="02020603050405020304"/>
                         </a:rPr>
-                        <a:t>xxx</a:t>
+                        <a:t>xx</a:t>
                       </a:r>
                       <a:endParaRPr lang="en-US" sz="800" dirty="0" smtClean="0">
                         <a:solidFill>
@@ -24000,6 +22824,38 @@
                         <a:cs typeface="Times New Roman" panose="02020603050405020304"/>
                       </a:endParaRPr>
                     </a:p>
+                    <a:p>
+                      <a:pPr marL="0" marR="0" algn="ctr">
+                        <a:lnSpc>
+                          <a:spcPct val="100000"/>
+                        </a:lnSpc>
+                        <a:spcBef>
+                          <a:spcPts val="0"/>
+                        </a:spcBef>
+                        <a:spcAft>
+                          <a:spcPts val="0"/>
+                        </a:spcAft>
+                      </a:pPr>
+                      <a:r>
+                        <a:rPr lang="en-US" sz="800" baseline="0" dirty="0" smtClean="0">
+                          <a:solidFill>
+                            <a:srgbClr val="000000"/>
+                          </a:solidFill>
+                          <a:latin typeface="Calibri"/>
+                          <a:ea typeface="Calibri"/>
+                          <a:cs typeface="Times New Roman" panose="02020603050405020304"/>
+                        </a:rPr>
+                        <a:t>Unknown</a:t>
+                      </a:r>
+                      <a:endParaRPr lang="en-US" sz="800" baseline="0" dirty="0" smtClean="0">
+                        <a:solidFill>
+                          <a:srgbClr val="000000"/>
+                        </a:solidFill>
+                        <a:latin typeface="Calibri"/>
+                        <a:ea typeface="Calibri"/>
+                        <a:cs typeface="Times New Roman" panose="02020603050405020304"/>
+                      </a:endParaRPr>
+                    </a:p>
                   </a:txBody>
                   <a:tcPr marL="68580" marR="68580" marT="0" marB="0" anchor="ctr">
                     <a:lnL>
@@ -24026,7 +22882,7 @@
                     <a:bodyPr/>
                     <a:lstStyle/>
                     <a:p>
-                      <a:pPr marL="0" marR="0" lvl="0" indent="0" algn="l" defTabSz="914400" rtl="0" eaLnBrk="1" fontAlgn="auto" latinLnBrk="0" hangingPunct="1">
+                      <a:pPr marL="0" marR="0" lvl="0" indent="0" algn="ctr" defTabSz="914400" rtl="0" eaLnBrk="1" fontAlgn="auto" latinLnBrk="0" hangingPunct="1">
                         <a:lnSpc>
                           <a:spcPct val="100000"/>
                         </a:lnSpc>
@@ -24086,7 +22942,7 @@
         </p:nvSpPr>
         <p:spPr>
           <a:xfrm>
-            <a:off x="1752509" y="2701078"/>
+            <a:off x="1752509" y="2615817"/>
             <a:ext cx="4596986" cy="230832"/>
           </a:xfrm>
           <a:prstGeom prst="rect">
@@ -24101,7 +22957,15 @@
           <a:p>
             <a:r>
               <a:rPr lang="en-US" sz="900" b="1" dirty="0" smtClean="0"/>
-              <a:t>Additional results: Variants of potential relevance</a:t>
+              <a:t>Additional results: Variants of </a:t>
+            </a:r>
+            <a:r>
+              <a:rPr lang="en-US" sz="900" b="1" dirty="0"/>
+              <a:t>potential biological and diagnostic </a:t>
+            </a:r>
+            <a:r>
+              <a:rPr lang="en-US" sz="900" b="1" dirty="0" smtClean="0"/>
+              <a:t>relevance</a:t>
             </a:r>
             <a:endParaRPr lang="en-US" sz="900" b="1" dirty="0"/>
           </a:p>
@@ -24697,41 +23561,6 @@
                 <a:cs typeface="Times New Roman" panose="02020603050405020304"/>
               </a:rPr>
               <a:t>Reported fusions:</a:t>
-            </a:r>
-            <a:endParaRPr lang="en-US" sz="800" dirty="0"/>
-          </a:p>
-        </p:txBody>
-      </p:sp>
-      <p:sp>
-        <p:nvSpPr>
-          <p:cNvPr id="35" name="Rectangle 70"/>
-          <p:cNvSpPr/>
-          <p:nvPr/>
-        </p:nvSpPr>
-        <p:spPr>
-          <a:xfrm>
-            <a:off x="7596336" y="4954861"/>
-            <a:ext cx="1292341" cy="215444"/>
-          </a:xfrm>
-          <a:prstGeom prst="rect">
-            <a:avLst/>
-          </a:prstGeom>
-        </p:spPr>
-        <p:txBody>
-          <a:bodyPr wrap="none">
-            <a:spAutoFit/>
-          </a:bodyPr>
-          <a:lstStyle/>
-          <a:p>
-            <a:r>
-              <a:rPr lang="en-US" sz="800" dirty="0" smtClean="0">
-                <a:solidFill>
-                  <a:srgbClr val="000000"/>
-                </a:solidFill>
-                <a:ea typeface="Calibri"/>
-                <a:cs typeface="Times New Roman" panose="02020603050405020304"/>
-              </a:rPr>
-              <a:t>Drug available in IMPRESS</a:t>
             </a:r>
             <a:endParaRPr lang="en-US" sz="800" dirty="0"/>
           </a:p>
@@ -24947,6 +23776,7 @@
             <a:bodyPr lIns="90000" tIns="45000" rIns="90000" bIns="45000">
               <a:spAutoFit/>
             </a:bodyPr>
+            <a:lstStyle/>
             <a:p>
               <a:pPr>
                 <a:lnSpc>
@@ -25013,6 +23843,7 @@
             <a:bodyPr wrap="square" lIns="90000" tIns="45000" rIns="90000" bIns="45000">
               <a:spAutoFit/>
             </a:bodyPr>
+            <a:lstStyle/>
             <a:p>
               <a:pPr>
                 <a:lnSpc>
@@ -25173,6 +24004,7 @@
             <a:bodyPr lIns="90000" tIns="45000" rIns="90000" bIns="45000">
               <a:spAutoFit/>
             </a:bodyPr>
+            <a:lstStyle/>
             <a:p>
               <a:pPr marL="0" marR="0" lvl="0" indent="0" defTabSz="914400" eaLnBrk="1" fontAlgn="auto" latinLnBrk="0" hangingPunct="1">
                 <a:lnSpc>
@@ -25265,6 +24097,7 @@
             <a:bodyPr wrap="square" lIns="90000" tIns="45000" rIns="90000" bIns="45000">
               <a:spAutoFit/>
             </a:bodyPr>
+            <a:lstStyle/>
             <a:p>
               <a:pPr marL="0" marR="0" lvl="0" indent="0" defTabSz="914400" eaLnBrk="1" fontAlgn="auto" latinLnBrk="0" hangingPunct="1">
                 <a:lnSpc>
@@ -25472,6 +24305,7 @@
             <a:bodyPr lIns="90000" tIns="45000" rIns="90000" bIns="45000">
               <a:spAutoFit/>
             </a:bodyPr>
+            <a:lstStyle/>
             <a:p>
               <a:pPr marL="0" marR="0" lvl="0" indent="0" defTabSz="914400" eaLnBrk="1" fontAlgn="auto" latinLnBrk="0" hangingPunct="1">
                 <a:lnSpc>
@@ -25564,6 +24398,7 @@
             <a:bodyPr wrap="square" lIns="90000" tIns="45000" rIns="90000" bIns="45000">
               <a:spAutoFit/>
             </a:bodyPr>
+            <a:lstStyle/>
             <a:p>
               <a:pPr marL="0" marR="0" lvl="0" indent="0" defTabSz="914400" eaLnBrk="1" fontAlgn="auto" latinLnBrk="0" hangingPunct="1">
                 <a:lnSpc>
@@ -25943,6 +24778,7 @@
             <a:bodyPr lIns="90000" tIns="45000" rIns="90000" bIns="45000">
               <a:spAutoFit/>
             </a:bodyPr>
+            <a:lstStyle/>
             <a:p>
               <a:pPr marL="0" marR="0" lvl="0" indent="0" defTabSz="914400" eaLnBrk="1" fontAlgn="auto" latinLnBrk="0" hangingPunct="1">
                 <a:lnSpc>
@@ -26035,6 +24871,7 @@
             <a:bodyPr wrap="square" lIns="90000" tIns="45000" rIns="90000" bIns="45000">
               <a:spAutoFit/>
             </a:bodyPr>
+            <a:lstStyle/>
             <a:p>
               <a:pPr marL="0" marR="0" lvl="0" indent="0" defTabSz="914400" eaLnBrk="1" fontAlgn="auto" latinLnBrk="0" hangingPunct="1">
                 <a:lnSpc>
@@ -26365,6 +25202,2140 @@
           </p:txBody>
         </p:sp>
       </p:grpSp>
+      <p:sp>
+        <p:nvSpPr>
+          <p:cNvPr id="45" name="TekstSylinder 44"/>
+          <p:cNvSpPr txBox="1"/>
+          <p:nvPr/>
+        </p:nvSpPr>
+        <p:spPr>
+          <a:xfrm>
+            <a:off x="6878980" y="3870656"/>
+            <a:ext cx="2373185" cy="460375"/>
+          </a:xfrm>
+          <a:prstGeom prst="rect">
+            <a:avLst/>
+          </a:prstGeom>
+          <a:noFill/>
+        </p:spPr>
+        <p:txBody>
+          <a:bodyPr wrap="square" rtlCol="0">
+            <a:spAutoFit/>
+          </a:bodyPr>
+          <a:lstStyle/>
+          <a:p>
+            <a:r>
+              <a:rPr lang="en-US" sz="800" dirty="0"/>
+              <a:t># Variant of unknown significance (VUS)</a:t>
+            </a:r>
+            <a:endParaRPr lang="en-US" sz="800" dirty="0"/>
+          </a:p>
+          <a:p>
+            <a:r>
+              <a:rPr lang="en-US" sz="800" dirty="0">
+                <a:solidFill>
+                  <a:schemeClr val="tx1"/>
+                </a:solidFill>
+              </a:rPr>
+              <a:t>&amp; Variants previously reported (in Myeloid panels)</a:t>
+            </a:r>
+            <a:endParaRPr lang="en-US" sz="800" dirty="0">
+              <a:solidFill>
+                <a:schemeClr val="tx1"/>
+              </a:solidFill>
+            </a:endParaRPr>
+          </a:p>
+        </p:txBody>
+      </p:sp>
+      <p:graphicFrame>
+        <p:nvGraphicFramePr>
+          <p:cNvPr id="46" name="Table 124"/>
+          <p:cNvGraphicFramePr>
+            <a:graphicFrameLocks noGrp="1"/>
+          </p:cNvGraphicFramePr>
+          <p:nvPr/>
+        </p:nvGraphicFramePr>
+        <p:xfrm>
+          <a:off x="1728232" y="3997902"/>
+          <a:ext cx="4932000" cy="1094128"/>
+        </p:xfrm>
+        <a:graphic>
+          <a:graphicData uri="http://schemas.openxmlformats.org/drawingml/2006/table">
+            <a:tbl>
+              <a:tblPr/>
+              <a:tblGrid>
+                <a:gridCol w="576000"/>
+                <a:gridCol w="504000"/>
+                <a:gridCol w="432000"/>
+                <a:gridCol w="360000"/>
+                <a:gridCol w="540000"/>
+                <a:gridCol w="2520000"/>
+              </a:tblGrid>
+              <a:tr h="216024">
+                <a:tc>
+                  <a:txBody>
+                    <a:bodyPr/>
+                    <a:lstStyle/>
+                    <a:p>
+                      <a:pPr marL="0" marR="0" algn="ctr">
+                        <a:lnSpc>
+                          <a:spcPct val="100000"/>
+                        </a:lnSpc>
+                        <a:spcBef>
+                          <a:spcPts val="0"/>
+                        </a:spcBef>
+                        <a:spcAft>
+                          <a:spcPts val="0"/>
+                        </a:spcAft>
+                      </a:pPr>
+                      <a:r>
+                        <a:rPr lang="en-US" sz="800" b="1" dirty="0">
+                          <a:solidFill>
+                            <a:srgbClr val="000000"/>
+                          </a:solidFill>
+                          <a:latin typeface="Calibri"/>
+                          <a:ea typeface="Calibri"/>
+                          <a:cs typeface="Times New Roman" panose="02020603050405020304"/>
+                        </a:rPr>
+                        <a:t>Gene</a:t>
+                      </a:r>
+                      <a:endParaRPr lang="en-US" sz="800" dirty="0">
+                        <a:solidFill>
+                          <a:srgbClr val="000000"/>
+                        </a:solidFill>
+                        <a:latin typeface="Calibri"/>
+                        <a:ea typeface="Calibri"/>
+                        <a:cs typeface="Times New Roman" panose="02020603050405020304"/>
+                      </a:endParaRPr>
+                    </a:p>
+                  </a:txBody>
+                  <a:tcPr marL="68580" marR="68580" marT="0" marB="0" anchor="ctr">
+                    <a:lnL>
+                      <a:noFill/>
+                    </a:lnL>
+                    <a:lnR w="12700" cap="flat" cmpd="sng" algn="ctr">
+                      <a:solidFill>
+                        <a:schemeClr val="bg1"/>
+                      </a:solidFill>
+                      <a:prstDash val="solid"/>
+                      <a:round/>
+                      <a:headEnd type="none" w="med" len="med"/>
+                      <a:tailEnd type="none" w="med" len="med"/>
+                    </a:lnR>
+                    <a:lnT w="12700" cap="flat" cmpd="sng" algn="ctr">
+                      <a:solidFill>
+                        <a:srgbClr val="000000"/>
+                      </a:solidFill>
+                      <a:prstDash val="solid"/>
+                      <a:round/>
+                      <a:headEnd type="none" w="med" len="med"/>
+                      <a:tailEnd type="none" w="med" len="med"/>
+                    </a:lnT>
+                    <a:lnB>
+                      <a:noFill/>
+                    </a:lnB>
+                    <a:solidFill>
+                      <a:srgbClr val="DCF0FA"/>
+                    </a:solidFill>
+                  </a:tcPr>
+                </a:tc>
+                <a:tc>
+                  <a:txBody>
+                    <a:bodyPr/>
+                    <a:lstStyle/>
+                    <a:p>
+                      <a:pPr marL="0" marR="0" algn="ctr">
+                        <a:lnSpc>
+                          <a:spcPct val="100000"/>
+                        </a:lnSpc>
+                        <a:spcBef>
+                          <a:spcPts val="0"/>
+                        </a:spcBef>
+                        <a:spcAft>
+                          <a:spcPts val="0"/>
+                        </a:spcAft>
+                      </a:pPr>
+                      <a:r>
+                        <a:rPr lang="en-US" sz="800" b="1" dirty="0">
+                          <a:solidFill>
+                            <a:srgbClr val="000000"/>
+                          </a:solidFill>
+                          <a:latin typeface="Calibri"/>
+                          <a:ea typeface="Calibri"/>
+                          <a:cs typeface="Times New Roman" panose="02020603050405020304"/>
+                        </a:rPr>
+                        <a:t>Variant</a:t>
+                      </a:r>
+                      <a:endParaRPr lang="en-US" sz="800" dirty="0">
+                        <a:solidFill>
+                          <a:srgbClr val="000000"/>
+                        </a:solidFill>
+                        <a:latin typeface="Calibri"/>
+                        <a:ea typeface="Calibri"/>
+                        <a:cs typeface="Times New Roman" panose="02020603050405020304"/>
+                      </a:endParaRPr>
+                    </a:p>
+                  </a:txBody>
+                  <a:tcPr marL="68580" marR="68580" marT="0" marB="0" anchor="ctr">
+                    <a:lnL w="12700" cap="flat" cmpd="sng" algn="ctr">
+                      <a:solidFill>
+                        <a:schemeClr val="bg1"/>
+                      </a:solidFill>
+                      <a:prstDash val="solid"/>
+                      <a:round/>
+                      <a:headEnd type="none" w="med" len="med"/>
+                      <a:tailEnd type="none" w="med" len="med"/>
+                    </a:lnL>
+                    <a:lnR w="12700" cap="flat" cmpd="sng" algn="ctr">
+                      <a:solidFill>
+                        <a:schemeClr val="bg1"/>
+                      </a:solidFill>
+                      <a:prstDash val="solid"/>
+                      <a:round/>
+                      <a:headEnd type="none" w="med" len="med"/>
+                      <a:tailEnd type="none" w="med" len="med"/>
+                    </a:lnR>
+                    <a:lnT w="12700" cap="flat" cmpd="sng" algn="ctr">
+                      <a:solidFill>
+                        <a:srgbClr val="000000"/>
+                      </a:solidFill>
+                      <a:prstDash val="solid"/>
+                      <a:round/>
+                      <a:headEnd type="none" w="med" len="med"/>
+                      <a:tailEnd type="none" w="med" len="med"/>
+                    </a:lnT>
+                    <a:lnB>
+                      <a:noFill/>
+                    </a:lnB>
+                    <a:solidFill>
+                      <a:srgbClr val="DCF0FA"/>
+                    </a:solidFill>
+                  </a:tcPr>
+                </a:tc>
+                <a:tc>
+                  <a:txBody>
+                    <a:bodyPr/>
+                    <a:lstStyle/>
+                    <a:p>
+                      <a:pPr marL="0" marR="0" algn="ctr">
+                        <a:lnSpc>
+                          <a:spcPct val="100000"/>
+                        </a:lnSpc>
+                        <a:spcBef>
+                          <a:spcPts val="0"/>
+                        </a:spcBef>
+                        <a:spcAft>
+                          <a:spcPts val="0"/>
+                        </a:spcAft>
+                      </a:pPr>
+                      <a:r>
+                        <a:rPr lang="en-US" sz="700" b="1" dirty="0">
+                          <a:solidFill>
+                            <a:srgbClr val="000000"/>
+                          </a:solidFill>
+                          <a:latin typeface="Calibri"/>
+                          <a:ea typeface="Calibri"/>
+                          <a:cs typeface="Times New Roman" panose="02020603050405020304"/>
+                        </a:rPr>
+                        <a:t>VAF</a:t>
+                      </a:r>
+                      <a:r>
+                        <a:rPr lang="en-US" sz="700" b="1" dirty="0" smtClean="0">
+                          <a:solidFill>
+                            <a:srgbClr val="000000"/>
+                          </a:solidFill>
+                          <a:latin typeface="Calibri"/>
+                          <a:ea typeface="Calibri"/>
+                          <a:cs typeface="Times New Roman" panose="02020603050405020304"/>
+                        </a:rPr>
+                        <a:t>/</a:t>
+                      </a:r>
+                      <a:endParaRPr lang="en-US" sz="700" b="1" dirty="0" smtClean="0">
+                        <a:solidFill>
+                          <a:srgbClr val="000000"/>
+                        </a:solidFill>
+                        <a:latin typeface="Calibri"/>
+                        <a:ea typeface="Calibri"/>
+                        <a:cs typeface="Times New Roman" panose="02020603050405020304"/>
+                      </a:endParaRPr>
+                    </a:p>
+                    <a:p>
+                      <a:pPr marL="0" marR="0" algn="ctr">
+                        <a:lnSpc>
+                          <a:spcPct val="100000"/>
+                        </a:lnSpc>
+                        <a:spcBef>
+                          <a:spcPts val="0"/>
+                        </a:spcBef>
+                        <a:spcAft>
+                          <a:spcPts val="0"/>
+                        </a:spcAft>
+                      </a:pPr>
+                      <a:r>
+                        <a:rPr lang="en-US" sz="700" b="1" dirty="0" smtClean="0">
+                          <a:solidFill>
+                            <a:srgbClr val="000000"/>
+                          </a:solidFill>
+                          <a:latin typeface="Calibri"/>
+                          <a:ea typeface="Calibri"/>
+                          <a:cs typeface="Times New Roman" panose="02020603050405020304"/>
+                        </a:rPr>
+                        <a:t>CN </a:t>
+                      </a:r>
+                      <a:endParaRPr lang="en-US" sz="700" dirty="0">
+                        <a:solidFill>
+                          <a:srgbClr val="000000"/>
+                        </a:solidFill>
+                        <a:latin typeface="Calibri"/>
+                        <a:ea typeface="Calibri"/>
+                        <a:cs typeface="Times New Roman" panose="02020603050405020304"/>
+                      </a:endParaRPr>
+                    </a:p>
+                  </a:txBody>
+                  <a:tcPr marL="68580" marR="68580" marT="0" marB="0" anchor="ctr">
+                    <a:lnL w="12700" cap="flat" cmpd="sng" algn="ctr">
+                      <a:solidFill>
+                        <a:schemeClr val="bg1"/>
+                      </a:solidFill>
+                      <a:prstDash val="solid"/>
+                      <a:round/>
+                      <a:headEnd type="none" w="med" len="med"/>
+                      <a:tailEnd type="none" w="med" len="med"/>
+                    </a:lnL>
+                    <a:lnR w="12700" cap="flat" cmpd="sng" algn="ctr">
+                      <a:solidFill>
+                        <a:schemeClr val="bg1"/>
+                      </a:solidFill>
+                      <a:prstDash val="solid"/>
+                      <a:round/>
+                      <a:headEnd type="none" w="med" len="med"/>
+                      <a:tailEnd type="none" w="med" len="med"/>
+                    </a:lnR>
+                    <a:lnT w="12700" cap="flat" cmpd="sng" algn="ctr">
+                      <a:solidFill>
+                        <a:srgbClr val="000000"/>
+                      </a:solidFill>
+                      <a:prstDash val="solid"/>
+                      <a:round/>
+                      <a:headEnd type="none" w="med" len="med"/>
+                      <a:tailEnd type="none" w="med" len="med"/>
+                    </a:lnT>
+                    <a:lnB>
+                      <a:noFill/>
+                    </a:lnB>
+                    <a:solidFill>
+                      <a:srgbClr val="DCF0FA"/>
+                    </a:solidFill>
+                  </a:tcPr>
+                </a:tc>
+                <a:tc>
+                  <a:txBody>
+                    <a:bodyPr/>
+                    <a:lstStyle/>
+                    <a:p>
+                      <a:pPr marL="0" marR="0" algn="ctr">
+                        <a:lnSpc>
+                          <a:spcPct val="100000"/>
+                        </a:lnSpc>
+                        <a:spcBef>
+                          <a:spcPts val="0"/>
+                        </a:spcBef>
+                        <a:spcAft>
+                          <a:spcPts val="0"/>
+                        </a:spcAft>
+                      </a:pPr>
+                      <a:r>
+                        <a:rPr lang="en-US" sz="700" b="1" dirty="0" err="1" smtClean="0">
+                          <a:solidFill>
+                            <a:srgbClr val="000000"/>
+                          </a:solidFill>
+                          <a:latin typeface="Calibri"/>
+                          <a:ea typeface="Calibri"/>
+                          <a:cs typeface="Times New Roman" panose="02020603050405020304"/>
+                        </a:rPr>
+                        <a:t>GoF</a:t>
+                      </a:r>
+                      <a:r>
+                        <a:rPr lang="en-US" sz="700" b="1" dirty="0" smtClean="0">
+                          <a:solidFill>
+                            <a:srgbClr val="000000"/>
+                          </a:solidFill>
+                          <a:latin typeface="Calibri"/>
+                          <a:ea typeface="Calibri"/>
+                          <a:cs typeface="Times New Roman" panose="02020603050405020304"/>
+                        </a:rPr>
+                        <a:t>/</a:t>
+                      </a:r>
+                      <a:endParaRPr lang="en-US" sz="700" b="1" dirty="0" smtClean="0">
+                        <a:solidFill>
+                          <a:srgbClr val="000000"/>
+                        </a:solidFill>
+                        <a:latin typeface="Calibri"/>
+                        <a:ea typeface="Calibri"/>
+                        <a:cs typeface="Times New Roman" panose="02020603050405020304"/>
+                      </a:endParaRPr>
+                    </a:p>
+                    <a:p>
+                      <a:pPr marL="0" marR="0" algn="ctr">
+                        <a:lnSpc>
+                          <a:spcPct val="100000"/>
+                        </a:lnSpc>
+                        <a:spcBef>
+                          <a:spcPts val="0"/>
+                        </a:spcBef>
+                        <a:spcAft>
+                          <a:spcPts val="0"/>
+                        </a:spcAft>
+                      </a:pPr>
+                      <a:r>
+                        <a:rPr lang="en-US" sz="700" b="1" dirty="0" smtClean="0">
+                          <a:solidFill>
+                            <a:srgbClr val="000000"/>
+                          </a:solidFill>
+                          <a:latin typeface="Calibri"/>
+                          <a:ea typeface="Calibri"/>
+                          <a:cs typeface="Times New Roman" panose="02020603050405020304"/>
+                        </a:rPr>
+                        <a:t>LoF</a:t>
+                      </a:r>
+                      <a:endParaRPr lang="en-US" sz="700" dirty="0">
+                        <a:solidFill>
+                          <a:srgbClr val="000000"/>
+                        </a:solidFill>
+                        <a:latin typeface="Calibri"/>
+                        <a:ea typeface="Calibri"/>
+                        <a:cs typeface="Times New Roman" panose="02020603050405020304"/>
+                      </a:endParaRPr>
+                    </a:p>
+                  </a:txBody>
+                  <a:tcPr marL="68580" marR="68580" marT="0" marB="0" anchor="ctr">
+                    <a:lnL w="12700" cap="flat" cmpd="sng" algn="ctr">
+                      <a:solidFill>
+                        <a:schemeClr val="bg1"/>
+                      </a:solidFill>
+                      <a:prstDash val="solid"/>
+                      <a:round/>
+                      <a:headEnd type="none" w="med" len="med"/>
+                      <a:tailEnd type="none" w="med" len="med"/>
+                    </a:lnL>
+                    <a:lnR w="12700" cap="flat" cmpd="sng" algn="ctr">
+                      <a:solidFill>
+                        <a:schemeClr val="bg1"/>
+                      </a:solidFill>
+                      <a:prstDash val="solid"/>
+                      <a:round/>
+                      <a:headEnd type="none" w="med" len="med"/>
+                      <a:tailEnd type="none" w="med" len="med"/>
+                    </a:lnR>
+                    <a:lnT w="12700" cap="flat" cmpd="sng" algn="ctr">
+                      <a:solidFill>
+                        <a:srgbClr val="000000"/>
+                      </a:solidFill>
+                      <a:prstDash val="solid"/>
+                      <a:round/>
+                      <a:headEnd type="none" w="med" len="med"/>
+                      <a:tailEnd type="none" w="med" len="med"/>
+                    </a:lnT>
+                    <a:lnB>
+                      <a:noFill/>
+                    </a:lnB>
+                    <a:solidFill>
+                      <a:srgbClr val="DCF0FA"/>
+                    </a:solidFill>
+                  </a:tcPr>
+                </a:tc>
+                <a:tc>
+                  <a:txBody>
+                    <a:bodyPr/>
+                    <a:lstStyle/>
+                    <a:p>
+                      <a:pPr marL="0" marR="0" algn="ctr">
+                        <a:lnSpc>
+                          <a:spcPct val="100000"/>
+                        </a:lnSpc>
+                        <a:spcBef>
+                          <a:spcPts val="0"/>
+                        </a:spcBef>
+                        <a:spcAft>
+                          <a:spcPts val="0"/>
+                        </a:spcAft>
+                      </a:pPr>
+                      <a:r>
+                        <a:rPr lang="en-US" sz="700" b="1" dirty="0">
+                          <a:solidFill>
+                            <a:srgbClr val="000000"/>
+                          </a:solidFill>
+                          <a:latin typeface="Calibri"/>
+                          <a:ea typeface="Calibri"/>
+                          <a:cs typeface="Times New Roman" panose="02020603050405020304"/>
+                        </a:rPr>
+                        <a:t>Pathway</a:t>
+                      </a:r>
+                      <a:r>
+                        <a:rPr lang="en-US" sz="700" b="1" dirty="0" smtClean="0">
+                          <a:solidFill>
+                            <a:srgbClr val="000000"/>
+                          </a:solidFill>
+                          <a:latin typeface="Calibri"/>
+                          <a:ea typeface="Calibri"/>
+                          <a:cs typeface="Times New Roman" panose="02020603050405020304"/>
+                        </a:rPr>
+                        <a:t>/</a:t>
+                      </a:r>
+                      <a:endParaRPr lang="en-US" sz="700" b="1" dirty="0" smtClean="0">
+                        <a:solidFill>
+                          <a:srgbClr val="000000"/>
+                        </a:solidFill>
+                        <a:latin typeface="Calibri"/>
+                        <a:ea typeface="Calibri"/>
+                        <a:cs typeface="Times New Roman" panose="02020603050405020304"/>
+                      </a:endParaRPr>
+                    </a:p>
+                    <a:p>
+                      <a:pPr marL="0" marR="0" algn="ctr">
+                        <a:lnSpc>
+                          <a:spcPct val="100000"/>
+                        </a:lnSpc>
+                        <a:spcBef>
+                          <a:spcPts val="0"/>
+                        </a:spcBef>
+                        <a:spcAft>
+                          <a:spcPts val="0"/>
+                        </a:spcAft>
+                      </a:pPr>
+                      <a:r>
+                        <a:rPr lang="en-US" sz="700" b="1" dirty="0" smtClean="0">
+                          <a:solidFill>
+                            <a:srgbClr val="000000"/>
+                          </a:solidFill>
+                          <a:latin typeface="Calibri"/>
+                          <a:ea typeface="Calibri"/>
+                          <a:cs typeface="Times New Roman" panose="02020603050405020304"/>
+                        </a:rPr>
+                        <a:t>function</a:t>
+                      </a:r>
+                      <a:endParaRPr lang="en-US" sz="700" dirty="0">
+                        <a:solidFill>
+                          <a:srgbClr val="000000"/>
+                        </a:solidFill>
+                        <a:latin typeface="Calibri"/>
+                        <a:ea typeface="Calibri"/>
+                        <a:cs typeface="Times New Roman" panose="02020603050405020304"/>
+                      </a:endParaRPr>
+                    </a:p>
+                  </a:txBody>
+                  <a:tcPr marL="68580" marR="68580" marT="0" marB="0" anchor="ctr">
+                    <a:lnL w="12700" cap="flat" cmpd="sng" algn="ctr">
+                      <a:solidFill>
+                        <a:schemeClr val="bg1"/>
+                      </a:solidFill>
+                      <a:prstDash val="solid"/>
+                      <a:round/>
+                      <a:headEnd type="none" w="med" len="med"/>
+                      <a:tailEnd type="none" w="med" len="med"/>
+                    </a:lnL>
+                    <a:lnR w="12700" cap="flat" cmpd="sng" algn="ctr">
+                      <a:solidFill>
+                        <a:schemeClr val="bg1"/>
+                      </a:solidFill>
+                      <a:prstDash val="solid"/>
+                      <a:round/>
+                      <a:headEnd type="none" w="med" len="med"/>
+                      <a:tailEnd type="none" w="med" len="med"/>
+                    </a:lnR>
+                    <a:lnT w="12700" cap="flat" cmpd="sng" algn="ctr">
+                      <a:solidFill>
+                        <a:srgbClr val="000000"/>
+                      </a:solidFill>
+                      <a:prstDash val="solid"/>
+                      <a:round/>
+                      <a:headEnd type="none" w="med" len="med"/>
+                      <a:tailEnd type="none" w="med" len="med"/>
+                    </a:lnT>
+                    <a:lnB>
+                      <a:noFill/>
+                    </a:lnB>
+                    <a:solidFill>
+                      <a:srgbClr val="DCF0FA"/>
+                    </a:solidFill>
+                  </a:tcPr>
+                </a:tc>
+                <a:tc>
+                  <a:txBody>
+                    <a:bodyPr/>
+                    <a:lstStyle/>
+                    <a:p>
+                      <a:pPr marL="0" marR="0" algn="ctr">
+                        <a:lnSpc>
+                          <a:spcPct val="115000"/>
+                        </a:lnSpc>
+                        <a:spcBef>
+                          <a:spcPts val="0"/>
+                        </a:spcBef>
+                        <a:spcAft>
+                          <a:spcPts val="0"/>
+                        </a:spcAft>
+                      </a:pPr>
+                      <a:r>
+                        <a:rPr lang="en-US" sz="800" b="1" dirty="0" smtClean="0">
+                          <a:solidFill>
+                            <a:srgbClr val="000000"/>
+                          </a:solidFill>
+                          <a:latin typeface="Calibri"/>
+                          <a:ea typeface="Calibri"/>
+                          <a:cs typeface="Times New Roman" panose="02020603050405020304"/>
+                        </a:rPr>
+                        <a:t>Comments</a:t>
+                      </a:r>
+                      <a:endParaRPr lang="en-US" sz="800" dirty="0">
+                        <a:solidFill>
+                          <a:srgbClr val="000000"/>
+                        </a:solidFill>
+                        <a:latin typeface="Calibri"/>
+                        <a:ea typeface="Calibri"/>
+                        <a:cs typeface="Times New Roman" panose="02020603050405020304"/>
+                      </a:endParaRPr>
+                    </a:p>
+                  </a:txBody>
+                  <a:tcPr marL="68580" marR="68580" marT="0" marB="0" anchor="ctr">
+                    <a:lnL w="12700" cap="flat" cmpd="sng" algn="ctr">
+                      <a:solidFill>
+                        <a:schemeClr val="bg1"/>
+                      </a:solidFill>
+                      <a:prstDash val="solid"/>
+                      <a:round/>
+                      <a:headEnd type="none" w="med" len="med"/>
+                      <a:tailEnd type="none" w="med" len="med"/>
+                    </a:lnL>
+                    <a:lnR w="12700" cap="flat" cmpd="sng" algn="ctr">
+                      <a:noFill/>
+                      <a:prstDash val="solid"/>
+                      <a:round/>
+                      <a:headEnd type="none" w="med" len="med"/>
+                      <a:tailEnd type="none" w="med" len="med"/>
+                    </a:lnR>
+                    <a:lnT w="12700" cap="flat" cmpd="sng" algn="ctr">
+                      <a:solidFill>
+                        <a:srgbClr val="000000"/>
+                      </a:solidFill>
+                      <a:prstDash val="solid"/>
+                      <a:round/>
+                      <a:headEnd type="none" w="med" len="med"/>
+                      <a:tailEnd type="none" w="med" len="med"/>
+                    </a:lnT>
+                    <a:lnB w="12700" cap="flat" cmpd="sng" algn="ctr">
+                      <a:noFill/>
+                      <a:prstDash val="solid"/>
+                      <a:round/>
+                      <a:headEnd type="none" w="med" len="med"/>
+                      <a:tailEnd type="none" w="med" len="med"/>
+                    </a:lnB>
+                    <a:solidFill>
+                      <a:srgbClr val="DCF0FA"/>
+                    </a:solidFill>
+                  </a:tcPr>
+                </a:tc>
+              </a:tr>
+              <a:tr h="219526">
+                <a:tc>
+                  <a:txBody>
+                    <a:bodyPr/>
+                    <a:lstStyle/>
+                    <a:p>
+                      <a:pPr marL="0" marR="0" lvl="0" indent="0" algn="l" defTabSz="914400" rtl="0" eaLnBrk="1" fontAlgn="auto" latinLnBrk="0" hangingPunct="1">
+                        <a:lnSpc>
+                          <a:spcPct val="100000"/>
+                        </a:lnSpc>
+                        <a:spcBef>
+                          <a:spcPts val="0"/>
+                        </a:spcBef>
+                        <a:spcAft>
+                          <a:spcPts val="0"/>
+                        </a:spcAft>
+                        <a:buClrTx/>
+                        <a:buSzTx/>
+                        <a:buFontTx/>
+                        <a:buNone/>
+                        <a:defRPr/>
+                      </a:pPr>
+                      <a:endParaRPr lang="en-US" sz="800" b="1" dirty="0" smtClean="0">
+                        <a:solidFill>
+                          <a:schemeClr val="tx1"/>
+                        </a:solidFill>
+                        <a:latin typeface="+mn-lt"/>
+                        <a:ea typeface="Calibri"/>
+                        <a:cs typeface="Times New Roman" panose="02020603050405020304"/>
+                      </a:endParaRPr>
+                    </a:p>
+                  </a:txBody>
+                  <a:tcPr marL="68580" marR="68580" marT="36000" marB="0" anchor="ctr">
+                    <a:lnL>
+                      <a:noFill/>
+                    </a:lnL>
+                    <a:lnR>
+                      <a:noFill/>
+                    </a:lnR>
+                    <a:lnT>
+                      <a:noFill/>
+                    </a:lnT>
+                    <a:lnB w="12700" cap="flat" cmpd="sng" algn="ctr">
+                      <a:solidFill>
+                        <a:schemeClr val="accent1">
+                          <a:lumMod val="20000"/>
+                          <a:lumOff val="80000"/>
+                        </a:schemeClr>
+                      </a:solidFill>
+                      <a:prstDash val="solid"/>
+                      <a:round/>
+                      <a:headEnd type="none" w="med" len="med"/>
+                      <a:tailEnd type="none" w="med" len="med"/>
+                    </a:lnB>
+                    <a:noFill/>
+                  </a:tcPr>
+                </a:tc>
+                <a:tc>
+                  <a:txBody>
+                    <a:bodyPr/>
+                    <a:lstStyle/>
+                    <a:p>
+                      <a:pPr marL="0" marR="0" lvl="0" indent="0" algn="ctr" defTabSz="914400" rtl="0" eaLnBrk="1" fontAlgn="auto" latinLnBrk="0" hangingPunct="1">
+                        <a:lnSpc>
+                          <a:spcPct val="100000"/>
+                        </a:lnSpc>
+                        <a:spcBef>
+                          <a:spcPts val="0"/>
+                        </a:spcBef>
+                        <a:spcAft>
+                          <a:spcPts val="0"/>
+                        </a:spcAft>
+                        <a:buClrTx/>
+                        <a:buSzTx/>
+                        <a:buFontTx/>
+                        <a:buNone/>
+                        <a:defRPr/>
+                      </a:pPr>
+                      <a:endParaRPr lang="en-US" sz="800" dirty="0" smtClean="0">
+                        <a:solidFill>
+                          <a:srgbClr val="000000"/>
+                        </a:solidFill>
+                        <a:latin typeface="+mn-lt"/>
+                        <a:ea typeface="Calibri"/>
+                        <a:cs typeface="Times New Roman" panose="02020603050405020304"/>
+                      </a:endParaRPr>
+                    </a:p>
+                  </a:txBody>
+                  <a:tcPr marL="68580" marR="68580" marT="36000" marB="0" anchor="ctr">
+                    <a:lnL>
+                      <a:noFill/>
+                    </a:lnL>
+                    <a:lnR>
+                      <a:noFill/>
+                    </a:lnR>
+                    <a:lnT>
+                      <a:noFill/>
+                    </a:lnT>
+                    <a:lnB w="12700" cap="flat" cmpd="sng" algn="ctr">
+                      <a:solidFill>
+                        <a:schemeClr val="accent1">
+                          <a:lumMod val="20000"/>
+                          <a:lumOff val="80000"/>
+                        </a:schemeClr>
+                      </a:solidFill>
+                      <a:prstDash val="solid"/>
+                      <a:round/>
+                      <a:headEnd type="none" w="med" len="med"/>
+                      <a:tailEnd type="none" w="med" len="med"/>
+                    </a:lnB>
+                    <a:noFill/>
+                  </a:tcPr>
+                </a:tc>
+                <a:tc>
+                  <a:txBody>
+                    <a:bodyPr/>
+                    <a:lstStyle/>
+                    <a:p>
+                      <a:pPr marL="0" marR="0" algn="ctr">
+                        <a:lnSpc>
+                          <a:spcPct val="100000"/>
+                        </a:lnSpc>
+                        <a:spcBef>
+                          <a:spcPts val="0"/>
+                        </a:spcBef>
+                        <a:spcAft>
+                          <a:spcPts val="0"/>
+                        </a:spcAft>
+                      </a:pPr>
+                      <a:endParaRPr lang="en-US" sz="800" dirty="0">
+                        <a:solidFill>
+                          <a:srgbClr val="000000"/>
+                        </a:solidFill>
+                        <a:latin typeface="Calibri"/>
+                        <a:ea typeface="Calibri"/>
+                        <a:cs typeface="Times New Roman" panose="02020603050405020304"/>
+                      </a:endParaRPr>
+                    </a:p>
+                  </a:txBody>
+                  <a:tcPr marL="68580" marR="68580" marT="36000" marB="0" anchor="ctr">
+                    <a:lnL>
+                      <a:noFill/>
+                    </a:lnL>
+                    <a:lnR>
+                      <a:noFill/>
+                    </a:lnR>
+                    <a:lnT>
+                      <a:noFill/>
+                    </a:lnT>
+                    <a:lnB w="12700" cap="flat" cmpd="sng" algn="ctr">
+                      <a:solidFill>
+                        <a:schemeClr val="accent1">
+                          <a:lumMod val="20000"/>
+                          <a:lumOff val="80000"/>
+                        </a:schemeClr>
+                      </a:solidFill>
+                      <a:prstDash val="solid"/>
+                      <a:round/>
+                      <a:headEnd type="none" w="med" len="med"/>
+                      <a:tailEnd type="none" w="med" len="med"/>
+                    </a:lnB>
+                    <a:noFill/>
+                  </a:tcPr>
+                </a:tc>
+                <a:tc>
+                  <a:txBody>
+                    <a:bodyPr/>
+                    <a:lstStyle/>
+                    <a:p>
+                      <a:pPr marL="0" marR="0" lvl="0" indent="0" algn="ctr" defTabSz="914400" rtl="0" eaLnBrk="1" fontAlgn="auto" latinLnBrk="0" hangingPunct="1">
+                        <a:lnSpc>
+                          <a:spcPct val="100000"/>
+                        </a:lnSpc>
+                        <a:spcBef>
+                          <a:spcPts val="0"/>
+                        </a:spcBef>
+                        <a:spcAft>
+                          <a:spcPts val="0"/>
+                        </a:spcAft>
+                        <a:buClrTx/>
+                        <a:buSzTx/>
+                        <a:buFontTx/>
+                        <a:buNone/>
+                        <a:defRPr/>
+                      </a:pPr>
+                      <a:endParaRPr lang="en-US" sz="800" baseline="0" dirty="0" smtClean="0">
+                        <a:solidFill>
+                          <a:srgbClr val="000000"/>
+                        </a:solidFill>
+                        <a:latin typeface="+mn-lt"/>
+                        <a:ea typeface="Calibri"/>
+                        <a:cs typeface="Times New Roman" panose="02020603050405020304"/>
+                      </a:endParaRPr>
+                    </a:p>
+                  </a:txBody>
+                  <a:tcPr marL="68580" marR="68580" marT="36000" marB="0" anchor="ctr">
+                    <a:lnL>
+                      <a:noFill/>
+                    </a:lnL>
+                    <a:lnR>
+                      <a:noFill/>
+                    </a:lnR>
+                    <a:lnT>
+                      <a:noFill/>
+                    </a:lnT>
+                    <a:lnB w="12700" cap="flat" cmpd="sng" algn="ctr">
+                      <a:solidFill>
+                        <a:schemeClr val="accent1">
+                          <a:lumMod val="20000"/>
+                          <a:lumOff val="80000"/>
+                        </a:schemeClr>
+                      </a:solidFill>
+                      <a:prstDash val="solid"/>
+                      <a:round/>
+                      <a:headEnd type="none" w="med" len="med"/>
+                      <a:tailEnd type="none" w="med" len="med"/>
+                    </a:lnB>
+                    <a:noFill/>
+                  </a:tcPr>
+                </a:tc>
+                <a:tc>
+                  <a:txBody>
+                    <a:bodyPr/>
+                    <a:lstStyle/>
+                    <a:p>
+                      <a:pPr marL="0" marR="0" algn="ctr">
+                        <a:lnSpc>
+                          <a:spcPct val="100000"/>
+                        </a:lnSpc>
+                        <a:spcBef>
+                          <a:spcPts val="0"/>
+                        </a:spcBef>
+                        <a:spcAft>
+                          <a:spcPts val="0"/>
+                        </a:spcAft>
+                      </a:pPr>
+                      <a:endParaRPr lang="en-US" sz="800" dirty="0">
+                        <a:solidFill>
+                          <a:srgbClr val="000000"/>
+                        </a:solidFill>
+                        <a:latin typeface="Calibri"/>
+                        <a:ea typeface="Calibri"/>
+                        <a:cs typeface="Times New Roman" panose="02020603050405020304"/>
+                      </a:endParaRPr>
+                    </a:p>
+                  </a:txBody>
+                  <a:tcPr marL="68580" marR="68580" marT="36000" marB="0" anchor="ctr">
+                    <a:lnL>
+                      <a:noFill/>
+                    </a:lnL>
+                    <a:lnR>
+                      <a:noFill/>
+                    </a:lnR>
+                    <a:lnT>
+                      <a:noFill/>
+                    </a:lnT>
+                    <a:lnB w="12700" cap="flat" cmpd="sng" algn="ctr">
+                      <a:solidFill>
+                        <a:schemeClr val="accent1">
+                          <a:lumMod val="20000"/>
+                          <a:lumOff val="80000"/>
+                        </a:schemeClr>
+                      </a:solidFill>
+                      <a:prstDash val="solid"/>
+                      <a:round/>
+                      <a:headEnd type="none" w="med" len="med"/>
+                      <a:tailEnd type="none" w="med" len="med"/>
+                    </a:lnB>
+                    <a:noFill/>
+                  </a:tcPr>
+                </a:tc>
+                <a:tc>
+                  <a:txBody>
+                    <a:bodyPr/>
+                    <a:lstStyle/>
+                    <a:p>
+                      <a:pPr marL="0" marR="0" lvl="0" indent="0" algn="l" defTabSz="914400" rtl="0" eaLnBrk="1" fontAlgn="auto" latinLnBrk="0" hangingPunct="1">
+                        <a:lnSpc>
+                          <a:spcPct val="100000"/>
+                        </a:lnSpc>
+                        <a:spcBef>
+                          <a:spcPts val="0"/>
+                        </a:spcBef>
+                        <a:spcAft>
+                          <a:spcPts val="0"/>
+                        </a:spcAft>
+                        <a:buClrTx/>
+                        <a:buSzTx/>
+                        <a:buFontTx/>
+                        <a:buNone/>
+                        <a:defRPr/>
+                      </a:pPr>
+                      <a:endParaRPr lang="nb-NO" sz="800" i="0" kern="1200" dirty="0" smtClean="0">
+                        <a:solidFill>
+                          <a:schemeClr val="dk1"/>
+                        </a:solidFill>
+                        <a:effectLst/>
+                        <a:latin typeface="+mn-lt"/>
+                        <a:ea typeface="+mn-ea"/>
+                        <a:cs typeface="+mn-cs"/>
+                      </a:endParaRPr>
+                    </a:p>
+                  </a:txBody>
+                  <a:tcPr marL="68580" marR="68580" marT="36000" marB="0" anchor="ctr">
+                    <a:lnL>
+                      <a:noFill/>
+                    </a:lnL>
+                    <a:lnR>
+                      <a:noFill/>
+                    </a:lnR>
+                    <a:lnT>
+                      <a:noFill/>
+                    </a:lnT>
+                    <a:lnB w="12700" cap="flat" cmpd="sng" algn="ctr">
+                      <a:solidFill>
+                        <a:schemeClr val="accent1">
+                          <a:lumMod val="20000"/>
+                          <a:lumOff val="80000"/>
+                        </a:schemeClr>
+                      </a:solidFill>
+                      <a:prstDash val="solid"/>
+                      <a:round/>
+                      <a:headEnd type="none" w="med" len="med"/>
+                      <a:tailEnd type="none" w="med" len="med"/>
+                    </a:lnB>
+                    <a:noFill/>
+                  </a:tcPr>
+                </a:tc>
+              </a:tr>
+              <a:tr h="219526">
+                <a:tc>
+                  <a:txBody>
+                    <a:bodyPr/>
+                    <a:lstStyle/>
+                    <a:p>
+                      <a:pPr marL="0" marR="0" lvl="0" indent="0" algn="l" defTabSz="914400" rtl="0" eaLnBrk="1" fontAlgn="auto" latinLnBrk="0" hangingPunct="1">
+                        <a:lnSpc>
+                          <a:spcPct val="100000"/>
+                        </a:lnSpc>
+                        <a:spcBef>
+                          <a:spcPts val="0"/>
+                        </a:spcBef>
+                        <a:spcAft>
+                          <a:spcPts val="0"/>
+                        </a:spcAft>
+                        <a:buClrTx/>
+                        <a:buSzTx/>
+                        <a:buFontTx/>
+                        <a:buNone/>
+                        <a:defRPr/>
+                      </a:pPr>
+                      <a:endParaRPr lang="en-US" sz="800" b="1" dirty="0" smtClean="0">
+                        <a:solidFill>
+                          <a:schemeClr val="tx1"/>
+                        </a:solidFill>
+                        <a:latin typeface="+mn-lt"/>
+                        <a:ea typeface="Calibri"/>
+                        <a:cs typeface="Times New Roman" panose="02020603050405020304"/>
+                      </a:endParaRPr>
+                    </a:p>
+                  </a:txBody>
+                  <a:tcPr marL="68580" marR="68580" marT="36000" marB="0" anchor="ctr">
+                    <a:lnL>
+                      <a:noFill/>
+                    </a:lnL>
+                    <a:lnR>
+                      <a:noFill/>
+                    </a:lnR>
+                    <a:lnT w="12700" cap="flat" cmpd="sng" algn="ctr">
+                      <a:solidFill>
+                        <a:schemeClr val="accent1">
+                          <a:lumMod val="20000"/>
+                          <a:lumOff val="80000"/>
+                        </a:schemeClr>
+                      </a:solidFill>
+                      <a:prstDash val="solid"/>
+                      <a:round/>
+                      <a:headEnd type="none" w="med" len="med"/>
+                      <a:tailEnd type="none" w="med" len="med"/>
+                    </a:lnT>
+                    <a:lnB w="12700" cap="flat" cmpd="sng" algn="ctr">
+                      <a:solidFill>
+                        <a:schemeClr val="accent1">
+                          <a:lumMod val="20000"/>
+                          <a:lumOff val="80000"/>
+                        </a:schemeClr>
+                      </a:solidFill>
+                      <a:prstDash val="solid"/>
+                      <a:round/>
+                      <a:headEnd type="none" w="med" len="med"/>
+                      <a:tailEnd type="none" w="med" len="med"/>
+                    </a:lnB>
+                    <a:noFill/>
+                  </a:tcPr>
+                </a:tc>
+                <a:tc>
+                  <a:txBody>
+                    <a:bodyPr/>
+                    <a:lstStyle/>
+                    <a:p>
+                      <a:pPr marL="0" marR="0" lvl="0" indent="0" algn="ctr" defTabSz="914400" rtl="0" eaLnBrk="1" fontAlgn="auto" latinLnBrk="0" hangingPunct="1">
+                        <a:lnSpc>
+                          <a:spcPct val="100000"/>
+                        </a:lnSpc>
+                        <a:spcBef>
+                          <a:spcPts val="0"/>
+                        </a:spcBef>
+                        <a:spcAft>
+                          <a:spcPts val="0"/>
+                        </a:spcAft>
+                        <a:buClrTx/>
+                        <a:buSzTx/>
+                        <a:buFontTx/>
+                        <a:buNone/>
+                        <a:defRPr/>
+                      </a:pPr>
+                      <a:endParaRPr lang="en-US" sz="800" dirty="0" smtClean="0">
+                        <a:solidFill>
+                          <a:srgbClr val="000000"/>
+                        </a:solidFill>
+                        <a:latin typeface="+mn-lt"/>
+                        <a:ea typeface="Calibri"/>
+                        <a:cs typeface="Times New Roman" panose="02020603050405020304"/>
+                      </a:endParaRPr>
+                    </a:p>
+                  </a:txBody>
+                  <a:tcPr marL="68580" marR="68580" marT="36000" marB="0" anchor="ctr">
+                    <a:lnL>
+                      <a:noFill/>
+                    </a:lnL>
+                    <a:lnR>
+                      <a:noFill/>
+                    </a:lnR>
+                    <a:lnT w="12700" cap="flat" cmpd="sng" algn="ctr">
+                      <a:solidFill>
+                        <a:schemeClr val="accent1">
+                          <a:lumMod val="20000"/>
+                          <a:lumOff val="80000"/>
+                        </a:schemeClr>
+                      </a:solidFill>
+                      <a:prstDash val="solid"/>
+                      <a:round/>
+                      <a:headEnd type="none" w="med" len="med"/>
+                      <a:tailEnd type="none" w="med" len="med"/>
+                    </a:lnT>
+                    <a:lnB w="12700" cap="flat" cmpd="sng" algn="ctr">
+                      <a:solidFill>
+                        <a:schemeClr val="accent1">
+                          <a:lumMod val="20000"/>
+                          <a:lumOff val="80000"/>
+                        </a:schemeClr>
+                      </a:solidFill>
+                      <a:prstDash val="solid"/>
+                      <a:round/>
+                      <a:headEnd type="none" w="med" len="med"/>
+                      <a:tailEnd type="none" w="med" len="med"/>
+                    </a:lnB>
+                    <a:noFill/>
+                  </a:tcPr>
+                </a:tc>
+                <a:tc>
+                  <a:txBody>
+                    <a:bodyPr/>
+                    <a:lstStyle/>
+                    <a:p>
+                      <a:pPr marL="0" marR="0" algn="ctr">
+                        <a:lnSpc>
+                          <a:spcPct val="100000"/>
+                        </a:lnSpc>
+                        <a:spcBef>
+                          <a:spcPts val="0"/>
+                        </a:spcBef>
+                        <a:spcAft>
+                          <a:spcPts val="0"/>
+                        </a:spcAft>
+                      </a:pPr>
+                      <a:endParaRPr lang="en-US" sz="800" dirty="0">
+                        <a:solidFill>
+                          <a:srgbClr val="000000"/>
+                        </a:solidFill>
+                        <a:latin typeface="Calibri"/>
+                        <a:ea typeface="Calibri"/>
+                        <a:cs typeface="Times New Roman" panose="02020603050405020304"/>
+                      </a:endParaRPr>
+                    </a:p>
+                  </a:txBody>
+                  <a:tcPr marL="68580" marR="68580" marT="36000" marB="0" anchor="ctr">
+                    <a:lnL>
+                      <a:noFill/>
+                    </a:lnL>
+                    <a:lnR>
+                      <a:noFill/>
+                    </a:lnR>
+                    <a:lnT w="12700" cap="flat" cmpd="sng" algn="ctr">
+                      <a:solidFill>
+                        <a:schemeClr val="accent1">
+                          <a:lumMod val="20000"/>
+                          <a:lumOff val="80000"/>
+                        </a:schemeClr>
+                      </a:solidFill>
+                      <a:prstDash val="solid"/>
+                      <a:round/>
+                      <a:headEnd type="none" w="med" len="med"/>
+                      <a:tailEnd type="none" w="med" len="med"/>
+                    </a:lnT>
+                    <a:lnB w="12700" cap="flat" cmpd="sng" algn="ctr">
+                      <a:solidFill>
+                        <a:schemeClr val="accent1">
+                          <a:lumMod val="20000"/>
+                          <a:lumOff val="80000"/>
+                        </a:schemeClr>
+                      </a:solidFill>
+                      <a:prstDash val="solid"/>
+                      <a:round/>
+                      <a:headEnd type="none" w="med" len="med"/>
+                      <a:tailEnd type="none" w="med" len="med"/>
+                    </a:lnB>
+                    <a:noFill/>
+                  </a:tcPr>
+                </a:tc>
+                <a:tc>
+                  <a:txBody>
+                    <a:bodyPr/>
+                    <a:lstStyle/>
+                    <a:p>
+                      <a:pPr marL="0" marR="0" algn="ctr">
+                        <a:lnSpc>
+                          <a:spcPct val="100000"/>
+                        </a:lnSpc>
+                        <a:spcBef>
+                          <a:spcPts val="0"/>
+                        </a:spcBef>
+                        <a:spcAft>
+                          <a:spcPts val="0"/>
+                        </a:spcAft>
+                      </a:pPr>
+                      <a:endParaRPr lang="en-US" sz="800" dirty="0">
+                        <a:solidFill>
+                          <a:srgbClr val="000000"/>
+                        </a:solidFill>
+                        <a:latin typeface="Calibri"/>
+                        <a:ea typeface="Calibri"/>
+                        <a:cs typeface="Times New Roman" panose="02020603050405020304"/>
+                      </a:endParaRPr>
+                    </a:p>
+                  </a:txBody>
+                  <a:tcPr marL="68580" marR="68580" marT="36000" marB="0" anchor="ctr">
+                    <a:lnL>
+                      <a:noFill/>
+                    </a:lnL>
+                    <a:lnR>
+                      <a:noFill/>
+                    </a:lnR>
+                    <a:lnT w="12700" cap="flat" cmpd="sng" algn="ctr">
+                      <a:solidFill>
+                        <a:schemeClr val="accent1">
+                          <a:lumMod val="20000"/>
+                          <a:lumOff val="80000"/>
+                        </a:schemeClr>
+                      </a:solidFill>
+                      <a:prstDash val="solid"/>
+                      <a:round/>
+                      <a:headEnd type="none" w="med" len="med"/>
+                      <a:tailEnd type="none" w="med" len="med"/>
+                    </a:lnT>
+                    <a:lnB w="12700" cap="flat" cmpd="sng" algn="ctr">
+                      <a:solidFill>
+                        <a:schemeClr val="accent1">
+                          <a:lumMod val="20000"/>
+                          <a:lumOff val="80000"/>
+                        </a:schemeClr>
+                      </a:solidFill>
+                      <a:prstDash val="solid"/>
+                      <a:round/>
+                      <a:headEnd type="none" w="med" len="med"/>
+                      <a:tailEnd type="none" w="med" len="med"/>
+                    </a:lnB>
+                    <a:noFill/>
+                  </a:tcPr>
+                </a:tc>
+                <a:tc>
+                  <a:txBody>
+                    <a:bodyPr/>
+                    <a:lstStyle/>
+                    <a:p>
+                      <a:pPr marL="0" marR="0" algn="ctr">
+                        <a:lnSpc>
+                          <a:spcPct val="100000"/>
+                        </a:lnSpc>
+                        <a:spcBef>
+                          <a:spcPts val="0"/>
+                        </a:spcBef>
+                        <a:spcAft>
+                          <a:spcPts val="0"/>
+                        </a:spcAft>
+                      </a:pPr>
+                      <a:endParaRPr lang="en-US" sz="800" dirty="0">
+                        <a:solidFill>
+                          <a:srgbClr val="000000"/>
+                        </a:solidFill>
+                        <a:latin typeface="Calibri"/>
+                        <a:ea typeface="Calibri"/>
+                        <a:cs typeface="Times New Roman" panose="02020603050405020304"/>
+                      </a:endParaRPr>
+                    </a:p>
+                  </a:txBody>
+                  <a:tcPr marL="68580" marR="68580" marT="36000" marB="0" anchor="ctr">
+                    <a:lnL>
+                      <a:noFill/>
+                    </a:lnL>
+                    <a:lnR>
+                      <a:noFill/>
+                    </a:lnR>
+                    <a:lnT w="12700" cap="flat" cmpd="sng" algn="ctr">
+                      <a:solidFill>
+                        <a:schemeClr val="accent1">
+                          <a:lumMod val="20000"/>
+                          <a:lumOff val="80000"/>
+                        </a:schemeClr>
+                      </a:solidFill>
+                      <a:prstDash val="solid"/>
+                      <a:round/>
+                      <a:headEnd type="none" w="med" len="med"/>
+                      <a:tailEnd type="none" w="med" len="med"/>
+                    </a:lnT>
+                    <a:lnB w="12700" cap="flat" cmpd="sng" algn="ctr">
+                      <a:solidFill>
+                        <a:schemeClr val="accent1">
+                          <a:lumMod val="20000"/>
+                          <a:lumOff val="80000"/>
+                        </a:schemeClr>
+                      </a:solidFill>
+                      <a:prstDash val="solid"/>
+                      <a:round/>
+                      <a:headEnd type="none" w="med" len="med"/>
+                      <a:tailEnd type="none" w="med" len="med"/>
+                    </a:lnB>
+                    <a:noFill/>
+                  </a:tcPr>
+                </a:tc>
+                <a:tc>
+                  <a:txBody>
+                    <a:bodyPr/>
+                    <a:lstStyle/>
+                    <a:p>
+                      <a:pPr marL="0" marR="0" lvl="0" indent="0" algn="l" defTabSz="914400" rtl="0" eaLnBrk="1" fontAlgn="auto" latinLnBrk="0" hangingPunct="1">
+                        <a:lnSpc>
+                          <a:spcPct val="100000"/>
+                        </a:lnSpc>
+                        <a:spcBef>
+                          <a:spcPts val="0"/>
+                        </a:spcBef>
+                        <a:spcAft>
+                          <a:spcPts val="0"/>
+                        </a:spcAft>
+                        <a:buClrTx/>
+                        <a:buSzTx/>
+                        <a:buFontTx/>
+                        <a:buNone/>
+                        <a:defRPr/>
+                      </a:pPr>
+                      <a:endParaRPr lang="nb-NO" sz="800" i="1" kern="1200" dirty="0" smtClean="0">
+                        <a:solidFill>
+                          <a:schemeClr val="dk1"/>
+                        </a:solidFill>
+                        <a:effectLst/>
+                        <a:latin typeface="+mn-lt"/>
+                        <a:ea typeface="+mn-ea"/>
+                        <a:cs typeface="+mn-cs"/>
+                      </a:endParaRPr>
+                    </a:p>
+                  </a:txBody>
+                  <a:tcPr marL="68580" marR="68580" marT="36000" marB="0" anchor="ctr">
+                    <a:lnL>
+                      <a:noFill/>
+                    </a:lnL>
+                    <a:lnR>
+                      <a:noFill/>
+                    </a:lnR>
+                    <a:lnT w="12700" cap="flat" cmpd="sng" algn="ctr">
+                      <a:solidFill>
+                        <a:schemeClr val="accent1">
+                          <a:lumMod val="20000"/>
+                          <a:lumOff val="80000"/>
+                        </a:schemeClr>
+                      </a:solidFill>
+                      <a:prstDash val="solid"/>
+                      <a:round/>
+                      <a:headEnd type="none" w="med" len="med"/>
+                      <a:tailEnd type="none" w="med" len="med"/>
+                    </a:lnT>
+                    <a:lnB w="12700" cap="flat" cmpd="sng" algn="ctr">
+                      <a:solidFill>
+                        <a:schemeClr val="accent1">
+                          <a:lumMod val="20000"/>
+                          <a:lumOff val="80000"/>
+                        </a:schemeClr>
+                      </a:solidFill>
+                      <a:prstDash val="solid"/>
+                      <a:round/>
+                      <a:headEnd type="none" w="med" len="med"/>
+                      <a:tailEnd type="none" w="med" len="med"/>
+                    </a:lnB>
+                    <a:noFill/>
+                  </a:tcPr>
+                </a:tc>
+              </a:tr>
+              <a:tr h="219526">
+                <a:tc>
+                  <a:txBody>
+                    <a:bodyPr/>
+                    <a:lstStyle/>
+                    <a:p>
+                      <a:pPr marL="0" marR="0" lvl="0" indent="0" algn="l" defTabSz="914400" rtl="0" eaLnBrk="1" fontAlgn="auto" latinLnBrk="0" hangingPunct="1">
+                        <a:lnSpc>
+                          <a:spcPct val="100000"/>
+                        </a:lnSpc>
+                        <a:spcBef>
+                          <a:spcPts val="0"/>
+                        </a:spcBef>
+                        <a:spcAft>
+                          <a:spcPts val="0"/>
+                        </a:spcAft>
+                        <a:buClrTx/>
+                        <a:buSzTx/>
+                        <a:buFontTx/>
+                        <a:buNone/>
+                        <a:defRPr/>
+                      </a:pPr>
+                      <a:endParaRPr lang="en-US" sz="800" b="1" dirty="0" smtClean="0">
+                        <a:solidFill>
+                          <a:schemeClr val="tx1"/>
+                        </a:solidFill>
+                        <a:latin typeface="+mn-lt"/>
+                        <a:ea typeface="Calibri"/>
+                        <a:cs typeface="Times New Roman" panose="02020603050405020304"/>
+                      </a:endParaRPr>
+                    </a:p>
+                  </a:txBody>
+                  <a:tcPr marL="68580" marR="68580" marT="36000" marB="0" anchor="ctr">
+                    <a:lnL>
+                      <a:noFill/>
+                    </a:lnL>
+                    <a:lnR>
+                      <a:noFill/>
+                    </a:lnR>
+                    <a:lnT w="12700" cap="flat" cmpd="sng" algn="ctr">
+                      <a:solidFill>
+                        <a:schemeClr val="accent1">
+                          <a:lumMod val="20000"/>
+                          <a:lumOff val="80000"/>
+                        </a:schemeClr>
+                      </a:solidFill>
+                      <a:prstDash val="solid"/>
+                      <a:round/>
+                      <a:headEnd type="none" w="med" len="med"/>
+                      <a:tailEnd type="none" w="med" len="med"/>
+                    </a:lnT>
+                    <a:lnB w="12700" cap="flat" cmpd="sng" algn="ctr">
+                      <a:solidFill>
+                        <a:schemeClr val="accent1">
+                          <a:lumMod val="20000"/>
+                          <a:lumOff val="80000"/>
+                        </a:schemeClr>
+                      </a:solidFill>
+                      <a:prstDash val="solid"/>
+                      <a:round/>
+                      <a:headEnd type="none" w="med" len="med"/>
+                      <a:tailEnd type="none" w="med" len="med"/>
+                    </a:lnB>
+                    <a:noFill/>
+                  </a:tcPr>
+                </a:tc>
+                <a:tc>
+                  <a:txBody>
+                    <a:bodyPr/>
+                    <a:lstStyle/>
+                    <a:p>
+                      <a:pPr marL="0" marR="0" lvl="0" indent="0" algn="ctr" defTabSz="914400" rtl="0" eaLnBrk="1" fontAlgn="auto" latinLnBrk="0" hangingPunct="1">
+                        <a:lnSpc>
+                          <a:spcPct val="100000"/>
+                        </a:lnSpc>
+                        <a:spcBef>
+                          <a:spcPts val="0"/>
+                        </a:spcBef>
+                        <a:spcAft>
+                          <a:spcPts val="0"/>
+                        </a:spcAft>
+                        <a:buClrTx/>
+                        <a:buSzTx/>
+                        <a:buFontTx/>
+                        <a:buNone/>
+                        <a:defRPr/>
+                      </a:pPr>
+                      <a:endParaRPr lang="en-US" sz="800" dirty="0" smtClean="0">
+                        <a:solidFill>
+                          <a:srgbClr val="000000"/>
+                        </a:solidFill>
+                        <a:latin typeface="+mn-lt"/>
+                        <a:ea typeface="Calibri"/>
+                        <a:cs typeface="Times New Roman" panose="02020603050405020304"/>
+                      </a:endParaRPr>
+                    </a:p>
+                  </a:txBody>
+                  <a:tcPr marL="68580" marR="68580" marT="36000" marB="0" anchor="ctr">
+                    <a:lnL>
+                      <a:noFill/>
+                    </a:lnL>
+                    <a:lnR>
+                      <a:noFill/>
+                    </a:lnR>
+                    <a:lnT w="12700" cap="flat" cmpd="sng" algn="ctr">
+                      <a:solidFill>
+                        <a:schemeClr val="accent1">
+                          <a:lumMod val="20000"/>
+                          <a:lumOff val="80000"/>
+                        </a:schemeClr>
+                      </a:solidFill>
+                      <a:prstDash val="solid"/>
+                      <a:round/>
+                      <a:headEnd type="none" w="med" len="med"/>
+                      <a:tailEnd type="none" w="med" len="med"/>
+                    </a:lnT>
+                    <a:lnB w="12700" cap="flat" cmpd="sng" algn="ctr">
+                      <a:solidFill>
+                        <a:schemeClr val="accent1">
+                          <a:lumMod val="20000"/>
+                          <a:lumOff val="80000"/>
+                        </a:schemeClr>
+                      </a:solidFill>
+                      <a:prstDash val="solid"/>
+                      <a:round/>
+                      <a:headEnd type="none" w="med" len="med"/>
+                      <a:tailEnd type="none" w="med" len="med"/>
+                    </a:lnB>
+                    <a:noFill/>
+                  </a:tcPr>
+                </a:tc>
+                <a:tc>
+                  <a:txBody>
+                    <a:bodyPr/>
+                    <a:lstStyle/>
+                    <a:p>
+                      <a:pPr marL="0" marR="0" algn="ctr">
+                        <a:lnSpc>
+                          <a:spcPct val="100000"/>
+                        </a:lnSpc>
+                        <a:spcBef>
+                          <a:spcPts val="0"/>
+                        </a:spcBef>
+                        <a:spcAft>
+                          <a:spcPts val="0"/>
+                        </a:spcAft>
+                      </a:pPr>
+                      <a:endParaRPr lang="en-US" sz="800" dirty="0">
+                        <a:solidFill>
+                          <a:srgbClr val="000000"/>
+                        </a:solidFill>
+                        <a:latin typeface="Calibri"/>
+                        <a:ea typeface="Calibri"/>
+                        <a:cs typeface="Times New Roman" panose="02020603050405020304"/>
+                      </a:endParaRPr>
+                    </a:p>
+                  </a:txBody>
+                  <a:tcPr marL="68580" marR="68580" marT="36000" marB="0" anchor="ctr">
+                    <a:lnL>
+                      <a:noFill/>
+                    </a:lnL>
+                    <a:lnR>
+                      <a:noFill/>
+                    </a:lnR>
+                    <a:lnT w="12700" cap="flat" cmpd="sng" algn="ctr">
+                      <a:solidFill>
+                        <a:schemeClr val="accent1">
+                          <a:lumMod val="20000"/>
+                          <a:lumOff val="80000"/>
+                        </a:schemeClr>
+                      </a:solidFill>
+                      <a:prstDash val="solid"/>
+                      <a:round/>
+                      <a:headEnd type="none" w="med" len="med"/>
+                      <a:tailEnd type="none" w="med" len="med"/>
+                    </a:lnT>
+                    <a:lnB w="12700" cap="flat" cmpd="sng" algn="ctr">
+                      <a:solidFill>
+                        <a:schemeClr val="accent1">
+                          <a:lumMod val="20000"/>
+                          <a:lumOff val="80000"/>
+                        </a:schemeClr>
+                      </a:solidFill>
+                      <a:prstDash val="solid"/>
+                      <a:round/>
+                      <a:headEnd type="none" w="med" len="med"/>
+                      <a:tailEnd type="none" w="med" len="med"/>
+                    </a:lnB>
+                    <a:noFill/>
+                  </a:tcPr>
+                </a:tc>
+                <a:tc>
+                  <a:txBody>
+                    <a:bodyPr/>
+                    <a:lstStyle/>
+                    <a:p>
+                      <a:pPr marL="0" marR="0" algn="ctr">
+                        <a:lnSpc>
+                          <a:spcPct val="100000"/>
+                        </a:lnSpc>
+                        <a:spcBef>
+                          <a:spcPts val="0"/>
+                        </a:spcBef>
+                        <a:spcAft>
+                          <a:spcPts val="0"/>
+                        </a:spcAft>
+                      </a:pPr>
+                      <a:endParaRPr lang="en-US" sz="800" dirty="0">
+                        <a:solidFill>
+                          <a:srgbClr val="000000"/>
+                        </a:solidFill>
+                        <a:latin typeface="Calibri"/>
+                        <a:ea typeface="Calibri"/>
+                        <a:cs typeface="Times New Roman" panose="02020603050405020304"/>
+                      </a:endParaRPr>
+                    </a:p>
+                  </a:txBody>
+                  <a:tcPr marL="68580" marR="68580" marT="36000" marB="0" anchor="ctr">
+                    <a:lnL>
+                      <a:noFill/>
+                    </a:lnL>
+                    <a:lnR>
+                      <a:noFill/>
+                    </a:lnR>
+                    <a:lnT w="12700" cap="flat" cmpd="sng" algn="ctr">
+                      <a:solidFill>
+                        <a:schemeClr val="accent1">
+                          <a:lumMod val="20000"/>
+                          <a:lumOff val="80000"/>
+                        </a:schemeClr>
+                      </a:solidFill>
+                      <a:prstDash val="solid"/>
+                      <a:round/>
+                      <a:headEnd type="none" w="med" len="med"/>
+                      <a:tailEnd type="none" w="med" len="med"/>
+                    </a:lnT>
+                    <a:lnB w="12700" cap="flat" cmpd="sng" algn="ctr">
+                      <a:solidFill>
+                        <a:schemeClr val="accent1">
+                          <a:lumMod val="20000"/>
+                          <a:lumOff val="80000"/>
+                        </a:schemeClr>
+                      </a:solidFill>
+                      <a:prstDash val="solid"/>
+                      <a:round/>
+                      <a:headEnd type="none" w="med" len="med"/>
+                      <a:tailEnd type="none" w="med" len="med"/>
+                    </a:lnB>
+                    <a:noFill/>
+                  </a:tcPr>
+                </a:tc>
+                <a:tc>
+                  <a:txBody>
+                    <a:bodyPr/>
+                    <a:lstStyle/>
+                    <a:p>
+                      <a:pPr marL="0" marR="0" algn="ctr">
+                        <a:lnSpc>
+                          <a:spcPct val="100000"/>
+                        </a:lnSpc>
+                        <a:spcBef>
+                          <a:spcPts val="0"/>
+                        </a:spcBef>
+                        <a:spcAft>
+                          <a:spcPts val="0"/>
+                        </a:spcAft>
+                      </a:pPr>
+                      <a:endParaRPr lang="en-US" sz="800" dirty="0">
+                        <a:solidFill>
+                          <a:srgbClr val="000000"/>
+                        </a:solidFill>
+                        <a:latin typeface="Calibri"/>
+                        <a:ea typeface="Calibri"/>
+                        <a:cs typeface="Times New Roman" panose="02020603050405020304"/>
+                      </a:endParaRPr>
+                    </a:p>
+                  </a:txBody>
+                  <a:tcPr marL="68580" marR="68580" marT="36000" marB="0" anchor="ctr">
+                    <a:lnL>
+                      <a:noFill/>
+                    </a:lnL>
+                    <a:lnR>
+                      <a:noFill/>
+                    </a:lnR>
+                    <a:lnT w="12700" cap="flat" cmpd="sng" algn="ctr">
+                      <a:solidFill>
+                        <a:schemeClr val="accent1">
+                          <a:lumMod val="20000"/>
+                          <a:lumOff val="80000"/>
+                        </a:schemeClr>
+                      </a:solidFill>
+                      <a:prstDash val="solid"/>
+                      <a:round/>
+                      <a:headEnd type="none" w="med" len="med"/>
+                      <a:tailEnd type="none" w="med" len="med"/>
+                    </a:lnT>
+                    <a:lnB w="12700" cap="flat" cmpd="sng" algn="ctr">
+                      <a:solidFill>
+                        <a:schemeClr val="accent1">
+                          <a:lumMod val="20000"/>
+                          <a:lumOff val="80000"/>
+                        </a:schemeClr>
+                      </a:solidFill>
+                      <a:prstDash val="solid"/>
+                      <a:round/>
+                      <a:headEnd type="none" w="med" len="med"/>
+                      <a:tailEnd type="none" w="med" len="med"/>
+                    </a:lnB>
+                    <a:noFill/>
+                  </a:tcPr>
+                </a:tc>
+                <a:tc>
+                  <a:txBody>
+                    <a:bodyPr/>
+                    <a:lstStyle/>
+                    <a:p>
+                      <a:pPr marL="0" marR="0" lvl="0" indent="0" algn="l" defTabSz="914400" rtl="0" eaLnBrk="1" fontAlgn="auto" latinLnBrk="0" hangingPunct="1">
+                        <a:lnSpc>
+                          <a:spcPct val="100000"/>
+                        </a:lnSpc>
+                        <a:spcBef>
+                          <a:spcPts val="0"/>
+                        </a:spcBef>
+                        <a:spcAft>
+                          <a:spcPts val="0"/>
+                        </a:spcAft>
+                        <a:buClrTx/>
+                        <a:buSzTx/>
+                        <a:buFontTx/>
+                        <a:buNone/>
+                        <a:defRPr/>
+                      </a:pPr>
+                      <a:endParaRPr lang="nb-NO" sz="800" i="1" kern="1200" dirty="0" smtClean="0">
+                        <a:solidFill>
+                          <a:schemeClr val="dk1"/>
+                        </a:solidFill>
+                        <a:effectLst/>
+                        <a:latin typeface="+mn-lt"/>
+                        <a:ea typeface="+mn-ea"/>
+                        <a:cs typeface="+mn-cs"/>
+                      </a:endParaRPr>
+                    </a:p>
+                  </a:txBody>
+                  <a:tcPr marL="68580" marR="68580" marT="36000" marB="0" anchor="ctr">
+                    <a:lnL>
+                      <a:noFill/>
+                    </a:lnL>
+                    <a:lnR>
+                      <a:noFill/>
+                    </a:lnR>
+                    <a:lnT w="12700" cap="flat" cmpd="sng" algn="ctr">
+                      <a:solidFill>
+                        <a:schemeClr val="accent1">
+                          <a:lumMod val="20000"/>
+                          <a:lumOff val="80000"/>
+                        </a:schemeClr>
+                      </a:solidFill>
+                      <a:prstDash val="solid"/>
+                      <a:round/>
+                      <a:headEnd type="none" w="med" len="med"/>
+                      <a:tailEnd type="none" w="med" len="med"/>
+                    </a:lnT>
+                    <a:lnB w="12700" cap="flat" cmpd="sng" algn="ctr">
+                      <a:solidFill>
+                        <a:schemeClr val="accent1">
+                          <a:lumMod val="20000"/>
+                          <a:lumOff val="80000"/>
+                        </a:schemeClr>
+                      </a:solidFill>
+                      <a:prstDash val="solid"/>
+                      <a:round/>
+                      <a:headEnd type="none" w="med" len="med"/>
+                      <a:tailEnd type="none" w="med" len="med"/>
+                    </a:lnB>
+                    <a:noFill/>
+                  </a:tcPr>
+                </a:tc>
+              </a:tr>
+              <a:tr h="219526">
+                <a:tc>
+                  <a:txBody>
+                    <a:bodyPr/>
+                    <a:lstStyle/>
+                    <a:p>
+                      <a:pPr marL="0" marR="0" lvl="0" indent="0" algn="l" defTabSz="914400" rtl="0" eaLnBrk="1" fontAlgn="auto" latinLnBrk="0" hangingPunct="1">
+                        <a:lnSpc>
+                          <a:spcPct val="100000"/>
+                        </a:lnSpc>
+                        <a:spcBef>
+                          <a:spcPts val="0"/>
+                        </a:spcBef>
+                        <a:spcAft>
+                          <a:spcPts val="0"/>
+                        </a:spcAft>
+                        <a:buClrTx/>
+                        <a:buSzTx/>
+                        <a:buFontTx/>
+                        <a:buNone/>
+                        <a:defRPr/>
+                      </a:pPr>
+                      <a:endParaRPr lang="en-US" sz="800" b="1" dirty="0" smtClean="0">
+                        <a:solidFill>
+                          <a:schemeClr val="tx1"/>
+                        </a:solidFill>
+                        <a:latin typeface="+mn-lt"/>
+                        <a:ea typeface="Calibri"/>
+                        <a:cs typeface="Times New Roman" panose="02020603050405020304"/>
+                      </a:endParaRPr>
+                    </a:p>
+                  </a:txBody>
+                  <a:tcPr marL="68580" marR="68580" marT="36000" marB="0" anchor="ctr">
+                    <a:lnL>
+                      <a:noFill/>
+                    </a:lnL>
+                    <a:lnR>
+                      <a:noFill/>
+                    </a:lnR>
+                    <a:lnT w="12700" cap="flat" cmpd="sng" algn="ctr">
+                      <a:solidFill>
+                        <a:schemeClr val="accent1">
+                          <a:lumMod val="20000"/>
+                          <a:lumOff val="80000"/>
+                        </a:schemeClr>
+                      </a:solidFill>
+                      <a:prstDash val="solid"/>
+                      <a:round/>
+                      <a:headEnd type="none" w="med" len="med"/>
+                      <a:tailEnd type="none" w="med" len="med"/>
+                    </a:lnT>
+                    <a:lnB w="12700" cap="flat" cmpd="sng" algn="ctr">
+                      <a:solidFill>
+                        <a:schemeClr val="accent1">
+                          <a:lumMod val="20000"/>
+                          <a:lumOff val="80000"/>
+                        </a:schemeClr>
+                      </a:solidFill>
+                      <a:prstDash val="solid"/>
+                      <a:round/>
+                      <a:headEnd type="none" w="med" len="med"/>
+                      <a:tailEnd type="none" w="med" len="med"/>
+                    </a:lnB>
+                    <a:noFill/>
+                  </a:tcPr>
+                </a:tc>
+                <a:tc>
+                  <a:txBody>
+                    <a:bodyPr/>
+                    <a:lstStyle/>
+                    <a:p>
+                      <a:pPr marL="0" marR="0" lvl="0" indent="0" algn="ctr" defTabSz="914400" rtl="0" eaLnBrk="1" fontAlgn="auto" latinLnBrk="0" hangingPunct="1">
+                        <a:lnSpc>
+                          <a:spcPct val="100000"/>
+                        </a:lnSpc>
+                        <a:spcBef>
+                          <a:spcPts val="0"/>
+                        </a:spcBef>
+                        <a:spcAft>
+                          <a:spcPts val="0"/>
+                        </a:spcAft>
+                        <a:buClrTx/>
+                        <a:buSzTx/>
+                        <a:buFontTx/>
+                        <a:buNone/>
+                        <a:defRPr/>
+                      </a:pPr>
+                      <a:endParaRPr lang="en-US" sz="800" dirty="0" smtClean="0">
+                        <a:solidFill>
+                          <a:srgbClr val="000000"/>
+                        </a:solidFill>
+                        <a:latin typeface="+mn-lt"/>
+                        <a:ea typeface="Calibri"/>
+                        <a:cs typeface="Times New Roman" panose="02020603050405020304"/>
+                      </a:endParaRPr>
+                    </a:p>
+                  </a:txBody>
+                  <a:tcPr marL="68580" marR="68580" marT="36000" marB="0" anchor="ctr">
+                    <a:lnL>
+                      <a:noFill/>
+                    </a:lnL>
+                    <a:lnR>
+                      <a:noFill/>
+                    </a:lnR>
+                    <a:lnT w="12700" cap="flat" cmpd="sng" algn="ctr">
+                      <a:solidFill>
+                        <a:schemeClr val="accent1">
+                          <a:lumMod val="20000"/>
+                          <a:lumOff val="80000"/>
+                        </a:schemeClr>
+                      </a:solidFill>
+                      <a:prstDash val="solid"/>
+                      <a:round/>
+                      <a:headEnd type="none" w="med" len="med"/>
+                      <a:tailEnd type="none" w="med" len="med"/>
+                    </a:lnT>
+                    <a:lnB w="12700" cap="flat" cmpd="sng" algn="ctr">
+                      <a:solidFill>
+                        <a:schemeClr val="accent1">
+                          <a:lumMod val="20000"/>
+                          <a:lumOff val="80000"/>
+                        </a:schemeClr>
+                      </a:solidFill>
+                      <a:prstDash val="solid"/>
+                      <a:round/>
+                      <a:headEnd type="none" w="med" len="med"/>
+                      <a:tailEnd type="none" w="med" len="med"/>
+                    </a:lnB>
+                    <a:noFill/>
+                  </a:tcPr>
+                </a:tc>
+                <a:tc>
+                  <a:txBody>
+                    <a:bodyPr/>
+                    <a:lstStyle/>
+                    <a:p>
+                      <a:pPr marL="0" marR="0" algn="ctr">
+                        <a:lnSpc>
+                          <a:spcPct val="100000"/>
+                        </a:lnSpc>
+                        <a:spcBef>
+                          <a:spcPts val="0"/>
+                        </a:spcBef>
+                        <a:spcAft>
+                          <a:spcPts val="0"/>
+                        </a:spcAft>
+                      </a:pPr>
+                      <a:endParaRPr lang="en-US" sz="800" dirty="0">
+                        <a:solidFill>
+                          <a:srgbClr val="000000"/>
+                        </a:solidFill>
+                        <a:latin typeface="Calibri"/>
+                        <a:ea typeface="Calibri"/>
+                        <a:cs typeface="Times New Roman" panose="02020603050405020304"/>
+                      </a:endParaRPr>
+                    </a:p>
+                  </a:txBody>
+                  <a:tcPr marL="68580" marR="68580" marT="36000" marB="0" anchor="ctr">
+                    <a:lnL>
+                      <a:noFill/>
+                    </a:lnL>
+                    <a:lnR>
+                      <a:noFill/>
+                    </a:lnR>
+                    <a:lnT w="12700" cap="flat" cmpd="sng" algn="ctr">
+                      <a:solidFill>
+                        <a:schemeClr val="accent1">
+                          <a:lumMod val="20000"/>
+                          <a:lumOff val="80000"/>
+                        </a:schemeClr>
+                      </a:solidFill>
+                      <a:prstDash val="solid"/>
+                      <a:round/>
+                      <a:headEnd type="none" w="med" len="med"/>
+                      <a:tailEnd type="none" w="med" len="med"/>
+                    </a:lnT>
+                    <a:lnB w="12700" cap="flat" cmpd="sng" algn="ctr">
+                      <a:solidFill>
+                        <a:schemeClr val="accent1">
+                          <a:lumMod val="20000"/>
+                          <a:lumOff val="80000"/>
+                        </a:schemeClr>
+                      </a:solidFill>
+                      <a:prstDash val="solid"/>
+                      <a:round/>
+                      <a:headEnd type="none" w="med" len="med"/>
+                      <a:tailEnd type="none" w="med" len="med"/>
+                    </a:lnB>
+                    <a:noFill/>
+                  </a:tcPr>
+                </a:tc>
+                <a:tc>
+                  <a:txBody>
+                    <a:bodyPr/>
+                    <a:lstStyle/>
+                    <a:p>
+                      <a:pPr marL="0" marR="0" algn="ctr">
+                        <a:lnSpc>
+                          <a:spcPct val="100000"/>
+                        </a:lnSpc>
+                        <a:spcBef>
+                          <a:spcPts val="0"/>
+                        </a:spcBef>
+                        <a:spcAft>
+                          <a:spcPts val="0"/>
+                        </a:spcAft>
+                      </a:pPr>
+                      <a:endParaRPr lang="en-US" sz="800" dirty="0">
+                        <a:solidFill>
+                          <a:srgbClr val="000000"/>
+                        </a:solidFill>
+                        <a:latin typeface="Calibri"/>
+                        <a:ea typeface="Calibri"/>
+                        <a:cs typeface="Times New Roman" panose="02020603050405020304"/>
+                      </a:endParaRPr>
+                    </a:p>
+                  </a:txBody>
+                  <a:tcPr marL="68580" marR="68580" marT="36000" marB="0" anchor="ctr">
+                    <a:lnL>
+                      <a:noFill/>
+                    </a:lnL>
+                    <a:lnR>
+                      <a:noFill/>
+                    </a:lnR>
+                    <a:lnT w="12700" cap="flat" cmpd="sng" algn="ctr">
+                      <a:solidFill>
+                        <a:schemeClr val="accent1">
+                          <a:lumMod val="20000"/>
+                          <a:lumOff val="80000"/>
+                        </a:schemeClr>
+                      </a:solidFill>
+                      <a:prstDash val="solid"/>
+                      <a:round/>
+                      <a:headEnd type="none" w="med" len="med"/>
+                      <a:tailEnd type="none" w="med" len="med"/>
+                    </a:lnT>
+                    <a:lnB w="12700" cap="flat" cmpd="sng" algn="ctr">
+                      <a:solidFill>
+                        <a:schemeClr val="accent1">
+                          <a:lumMod val="20000"/>
+                          <a:lumOff val="80000"/>
+                        </a:schemeClr>
+                      </a:solidFill>
+                      <a:prstDash val="solid"/>
+                      <a:round/>
+                      <a:headEnd type="none" w="med" len="med"/>
+                      <a:tailEnd type="none" w="med" len="med"/>
+                    </a:lnB>
+                    <a:noFill/>
+                  </a:tcPr>
+                </a:tc>
+                <a:tc>
+                  <a:txBody>
+                    <a:bodyPr/>
+                    <a:lstStyle/>
+                    <a:p>
+                      <a:pPr marL="0" marR="0" algn="ctr">
+                        <a:lnSpc>
+                          <a:spcPct val="100000"/>
+                        </a:lnSpc>
+                        <a:spcBef>
+                          <a:spcPts val="0"/>
+                        </a:spcBef>
+                        <a:spcAft>
+                          <a:spcPts val="0"/>
+                        </a:spcAft>
+                      </a:pPr>
+                      <a:endParaRPr lang="en-US" sz="800" dirty="0">
+                        <a:solidFill>
+                          <a:srgbClr val="000000"/>
+                        </a:solidFill>
+                        <a:latin typeface="Calibri"/>
+                        <a:ea typeface="Calibri"/>
+                        <a:cs typeface="Times New Roman" panose="02020603050405020304"/>
+                      </a:endParaRPr>
+                    </a:p>
+                  </a:txBody>
+                  <a:tcPr marL="68580" marR="68580" marT="36000" marB="0" anchor="ctr">
+                    <a:lnL>
+                      <a:noFill/>
+                    </a:lnL>
+                    <a:lnR>
+                      <a:noFill/>
+                    </a:lnR>
+                    <a:lnT w="12700" cap="flat" cmpd="sng" algn="ctr">
+                      <a:solidFill>
+                        <a:schemeClr val="accent1">
+                          <a:lumMod val="20000"/>
+                          <a:lumOff val="80000"/>
+                        </a:schemeClr>
+                      </a:solidFill>
+                      <a:prstDash val="solid"/>
+                      <a:round/>
+                      <a:headEnd type="none" w="med" len="med"/>
+                      <a:tailEnd type="none" w="med" len="med"/>
+                    </a:lnT>
+                    <a:lnB w="12700" cap="flat" cmpd="sng" algn="ctr">
+                      <a:solidFill>
+                        <a:schemeClr val="accent1">
+                          <a:lumMod val="20000"/>
+                          <a:lumOff val="80000"/>
+                        </a:schemeClr>
+                      </a:solidFill>
+                      <a:prstDash val="solid"/>
+                      <a:round/>
+                      <a:headEnd type="none" w="med" len="med"/>
+                      <a:tailEnd type="none" w="med" len="med"/>
+                    </a:lnB>
+                    <a:noFill/>
+                  </a:tcPr>
+                </a:tc>
+                <a:tc>
+                  <a:txBody>
+                    <a:bodyPr/>
+                    <a:lstStyle/>
+                    <a:p>
+                      <a:pPr marL="0" marR="0" lvl="0" indent="0" algn="l" defTabSz="914400" rtl="0" eaLnBrk="1" fontAlgn="auto" latinLnBrk="0" hangingPunct="1">
+                        <a:lnSpc>
+                          <a:spcPct val="100000"/>
+                        </a:lnSpc>
+                        <a:spcBef>
+                          <a:spcPts val="0"/>
+                        </a:spcBef>
+                        <a:spcAft>
+                          <a:spcPts val="0"/>
+                        </a:spcAft>
+                        <a:buClrTx/>
+                        <a:buSzTx/>
+                        <a:buFontTx/>
+                        <a:buNone/>
+                        <a:defRPr/>
+                      </a:pPr>
+                      <a:endParaRPr lang="nb-NO" sz="800" i="1" kern="1200" dirty="0" smtClean="0">
+                        <a:solidFill>
+                          <a:schemeClr val="dk1"/>
+                        </a:solidFill>
+                        <a:effectLst/>
+                        <a:latin typeface="+mn-lt"/>
+                        <a:ea typeface="+mn-ea"/>
+                        <a:cs typeface="+mn-cs"/>
+                      </a:endParaRPr>
+                    </a:p>
+                  </a:txBody>
+                  <a:tcPr marL="68580" marR="68580" marT="36000" marB="0" anchor="ctr">
+                    <a:lnL>
+                      <a:noFill/>
+                    </a:lnL>
+                    <a:lnR>
+                      <a:noFill/>
+                    </a:lnR>
+                    <a:lnT w="12700" cap="flat" cmpd="sng" algn="ctr">
+                      <a:solidFill>
+                        <a:schemeClr val="accent1">
+                          <a:lumMod val="20000"/>
+                          <a:lumOff val="80000"/>
+                        </a:schemeClr>
+                      </a:solidFill>
+                      <a:prstDash val="solid"/>
+                      <a:round/>
+                      <a:headEnd type="none" w="med" len="med"/>
+                      <a:tailEnd type="none" w="med" len="med"/>
+                    </a:lnT>
+                    <a:lnB w="12700" cap="flat" cmpd="sng" algn="ctr">
+                      <a:solidFill>
+                        <a:schemeClr val="accent1">
+                          <a:lumMod val="20000"/>
+                          <a:lumOff val="80000"/>
+                        </a:schemeClr>
+                      </a:solidFill>
+                      <a:prstDash val="solid"/>
+                      <a:round/>
+                      <a:headEnd type="none" w="med" len="med"/>
+                      <a:tailEnd type="none" w="med" len="med"/>
+                    </a:lnB>
+                    <a:noFill/>
+                  </a:tcPr>
+                </a:tc>
+              </a:tr>
+            </a:tbl>
+          </a:graphicData>
+        </a:graphic>
+      </p:graphicFrame>
+      <p:sp>
+        <p:nvSpPr>
+          <p:cNvPr id="47" name="Rectangle 63"/>
+          <p:cNvSpPr/>
+          <p:nvPr/>
+        </p:nvSpPr>
+        <p:spPr>
+          <a:xfrm>
+            <a:off x="1677954" y="3741357"/>
+            <a:ext cx="4397439" cy="261610"/>
+          </a:xfrm>
+          <a:prstGeom prst="rect">
+            <a:avLst/>
+          </a:prstGeom>
+        </p:spPr>
+        <p:txBody>
+          <a:bodyPr wrap="square">
+            <a:spAutoFit/>
+          </a:bodyPr>
+          <a:lstStyle/>
+          <a:p>
+            <a:r>
+              <a:rPr lang="en-US" sz="1100" b="1" dirty="0"/>
+              <a:t>Variants of </a:t>
+            </a:r>
+            <a:r>
+              <a:rPr lang="en-US" sz="1100" b="1" dirty="0" smtClean="0"/>
+              <a:t>potential relevance</a:t>
+            </a:r>
+            <a:endParaRPr lang="en-US" sz="1100" b="1" dirty="0"/>
+          </a:p>
+        </p:txBody>
+      </p:sp>
     </p:spTree>
   </p:cSld>
   <p:clrMapOvr>

--- a/In/Template/InPreD_MTB_template.pptx
+++ b/In/Template/InPreD_MTB_template.pptx
@@ -3219,7 +3219,7 @@
         <a:spcBef>
           <a:spcPct val="20000"/>
         </a:spcBef>
-        <a:buFont typeface="Arial" panose="020B0604020202090204" pitchFamily="34" charset="0"/>
+        <a:buFont typeface="Arial" panose="020B0604020202020204" pitchFamily="34" charset="0"/>
         <a:buChar char="•"/>
         <a:defRPr sz="3200" kern="1200">
           <a:solidFill>
@@ -3234,7 +3234,7 @@
         <a:spcBef>
           <a:spcPct val="20000"/>
         </a:spcBef>
-        <a:buFont typeface="Arial" panose="020B0604020202090204" pitchFamily="34" charset="0"/>
+        <a:buFont typeface="Arial" panose="020B0604020202020204" pitchFamily="34" charset="0"/>
         <a:buChar char="–"/>
         <a:defRPr sz="2800" kern="1200">
           <a:solidFill>
@@ -3249,7 +3249,7 @@
         <a:spcBef>
           <a:spcPct val="20000"/>
         </a:spcBef>
-        <a:buFont typeface="Arial" panose="020B0604020202090204" pitchFamily="34" charset="0"/>
+        <a:buFont typeface="Arial" panose="020B0604020202020204" pitchFamily="34" charset="0"/>
         <a:buChar char="•"/>
         <a:defRPr sz="2400" kern="1200">
           <a:solidFill>
@@ -3264,7 +3264,7 @@
         <a:spcBef>
           <a:spcPct val="20000"/>
         </a:spcBef>
-        <a:buFont typeface="Arial" panose="020B0604020202090204" pitchFamily="34" charset="0"/>
+        <a:buFont typeface="Arial" panose="020B0604020202020204" pitchFamily="34" charset="0"/>
         <a:buChar char="–"/>
         <a:defRPr sz="2000" kern="1200">
           <a:solidFill>
@@ -3279,7 +3279,7 @@
         <a:spcBef>
           <a:spcPct val="20000"/>
         </a:spcBef>
-        <a:buFont typeface="Arial" panose="020B0604020202090204" pitchFamily="34" charset="0"/>
+        <a:buFont typeface="Arial" panose="020B0604020202020204" pitchFamily="34" charset="0"/>
         <a:buChar char="»"/>
         <a:defRPr sz="2000" kern="1200">
           <a:solidFill>
@@ -3294,7 +3294,7 @@
         <a:spcBef>
           <a:spcPct val="20000"/>
         </a:spcBef>
-        <a:buFont typeface="Arial" panose="020B0604020202090204" pitchFamily="34" charset="0"/>
+        <a:buFont typeface="Arial" panose="020B0604020202020204" pitchFamily="34" charset="0"/>
         <a:buChar char="•"/>
         <a:defRPr sz="2000" kern="1200">
           <a:solidFill>
@@ -3309,7 +3309,7 @@
         <a:spcBef>
           <a:spcPct val="20000"/>
         </a:spcBef>
-        <a:buFont typeface="Arial" panose="020B0604020202090204" pitchFamily="34" charset="0"/>
+        <a:buFont typeface="Arial" panose="020B0604020202020204" pitchFamily="34" charset="0"/>
         <a:buChar char="•"/>
         <a:defRPr sz="2000" kern="1200">
           <a:solidFill>
@@ -3324,7 +3324,7 @@
         <a:spcBef>
           <a:spcPct val="20000"/>
         </a:spcBef>
-        <a:buFont typeface="Arial" panose="020B0604020202090204" pitchFamily="34" charset="0"/>
+        <a:buFont typeface="Arial" panose="020B0604020202020204" pitchFamily="34" charset="0"/>
         <a:buChar char="•"/>
         <a:defRPr sz="2000" kern="1200">
           <a:solidFill>
@@ -3339,7 +3339,7 @@
         <a:spcBef>
           <a:spcPct val="20000"/>
         </a:spcBef>
-        <a:buFont typeface="Arial" panose="020B0604020202090204" pitchFamily="34" charset="0"/>
+        <a:buFont typeface="Arial" panose="020B0604020202020204" pitchFamily="34" charset="0"/>
         <a:buChar char="•"/>
         <a:defRPr sz="2000" kern="1200">
           <a:solidFill>
@@ -4913,7 +4913,7 @@
               <a:t>MTB</a:t>
             </a:r>
             <a:endParaRPr lang="en-US" sz="1600" b="0" strike="noStrike" spc="-1">
-              <a:latin typeface="Arial" panose="020B0604020202090204"/>
+              <a:latin typeface="Arial" panose="020B0604020202020204"/>
             </a:endParaRPr>
           </a:p>
           <a:p>
@@ -4932,7 +4932,7 @@
               <a:t>Report </a:t>
             </a:r>
             <a:endParaRPr lang="en-US" sz="1000" b="0" strike="noStrike" spc="-1">
-              <a:latin typeface="Arial" panose="020B0604020202090204"/>
+              <a:latin typeface="Arial" panose="020B0604020202020204"/>
             </a:endParaRPr>
           </a:p>
         </p:txBody>
@@ -4998,7 +4998,7 @@
               <a:t> </a:t>
             </a:r>
             <a:endParaRPr lang="en-US" sz="1400" b="0" strike="noStrike" spc="-1">
-              <a:latin typeface="Arial" panose="020B0604020202090204"/>
+              <a:latin typeface="Arial" panose="020B0604020202020204"/>
             </a:endParaRPr>
           </a:p>
         </p:txBody>
@@ -5055,7 +5055,7 @@
               <a:t>MDT</a:t>
             </a:r>
             <a:endParaRPr lang="en-US" sz="1600" b="0" strike="noStrike" spc="-1" dirty="0">
-              <a:latin typeface="Arial" panose="020B0604020202090204"/>
+              <a:latin typeface="Arial" panose="020B0604020202020204"/>
             </a:endParaRPr>
           </a:p>
           <a:p>
@@ -5074,7 +5074,7 @@
               <a:t>Report </a:t>
             </a:r>
             <a:endParaRPr lang="en-US" sz="1000" b="0" strike="noStrike" spc="-1" dirty="0">
-              <a:latin typeface="Arial" panose="020B0604020202090204"/>
+              <a:latin typeface="Arial" panose="020B0604020202020204"/>
             </a:endParaRPr>
           </a:p>
         </p:txBody>
@@ -5140,7 +5140,7 @@
               <a:t> </a:t>
             </a:r>
             <a:endParaRPr lang="en-US" sz="1000" b="0" strike="noStrike" spc="-1" dirty="0">
-              <a:latin typeface="Arial" panose="020B0604020202090204"/>
+              <a:latin typeface="Arial" panose="020B0604020202020204"/>
             </a:endParaRPr>
           </a:p>
           <a:p>
@@ -5159,7 +5159,7 @@
               <a:t>XXX</a:t>
             </a:r>
             <a:endParaRPr lang="en-US" sz="1200" b="0" strike="noStrike" spc="-1" dirty="0">
-              <a:latin typeface="Arial" panose="020B0604020202090204"/>
+              <a:latin typeface="Arial" panose="020B0604020202020204"/>
             </a:endParaRPr>
           </a:p>
           <a:p>
@@ -5178,7 +5178,7 @@
               <a:t>2022</a:t>
             </a:r>
             <a:endParaRPr lang="en-US" sz="800" b="0" strike="noStrike" spc="-1" dirty="0">
-              <a:latin typeface="Arial" panose="020B0604020202090204"/>
+              <a:latin typeface="Arial" panose="020B0604020202020204"/>
             </a:endParaRPr>
           </a:p>
         </p:txBody>
@@ -5892,7 +5892,7 @@
               <a:t> </a:t>
             </a:r>
             <a:endParaRPr lang="en-US" sz="1400" b="0" strike="noStrike" spc="-1" dirty="0">
-              <a:latin typeface="Arial" panose="020B0604020202090204"/>
+              <a:latin typeface="Arial" panose="020B0604020202020204"/>
             </a:endParaRPr>
           </a:p>
         </p:txBody>
@@ -5958,7 +5958,7 @@
               <a:t> </a:t>
             </a:r>
             <a:endParaRPr lang="en-US" sz="1400" b="0" strike="noStrike" spc="-1" dirty="0">
-              <a:latin typeface="Arial" panose="020B0604020202090204"/>
+              <a:latin typeface="Arial" panose="020B0604020202020204"/>
             </a:endParaRPr>
           </a:p>
         </p:txBody>
@@ -6024,7 +6024,7 @@
               <a:t> </a:t>
             </a:r>
             <a:endParaRPr lang="en-US" sz="1400" b="0" strike="noStrike" spc="-1">
-              <a:latin typeface="Arial" panose="020B0604020202090204"/>
+              <a:latin typeface="Arial" panose="020B0604020202020204"/>
             </a:endParaRPr>
           </a:p>
         </p:txBody>
@@ -6072,7 +6072,7 @@
         <p:spPr>
           <a:xfrm>
             <a:off x="1218" y="-5264"/>
-            <a:ext cx="503640" cy="675654"/>
+            <a:ext cx="503640" cy="673100"/>
           </a:xfrm>
           <a:prstGeom prst="rect">
             <a:avLst/>
@@ -6115,7 +6115,7 @@
               <a:t>xx</a:t>
             </a:r>
             <a:endParaRPr lang="en-US" sz="1800" b="0" strike="noStrike" spc="-1" dirty="0">
-              <a:latin typeface="Arial" panose="020B0604020202090204"/>
+              <a:latin typeface="Arial" panose="020B0604020202020204"/>
             </a:endParaRPr>
           </a:p>
           <a:p>
@@ -6134,7 +6134,7 @@
               <a:t>XXX</a:t>
             </a:r>
             <a:endParaRPr lang="en-US" sz="1200" b="0" strike="noStrike" spc="-1" dirty="0">
-              <a:latin typeface="Arial" panose="020B0604020202090204"/>
+              <a:latin typeface="Arial" panose="020B0604020202020204"/>
             </a:endParaRPr>
           </a:p>
           <a:p>
@@ -6150,10 +6150,22 @@
                 </a:solidFill>
                 <a:latin typeface="Calibri"/>
               </a:rPr>
-              <a:t>2023</a:t>
-            </a:r>
-            <a:endParaRPr lang="en-US" sz="800" b="0" strike="noStrike" spc="-1" dirty="0">
-              <a:latin typeface="Arial" panose="020B0604020202090204"/>
+              <a:t>202</a:t>
+            </a:r>
+            <a:r>
+              <a:rPr lang="nb-NO" altLang="en-US" sz="800" b="0" strike="noStrike" spc="-1" dirty="0" smtClean="0">
+                <a:solidFill>
+                  <a:srgbClr val="FFFFFF"/>
+                </a:solidFill>
+                <a:latin typeface="Calibri"/>
+              </a:rPr>
+              <a:t>4</a:t>
+            </a:r>
+            <a:endParaRPr lang="nb-NO" altLang="en-US" sz="800" b="0" strike="noStrike" spc="-1" dirty="0" smtClean="0">
+              <a:solidFill>
+                <a:srgbClr val="FFFFFF"/>
+              </a:solidFill>
+              <a:latin typeface="Calibri"/>
             </a:endParaRPr>
           </a:p>
         </p:txBody>
@@ -6210,7 +6222,7 @@
               <a:t>MDT</a:t>
             </a:r>
             <a:endParaRPr lang="en-US" sz="1400" b="0" strike="noStrike" spc="-1" dirty="0">
-              <a:latin typeface="Arial" panose="020B0604020202090204"/>
+              <a:latin typeface="Arial" panose="020B0604020202020204"/>
             </a:endParaRPr>
           </a:p>
         </p:txBody>
@@ -6356,7 +6368,7 @@
               <a:t>Patient</a:t>
             </a:r>
             <a:endParaRPr lang="en-US" sz="1000" b="0" strike="noStrike" spc="-1">
-              <a:latin typeface="Arial" panose="020B0604020202090204"/>
+              <a:latin typeface="Arial" panose="020B0604020202020204"/>
             </a:endParaRPr>
           </a:p>
         </p:txBody>
@@ -6700,7 +6712,7 @@
               <a:t>Y of D: </a:t>
             </a:r>
             <a:endParaRPr lang="en-US" sz="800" b="0" strike="noStrike" spc="-1">
-              <a:latin typeface="Arial" panose="020B0604020202090204"/>
+              <a:latin typeface="Arial" panose="020B0604020202020204"/>
             </a:endParaRPr>
           </a:p>
         </p:txBody>
@@ -6806,7 +6818,7 @@
               <a:t>Bio-material</a:t>
             </a:r>
             <a:endParaRPr lang="en-US" sz="1000" b="0" strike="noStrike" spc="-1">
-              <a:latin typeface="Arial" panose="020B0604020202090204"/>
+              <a:latin typeface="Arial" panose="020B0604020202020204"/>
             </a:endParaRPr>
           </a:p>
         </p:txBody>
@@ -6912,7 +6924,7 @@
               <a:t>Tumor content</a:t>
             </a:r>
             <a:endParaRPr lang="en-US" sz="1000" b="0" strike="noStrike" spc="-1" dirty="0">
-              <a:latin typeface="Arial" panose="020B0604020202090204"/>
+              <a:latin typeface="Arial" panose="020B0604020202020204"/>
             </a:endParaRPr>
           </a:p>
         </p:txBody>
@@ -7018,7 +7030,7 @@
               <a:solidFill>
                 <a:schemeClr val="bg1"/>
               </a:solidFill>
-              <a:latin typeface="Arial" panose="020B0604020202090204"/>
+              <a:latin typeface="Arial" panose="020B0604020202020204"/>
             </a:endParaRPr>
           </a:p>
           <a:p>
@@ -7040,7 +7052,7 @@
               <a:solidFill>
                 <a:schemeClr val="bg1"/>
               </a:solidFill>
-              <a:latin typeface="Arial" panose="020B0604020202090204"/>
+              <a:latin typeface="Arial" panose="020B0604020202020204"/>
             </a:endParaRPr>
           </a:p>
         </p:txBody>
@@ -7384,7 +7396,7 @@
               <a:t>MTB</a:t>
             </a:r>
             <a:endParaRPr lang="en-US" sz="1600" b="0" strike="noStrike" spc="-1">
-              <a:latin typeface="Arial" panose="020B0604020202090204"/>
+              <a:latin typeface="Arial" panose="020B0604020202020204"/>
             </a:endParaRPr>
           </a:p>
           <a:p>
@@ -7403,7 +7415,7 @@
               <a:t>Report </a:t>
             </a:r>
             <a:endParaRPr lang="en-US" sz="1000" b="0" strike="noStrike" spc="-1">
-              <a:latin typeface="Arial" panose="020B0604020202090204"/>
+              <a:latin typeface="Arial" panose="020B0604020202020204"/>
             </a:endParaRPr>
           </a:p>
         </p:txBody>
@@ -7460,7 +7472,7 @@
               <a:t>MDT</a:t>
             </a:r>
             <a:endParaRPr lang="en-US" sz="1600" b="0" strike="noStrike" spc="-1" dirty="0">
-              <a:latin typeface="Arial" panose="020B0604020202090204"/>
+              <a:latin typeface="Arial" panose="020B0604020202020204"/>
             </a:endParaRPr>
           </a:p>
           <a:p>
@@ -7479,7 +7491,7 @@
               <a:t>Report </a:t>
             </a:r>
             <a:endParaRPr lang="en-US" sz="1000" b="0" strike="noStrike" spc="-1" dirty="0">
-              <a:latin typeface="Arial" panose="020B0604020202090204"/>
+              <a:latin typeface="Arial" panose="020B0604020202020204"/>
             </a:endParaRPr>
           </a:p>
         </p:txBody>
@@ -7536,7 +7548,7 @@
               <a:t>CLINICAL CASE:</a:t>
             </a:r>
             <a:endParaRPr lang="en-US" sz="1100" b="0" strike="noStrike" spc="-1" dirty="0">
-              <a:latin typeface="Arial" panose="020B0604020202090204"/>
+              <a:latin typeface="Arial" panose="020B0604020202020204"/>
             </a:endParaRPr>
           </a:p>
           <a:p>
@@ -7546,7 +7558,7 @@
               </a:lnSpc>
             </a:pPr>
             <a:endParaRPr lang="en-US" sz="1100" b="0" strike="noStrike" spc="-1" dirty="0">
-              <a:latin typeface="Arial" panose="020B0604020202090204"/>
+              <a:latin typeface="Arial" panose="020B0604020202020204"/>
             </a:endParaRPr>
           </a:p>
           <a:p>
@@ -7556,7 +7568,7 @@
               </a:lnSpc>
             </a:pPr>
             <a:endParaRPr lang="en-US" sz="1100" b="0" strike="noStrike" spc="-1" dirty="0">
-              <a:latin typeface="Arial" panose="020B0604020202090204"/>
+              <a:latin typeface="Arial" panose="020B0604020202020204"/>
             </a:endParaRPr>
           </a:p>
           <a:p>
@@ -7575,7 +7587,7 @@
               <a:t> </a:t>
             </a:r>
             <a:endParaRPr lang="en-US" sz="1100" b="0" strike="noStrike" spc="-1" dirty="0">
-              <a:latin typeface="Arial" panose="020B0604020202090204"/>
+              <a:latin typeface="Arial" panose="020B0604020202020204"/>
             </a:endParaRPr>
           </a:p>
         </p:txBody>
@@ -7623,7 +7635,7 @@
               </a:lnSpc>
             </a:pPr>
             <a:endParaRPr lang="en-US" sz="1800" b="0" strike="noStrike" spc="-1" dirty="0">
-              <a:latin typeface="Arial" panose="020B0604020202090204"/>
+              <a:latin typeface="Arial" panose="020B0604020202020204"/>
             </a:endParaRPr>
           </a:p>
           <a:p>
@@ -7784,7 +7796,7 @@
               <a:t> </a:t>
             </a:r>
             <a:endParaRPr lang="en-US" sz="1400" b="0" strike="noStrike" spc="-1" dirty="0">
-              <a:latin typeface="Arial" panose="020B0604020202090204"/>
+              <a:latin typeface="Arial" panose="020B0604020202020204"/>
             </a:endParaRPr>
           </a:p>
         </p:txBody>
@@ -7850,7 +7862,7 @@
               <a:t> </a:t>
             </a:r>
             <a:endParaRPr lang="en-US" sz="1400" b="0" strike="noStrike" spc="-1" dirty="0">
-              <a:latin typeface="Arial" panose="020B0604020202090204"/>
+              <a:latin typeface="Arial" panose="020B0604020202020204"/>
             </a:endParaRPr>
           </a:p>
         </p:txBody>
@@ -7916,7 +7928,7 @@
               <a:t> </a:t>
             </a:r>
             <a:endParaRPr lang="en-US" sz="1400" b="0" strike="noStrike" spc="-1">
-              <a:latin typeface="Arial" panose="020B0604020202090204"/>
+              <a:latin typeface="Arial" panose="020B0604020202020204"/>
             </a:endParaRPr>
           </a:p>
         </p:txBody>
@@ -8081,7 +8093,7 @@
         <p:spPr>
           <a:xfrm>
             <a:off x="1218" y="-5264"/>
-            <a:ext cx="503640" cy="675654"/>
+            <a:ext cx="503640" cy="673100"/>
           </a:xfrm>
           <a:prstGeom prst="rect">
             <a:avLst/>
@@ -8124,7 +8136,7 @@
               <a:t>xx</a:t>
             </a:r>
             <a:endParaRPr lang="en-US" sz="1800" b="0" strike="noStrike" spc="-1" dirty="0">
-              <a:latin typeface="Arial" panose="020B0604020202090204"/>
+              <a:latin typeface="Arial" panose="020B0604020202020204"/>
             </a:endParaRPr>
           </a:p>
           <a:p>
@@ -8143,7 +8155,7 @@
               <a:t>XXX</a:t>
             </a:r>
             <a:endParaRPr lang="en-US" sz="1200" b="0" strike="noStrike" spc="-1" dirty="0">
-              <a:latin typeface="Arial" panose="020B0604020202090204"/>
+              <a:latin typeface="Arial" panose="020B0604020202020204"/>
             </a:endParaRPr>
           </a:p>
           <a:p>
@@ -8159,10 +8171,22 @@
                 </a:solidFill>
                 <a:latin typeface="Calibri"/>
               </a:rPr>
-              <a:t>2023</a:t>
-            </a:r>
-            <a:endParaRPr lang="en-US" sz="800" b="0" strike="noStrike" spc="-1" dirty="0">
-              <a:latin typeface="Arial" panose="020B0604020202090204"/>
+              <a:t>202</a:t>
+            </a:r>
+            <a:r>
+              <a:rPr lang="nb-NO" altLang="en-US" sz="800" b="0" strike="noStrike" spc="-1" dirty="0" smtClean="0">
+                <a:solidFill>
+                  <a:srgbClr val="FFFFFF"/>
+                </a:solidFill>
+                <a:latin typeface="Calibri"/>
+              </a:rPr>
+              <a:t>4</a:t>
+            </a:r>
+            <a:endParaRPr lang="nb-NO" altLang="en-US" sz="800" b="0" strike="noStrike" spc="-1" dirty="0" smtClean="0">
+              <a:solidFill>
+                <a:srgbClr val="FFFFFF"/>
+              </a:solidFill>
+              <a:latin typeface="Calibri"/>
             </a:endParaRPr>
           </a:p>
         </p:txBody>
@@ -8219,7 +8243,7 @@
               <a:t>MDT</a:t>
             </a:r>
             <a:endParaRPr lang="en-US" sz="1400" b="0" strike="noStrike" spc="-1" dirty="0">
-              <a:latin typeface="Arial" panose="020B0604020202090204"/>
+              <a:latin typeface="Arial" panose="020B0604020202020204"/>
             </a:endParaRPr>
           </a:p>
         </p:txBody>
@@ -8343,7 +8367,7 @@
               <a:t>site</a:t>
             </a:r>
             <a:endParaRPr lang="en-US" sz="700" b="0" strike="noStrike" spc="-1" dirty="0">
-              <a:latin typeface="Arial" panose="020B0604020202090204"/>
+              <a:latin typeface="Arial" panose="020B0604020202020204"/>
             </a:endParaRPr>
           </a:p>
         </p:txBody>
@@ -8635,7 +8659,7 @@
               <a:t>Patient</a:t>
             </a:r>
             <a:endParaRPr lang="en-US" sz="1000" b="0" strike="noStrike" spc="-1">
-              <a:latin typeface="Arial" panose="020B0604020202090204"/>
+              <a:latin typeface="Arial" panose="020B0604020202020204"/>
             </a:endParaRPr>
           </a:p>
         </p:txBody>
@@ -8833,7 +8857,7 @@
               <a:t>Y of D: </a:t>
             </a:r>
             <a:endParaRPr lang="en-US" sz="800" b="0" strike="noStrike" spc="-1">
-              <a:latin typeface="Arial" panose="020B0604020202090204"/>
+              <a:latin typeface="Arial" panose="020B0604020202020204"/>
             </a:endParaRPr>
           </a:p>
         </p:txBody>
@@ -8939,7 +8963,7 @@
               <a:t>Bio-material</a:t>
             </a:r>
             <a:endParaRPr lang="en-US" sz="1000" b="0" strike="noStrike" spc="-1">
-              <a:latin typeface="Arial" panose="020B0604020202090204"/>
+              <a:latin typeface="Arial" panose="020B0604020202020204"/>
             </a:endParaRPr>
           </a:p>
         </p:txBody>
@@ -9045,7 +9069,7 @@
               <a:t>Tumor content</a:t>
             </a:r>
             <a:endParaRPr lang="en-US" sz="1000" b="0" strike="noStrike" spc="-1" dirty="0">
-              <a:latin typeface="Arial" panose="020B0604020202090204"/>
+              <a:latin typeface="Arial" panose="020B0604020202020204"/>
             </a:endParaRPr>
           </a:p>
         </p:txBody>
@@ -9105,7 +9129,7 @@
               <a:solidFill>
                 <a:schemeClr val="bg1"/>
               </a:solidFill>
-              <a:latin typeface="Arial" panose="020B0604020202090204"/>
+              <a:latin typeface="Arial" panose="020B0604020202020204"/>
             </a:endParaRPr>
           </a:p>
           <a:p>
@@ -9127,7 +9151,7 @@
               <a:solidFill>
                 <a:schemeClr val="bg1"/>
               </a:solidFill>
-              <a:latin typeface="Arial" panose="020B0604020202090204"/>
+              <a:latin typeface="Arial" panose="020B0604020202020204"/>
             </a:endParaRPr>
           </a:p>
         </p:txBody>
@@ -9409,7 +9433,7 @@
               <a:t>MTB</a:t>
             </a:r>
             <a:endParaRPr lang="en-US" sz="1600" b="0" strike="noStrike" spc="-1">
-              <a:latin typeface="Arial" panose="020B0604020202090204"/>
+              <a:latin typeface="Arial" panose="020B0604020202020204"/>
             </a:endParaRPr>
           </a:p>
           <a:p>
@@ -9428,7 +9452,7 @@
               <a:t>Report </a:t>
             </a:r>
             <a:endParaRPr lang="en-US" sz="1000" b="0" strike="noStrike" spc="-1">
-              <a:latin typeface="Arial" panose="020B0604020202090204"/>
+              <a:latin typeface="Arial" panose="020B0604020202020204"/>
             </a:endParaRPr>
           </a:p>
         </p:txBody>
@@ -9485,7 +9509,7 @@
               <a:t>MDT</a:t>
             </a:r>
             <a:endParaRPr lang="en-US" sz="1600" b="0" strike="noStrike" spc="-1" dirty="0">
-              <a:latin typeface="Arial" panose="020B0604020202090204"/>
+              <a:latin typeface="Arial" panose="020B0604020202020204"/>
             </a:endParaRPr>
           </a:p>
           <a:p>
@@ -9504,7 +9528,7 @@
               <a:t>Report </a:t>
             </a:r>
             <a:endParaRPr lang="en-US" sz="1000" b="0" strike="noStrike" spc="-1" dirty="0">
-              <a:latin typeface="Arial" panose="020B0604020202090204"/>
+              <a:latin typeface="Arial" panose="020B0604020202020204"/>
             </a:endParaRPr>
           </a:p>
         </p:txBody>
@@ -9613,7 +9637,7 @@
               <a:t> </a:t>
             </a:r>
             <a:endParaRPr lang="en-US" sz="1400" b="0" strike="noStrike" spc="-1">
-              <a:latin typeface="Arial" panose="020B0604020202090204"/>
+              <a:latin typeface="Arial" panose="020B0604020202020204"/>
             </a:endParaRPr>
           </a:p>
         </p:txBody>
@@ -9670,7 +9694,7 @@
               <a:t>Genomics Core Facility, OUS</a:t>
             </a:r>
             <a:endParaRPr lang="en-US" sz="1000" b="0" strike="noStrike" spc="-1" dirty="0">
-              <a:latin typeface="Arial" panose="020B0604020202090204"/>
+              <a:latin typeface="Arial" panose="020B0604020202020204"/>
             </a:endParaRPr>
           </a:p>
         </p:txBody>
@@ -9741,7 +9765,7 @@
               <a:t> </a:t>
             </a:r>
             <a:endParaRPr lang="en-US" sz="1400" b="0" strike="noStrike" spc="-1">
-              <a:latin typeface="Arial" panose="020B0604020202090204"/>
+              <a:latin typeface="Arial" panose="020B0604020202020204"/>
             </a:endParaRPr>
           </a:p>
         </p:txBody>
@@ -9837,7 +9861,7 @@
               <a:t> </a:t>
             </a:r>
             <a:endParaRPr lang="en-US" sz="1400" b="0" strike="noStrike" spc="-1">
-              <a:latin typeface="Arial" panose="020B0604020202090204"/>
+              <a:latin typeface="Arial" panose="020B0604020202020204"/>
             </a:endParaRPr>
           </a:p>
         </p:txBody>
@@ -9885,7 +9909,7 @@
               </a:lnSpc>
             </a:pPr>
             <a:endParaRPr lang="en-US" sz="800" b="0" strike="noStrike" spc="-1" dirty="0" smtClean="0">
-              <a:latin typeface="Arial" panose="020B0604020202090204"/>
+              <a:latin typeface="Arial" panose="020B0604020202020204"/>
             </a:endParaRPr>
           </a:p>
           <a:p>
@@ -9895,7 +9919,7 @@
               </a:lnSpc>
             </a:pPr>
             <a:endParaRPr lang="en-US" sz="800" spc="-1" dirty="0">
-              <a:latin typeface="Arial" panose="020B0604020202090204"/>
+              <a:latin typeface="Arial" panose="020B0604020202020204"/>
             </a:endParaRPr>
           </a:p>
           <a:p>
@@ -9905,7 +9929,7 @@
               </a:lnSpc>
             </a:pPr>
             <a:endParaRPr lang="en-US" sz="800" b="0" strike="noStrike" spc="-1" dirty="0">
-              <a:latin typeface="Arial" panose="020B0604020202090204"/>
+              <a:latin typeface="Arial" panose="020B0604020202020204"/>
             </a:endParaRPr>
           </a:p>
         </p:txBody>
@@ -10011,7 +10035,7 @@
               <a:t> </a:t>
             </a:r>
             <a:endParaRPr lang="en-US" sz="1400" b="0" strike="noStrike" spc="-1" dirty="0">
-              <a:latin typeface="Arial" panose="020B0604020202090204"/>
+              <a:latin typeface="Arial" panose="020B0604020202020204"/>
             </a:endParaRPr>
           </a:p>
         </p:txBody>
@@ -10077,7 +10101,7 @@
               <a:t> </a:t>
             </a:r>
             <a:endParaRPr lang="en-US" sz="1400" b="0" strike="noStrike" spc="-1" dirty="0">
-              <a:latin typeface="Arial" panose="020B0604020202090204"/>
+              <a:latin typeface="Arial" panose="020B0604020202020204"/>
             </a:endParaRPr>
           </a:p>
         </p:txBody>
@@ -10143,7 +10167,7 @@
               <a:t> </a:t>
             </a:r>
             <a:endParaRPr lang="en-US" sz="1400" b="0" strike="noStrike" spc="-1">
-              <a:latin typeface="Arial" panose="020B0604020202090204"/>
+              <a:latin typeface="Arial" panose="020B0604020202020204"/>
             </a:endParaRPr>
           </a:p>
         </p:txBody>
@@ -10308,7 +10332,7 @@
         <p:spPr>
           <a:xfrm>
             <a:off x="1218" y="-5264"/>
-            <a:ext cx="503640" cy="675654"/>
+            <a:ext cx="503640" cy="673100"/>
           </a:xfrm>
           <a:prstGeom prst="rect">
             <a:avLst/>
@@ -10351,7 +10375,7 @@
               <a:t>xx</a:t>
             </a:r>
             <a:endParaRPr lang="en-US" sz="1800" b="0" strike="noStrike" spc="-1" dirty="0">
-              <a:latin typeface="Arial" panose="020B0604020202090204"/>
+              <a:latin typeface="Arial" panose="020B0604020202020204"/>
             </a:endParaRPr>
           </a:p>
           <a:p>
@@ -10370,7 +10394,7 @@
               <a:t>XXX</a:t>
             </a:r>
             <a:endParaRPr lang="en-US" sz="1200" b="0" strike="noStrike" spc="-1" dirty="0">
-              <a:latin typeface="Arial" panose="020B0604020202090204"/>
+              <a:latin typeface="Arial" panose="020B0604020202020204"/>
             </a:endParaRPr>
           </a:p>
           <a:p>
@@ -10386,10 +10410,22 @@
                 </a:solidFill>
                 <a:latin typeface="Calibri"/>
               </a:rPr>
-              <a:t>2023</a:t>
-            </a:r>
-            <a:endParaRPr lang="en-US" sz="800" b="0" strike="noStrike" spc="-1" dirty="0">
-              <a:latin typeface="Arial" panose="020B0604020202090204"/>
+              <a:t>202</a:t>
+            </a:r>
+            <a:r>
+              <a:rPr lang="nb-NO" altLang="en-US" sz="800" b="0" strike="noStrike" spc="-1" dirty="0" smtClean="0">
+                <a:solidFill>
+                  <a:srgbClr val="FFFFFF"/>
+                </a:solidFill>
+                <a:latin typeface="Calibri"/>
+              </a:rPr>
+              <a:t>4</a:t>
+            </a:r>
+            <a:endParaRPr lang="nb-NO" altLang="en-US" sz="800" b="0" strike="noStrike" spc="-1" dirty="0" smtClean="0">
+              <a:solidFill>
+                <a:srgbClr val="FFFFFF"/>
+              </a:solidFill>
+              <a:latin typeface="Calibri"/>
             </a:endParaRPr>
           </a:p>
         </p:txBody>
@@ -10446,7 +10482,7 @@
               <a:t>MDT</a:t>
             </a:r>
             <a:endParaRPr lang="en-US" sz="1400" b="0" strike="noStrike" spc="-1" dirty="0">
-              <a:latin typeface="Arial" panose="020B0604020202090204"/>
+              <a:latin typeface="Arial" panose="020B0604020202020204"/>
             </a:endParaRPr>
           </a:p>
         </p:txBody>
@@ -10552,7 +10588,7 @@
               <a:t>QUALITY CONTROL MEASURES OF SEQUENCING DATA </a:t>
             </a:r>
             <a:endParaRPr lang="en-US" sz="1100" b="0" strike="noStrike" spc="-1" dirty="0">
-              <a:latin typeface="Arial" panose="020B0604020202090204"/>
+              <a:latin typeface="Arial" panose="020B0604020202020204"/>
             </a:endParaRPr>
           </a:p>
           <a:p>
@@ -10571,7 +10607,7 @@
               <a:t>  </a:t>
             </a:r>
             <a:endParaRPr lang="en-US" sz="1100" b="0" strike="noStrike" spc="-1" dirty="0">
-              <a:latin typeface="Arial" panose="020B0604020202090204"/>
+              <a:latin typeface="Arial" panose="020B0604020202020204"/>
             </a:endParaRPr>
           </a:p>
         </p:txBody>
@@ -10717,7 +10753,7 @@
               <a:t>Patient</a:t>
             </a:r>
             <a:endParaRPr lang="en-US" sz="1000" b="0" strike="noStrike" spc="-1">
-              <a:latin typeface="Arial" panose="020B0604020202090204"/>
+              <a:latin typeface="Arial" panose="020B0604020202020204"/>
             </a:endParaRPr>
           </a:p>
         </p:txBody>
@@ -10915,7 +10951,7 @@
               <a:t>Y of D: </a:t>
             </a:r>
             <a:endParaRPr lang="en-US" sz="800" b="0" strike="noStrike" spc="-1">
-              <a:latin typeface="Arial" panose="020B0604020202090204"/>
+              <a:latin typeface="Arial" panose="020B0604020202020204"/>
             </a:endParaRPr>
           </a:p>
         </p:txBody>
@@ -11021,7 +11057,7 @@
               <a:t>Bio-material</a:t>
             </a:r>
             <a:endParaRPr lang="en-US" sz="1000" b="0" strike="noStrike" spc="-1">
-              <a:latin typeface="Arial" panose="020B0604020202090204"/>
+              <a:latin typeface="Arial" panose="020B0604020202020204"/>
             </a:endParaRPr>
           </a:p>
         </p:txBody>
@@ -11127,7 +11163,7 @@
               <a:t>Tumor content</a:t>
             </a:r>
             <a:endParaRPr lang="en-US" sz="1000" b="0" strike="noStrike" spc="-1" dirty="0">
-              <a:latin typeface="Arial" panose="020B0604020202090204"/>
+              <a:latin typeface="Arial" panose="020B0604020202020204"/>
             </a:endParaRPr>
           </a:p>
         </p:txBody>
@@ -11187,7 +11223,7 @@
               <a:solidFill>
                 <a:schemeClr val="bg1"/>
               </a:solidFill>
-              <a:latin typeface="Arial" panose="020B0604020202090204"/>
+              <a:latin typeface="Arial" panose="020B0604020202020204"/>
             </a:endParaRPr>
           </a:p>
           <a:p>
@@ -11209,7 +11245,7 @@
               <a:solidFill>
                 <a:schemeClr val="bg1"/>
               </a:solidFill>
-              <a:latin typeface="Arial" panose="020B0604020202090204"/>
+              <a:latin typeface="Arial" panose="020B0604020202020204"/>
             </a:endParaRPr>
           </a:p>
         </p:txBody>
@@ -12811,7 +12847,7 @@
               <a:t>MDT</a:t>
             </a:r>
             <a:endParaRPr lang="en-US" sz="1600" b="0" strike="noStrike" spc="-1" dirty="0">
-              <a:latin typeface="Arial" panose="020B0604020202090204"/>
+              <a:latin typeface="Arial" panose="020B0604020202020204"/>
             </a:endParaRPr>
           </a:p>
           <a:p>
@@ -12830,7 +12866,7 @@
               <a:t>Report </a:t>
             </a:r>
             <a:endParaRPr lang="en-US" sz="1000" b="0" strike="noStrike" spc="-1" dirty="0">
-              <a:latin typeface="Arial" panose="020B0604020202090204"/>
+              <a:latin typeface="Arial" panose="020B0604020202020204"/>
             </a:endParaRPr>
           </a:p>
         </p:txBody>
@@ -12878,7 +12914,7 @@
               </a:lnSpc>
             </a:pPr>
             <a:endParaRPr lang="en-US" sz="800" b="0" strike="noStrike" spc="-1" dirty="0" smtClean="0">
-              <a:latin typeface="Arial" panose="020B0604020202090204"/>
+              <a:latin typeface="Arial" panose="020B0604020202020204"/>
             </a:endParaRPr>
           </a:p>
           <a:p>
@@ -12888,7 +12924,7 @@
               </a:lnSpc>
             </a:pPr>
             <a:endParaRPr lang="en-US" sz="800" spc="-1" dirty="0">
-              <a:latin typeface="Arial" panose="020B0604020202090204"/>
+              <a:latin typeface="Arial" panose="020B0604020202020204"/>
             </a:endParaRPr>
           </a:p>
           <a:p>
@@ -12898,7 +12934,7 @@
               </a:lnSpc>
             </a:pPr>
             <a:endParaRPr lang="en-US" sz="800" b="0" strike="noStrike" spc="-1" dirty="0" smtClean="0">
-              <a:latin typeface="Arial" panose="020B0604020202090204"/>
+              <a:latin typeface="Arial" panose="020B0604020202020204"/>
             </a:endParaRPr>
           </a:p>
           <a:p>
@@ -12908,7 +12944,7 @@
               </a:lnSpc>
             </a:pPr>
             <a:endParaRPr lang="en-US" sz="800" b="0" strike="noStrike" spc="-1" dirty="0">
-              <a:latin typeface="Arial" panose="020B0604020202090204"/>
+              <a:latin typeface="Arial" panose="020B0604020202020204"/>
             </a:endParaRPr>
           </a:p>
         </p:txBody>
@@ -13169,7 +13205,7 @@
               <a:t> </a:t>
             </a:r>
             <a:endParaRPr lang="en-US" sz="1400" b="0" strike="noStrike" spc="-1" dirty="0">
-              <a:latin typeface="Arial" panose="020B0604020202090204"/>
+              <a:latin typeface="Arial" panose="020B0604020202020204"/>
             </a:endParaRPr>
           </a:p>
         </p:txBody>
@@ -13235,7 +13271,7 @@
               <a:t> </a:t>
             </a:r>
             <a:endParaRPr lang="en-US" sz="1400" b="0" strike="noStrike" spc="-1" dirty="0">
-              <a:latin typeface="Arial" panose="020B0604020202090204"/>
+              <a:latin typeface="Arial" panose="020B0604020202020204"/>
             </a:endParaRPr>
           </a:p>
         </p:txBody>
@@ -13301,7 +13337,7 @@
               <a:t> </a:t>
             </a:r>
             <a:endParaRPr lang="en-US" sz="1400" b="0" strike="noStrike" spc="-1">
-              <a:latin typeface="Arial" panose="020B0604020202090204"/>
+              <a:latin typeface="Arial" panose="020B0604020202020204"/>
             </a:endParaRPr>
           </a:p>
         </p:txBody>
@@ -13466,7 +13502,7 @@
         <p:spPr>
           <a:xfrm>
             <a:off x="1218" y="-5264"/>
-            <a:ext cx="503640" cy="675654"/>
+            <a:ext cx="503640" cy="673100"/>
           </a:xfrm>
           <a:prstGeom prst="rect">
             <a:avLst/>
@@ -13509,7 +13545,7 @@
               <a:t>xx</a:t>
             </a:r>
             <a:endParaRPr lang="en-US" sz="1800" b="0" strike="noStrike" spc="-1" dirty="0">
-              <a:latin typeface="Arial" panose="020B0604020202090204"/>
+              <a:latin typeface="Arial" panose="020B0604020202020204"/>
             </a:endParaRPr>
           </a:p>
           <a:p>
@@ -13528,7 +13564,7 @@
               <a:t>XXX</a:t>
             </a:r>
             <a:endParaRPr lang="en-US" sz="1200" b="0" strike="noStrike" spc="-1" dirty="0">
-              <a:latin typeface="Arial" panose="020B0604020202090204"/>
+              <a:latin typeface="Arial" panose="020B0604020202020204"/>
             </a:endParaRPr>
           </a:p>
           <a:p>
@@ -13544,10 +13580,22 @@
                 </a:solidFill>
                 <a:latin typeface="Calibri"/>
               </a:rPr>
-              <a:t>2023</a:t>
-            </a:r>
-            <a:endParaRPr lang="en-US" sz="800" b="0" strike="noStrike" spc="-1" dirty="0">
-              <a:latin typeface="Arial" panose="020B0604020202090204"/>
+              <a:t>202</a:t>
+            </a:r>
+            <a:r>
+              <a:rPr lang="nb-NO" altLang="en-US" sz="800" b="0" strike="noStrike" spc="-1" dirty="0" smtClean="0">
+                <a:solidFill>
+                  <a:srgbClr val="FFFFFF"/>
+                </a:solidFill>
+                <a:latin typeface="Calibri"/>
+              </a:rPr>
+              <a:t>4</a:t>
+            </a:r>
+            <a:endParaRPr lang="nb-NO" altLang="en-US" sz="800" b="0" strike="noStrike" spc="-1" dirty="0" smtClean="0">
+              <a:solidFill>
+                <a:srgbClr val="FFFFFF"/>
+              </a:solidFill>
+              <a:latin typeface="Calibri"/>
             </a:endParaRPr>
           </a:p>
         </p:txBody>
@@ -13604,7 +13652,7 @@
               <a:t>MDT</a:t>
             </a:r>
             <a:endParaRPr lang="en-US" sz="1400" b="0" strike="noStrike" spc="-1" dirty="0">
-              <a:latin typeface="Arial" panose="020B0604020202090204"/>
+              <a:latin typeface="Arial" panose="020B0604020202020204"/>
             </a:endParaRPr>
           </a:p>
         </p:txBody>
@@ -13799,7 +13847,7 @@
               <a:t>Patient</a:t>
             </a:r>
             <a:endParaRPr lang="en-US" sz="1000" b="0" strike="noStrike" spc="-1">
-              <a:latin typeface="Arial" panose="020B0604020202090204"/>
+              <a:latin typeface="Arial" panose="020B0604020202020204"/>
             </a:endParaRPr>
           </a:p>
         </p:txBody>
@@ -13997,7 +14045,7 @@
               <a:t>Y of D: </a:t>
             </a:r>
             <a:endParaRPr lang="en-US" sz="800" b="0" strike="noStrike" spc="-1">
-              <a:latin typeface="Arial" panose="020B0604020202090204"/>
+              <a:latin typeface="Arial" panose="020B0604020202020204"/>
             </a:endParaRPr>
           </a:p>
         </p:txBody>
@@ -14103,7 +14151,7 @@
               <a:t>Bio-material</a:t>
             </a:r>
             <a:endParaRPr lang="en-US" sz="1000" b="0" strike="noStrike" spc="-1">
-              <a:latin typeface="Arial" panose="020B0604020202090204"/>
+              <a:latin typeface="Arial" panose="020B0604020202020204"/>
             </a:endParaRPr>
           </a:p>
         </p:txBody>
@@ -14209,7 +14257,7 @@
               <a:t>Tumor content</a:t>
             </a:r>
             <a:endParaRPr lang="en-US" sz="1000" b="0" strike="noStrike" spc="-1" dirty="0">
-              <a:latin typeface="Arial" panose="020B0604020202090204"/>
+              <a:latin typeface="Arial" panose="020B0604020202020204"/>
             </a:endParaRPr>
           </a:p>
         </p:txBody>
@@ -14317,7 +14365,7 @@
               <a:solidFill>
                 <a:schemeClr val="bg1"/>
               </a:solidFill>
-              <a:latin typeface="Arial" panose="020B0604020202090204"/>
+              <a:latin typeface="Arial" panose="020B0604020202020204"/>
             </a:endParaRPr>
           </a:p>
           <a:p>
@@ -14339,7 +14387,7 @@
               <a:solidFill>
                 <a:schemeClr val="bg1"/>
               </a:solidFill>
-              <a:latin typeface="Arial" panose="020B0604020202090204"/>
+              <a:latin typeface="Arial" panose="020B0604020202020204"/>
             </a:endParaRPr>
           </a:p>
         </p:txBody>
@@ -18462,7 +18510,7 @@
               <a:t> </a:t>
             </a:r>
             <a:endParaRPr lang="en-US" sz="1400" b="0" strike="noStrike" spc="-1" dirty="0">
-              <a:latin typeface="Arial" panose="020B0604020202090204"/>
+              <a:latin typeface="Arial" panose="020B0604020202020204"/>
             </a:endParaRPr>
           </a:p>
         </p:txBody>
@@ -18528,7 +18576,7 @@
               <a:t> </a:t>
             </a:r>
             <a:endParaRPr lang="en-US" sz="1400" b="0" strike="noStrike" spc="-1" dirty="0">
-              <a:latin typeface="Arial" panose="020B0604020202090204"/>
+              <a:latin typeface="Arial" panose="020B0604020202020204"/>
             </a:endParaRPr>
           </a:p>
         </p:txBody>
@@ -18594,7 +18642,7 @@
               <a:t> </a:t>
             </a:r>
             <a:endParaRPr lang="en-US" sz="1400" b="0" strike="noStrike" spc="-1">
-              <a:latin typeface="Arial" panose="020B0604020202090204"/>
+              <a:latin typeface="Arial" panose="020B0604020202020204"/>
             </a:endParaRPr>
           </a:p>
         </p:txBody>
@@ -18759,7 +18807,7 @@
         <p:spPr>
           <a:xfrm>
             <a:off x="1218" y="-5264"/>
-            <a:ext cx="503640" cy="675654"/>
+            <a:ext cx="503640" cy="673100"/>
           </a:xfrm>
           <a:prstGeom prst="rect">
             <a:avLst/>
@@ -18802,7 +18850,7 @@
               <a:t>xx</a:t>
             </a:r>
             <a:endParaRPr lang="en-US" sz="1800" b="0" strike="noStrike" spc="-1" dirty="0">
-              <a:latin typeface="Arial" panose="020B0604020202090204"/>
+              <a:latin typeface="Arial" panose="020B0604020202020204"/>
             </a:endParaRPr>
           </a:p>
           <a:p>
@@ -18821,7 +18869,7 @@
               <a:t>XXX</a:t>
             </a:r>
             <a:endParaRPr lang="en-US" sz="1200" b="0" strike="noStrike" spc="-1" dirty="0">
-              <a:latin typeface="Arial" panose="020B0604020202090204"/>
+              <a:latin typeface="Arial" panose="020B0604020202020204"/>
             </a:endParaRPr>
           </a:p>
           <a:p>
@@ -18837,10 +18885,22 @@
                 </a:solidFill>
                 <a:latin typeface="Calibri"/>
               </a:rPr>
-              <a:t>2023</a:t>
-            </a:r>
-            <a:endParaRPr lang="en-US" sz="800" b="0" strike="noStrike" spc="-1" dirty="0">
-              <a:latin typeface="Arial" panose="020B0604020202090204"/>
+              <a:t>202</a:t>
+            </a:r>
+            <a:r>
+              <a:rPr lang="nb-NO" altLang="en-US" sz="800" b="0" strike="noStrike" spc="-1" dirty="0" smtClean="0">
+                <a:solidFill>
+                  <a:srgbClr val="FFFFFF"/>
+                </a:solidFill>
+                <a:latin typeface="Calibri"/>
+              </a:rPr>
+              <a:t>4</a:t>
+            </a:r>
+            <a:endParaRPr lang="nb-NO" altLang="en-US" sz="800" b="0" strike="noStrike" spc="-1" dirty="0" smtClean="0">
+              <a:solidFill>
+                <a:srgbClr val="FFFFFF"/>
+              </a:solidFill>
+              <a:latin typeface="Calibri"/>
             </a:endParaRPr>
           </a:p>
         </p:txBody>
@@ -18897,7 +18957,7 @@
               <a:t>MDT</a:t>
             </a:r>
             <a:endParaRPr lang="en-US" sz="1400" b="0" strike="noStrike" spc="-1" dirty="0">
-              <a:latin typeface="Arial" panose="020B0604020202090204"/>
+              <a:latin typeface="Arial" panose="020B0604020202020204"/>
             </a:endParaRPr>
           </a:p>
         </p:txBody>
@@ -19092,7 +19152,7 @@
               <a:t>Patient</a:t>
             </a:r>
             <a:endParaRPr lang="en-US" sz="1000" b="0" strike="noStrike" spc="-1">
-              <a:latin typeface="Arial" panose="020B0604020202090204"/>
+              <a:latin typeface="Arial" panose="020B0604020202020204"/>
             </a:endParaRPr>
           </a:p>
         </p:txBody>
@@ -19290,7 +19350,7 @@
               <a:t>Y of D: </a:t>
             </a:r>
             <a:endParaRPr lang="en-US" sz="800" b="0" strike="noStrike" spc="-1">
-              <a:latin typeface="Arial" panose="020B0604020202090204"/>
+              <a:latin typeface="Arial" panose="020B0604020202020204"/>
             </a:endParaRPr>
           </a:p>
         </p:txBody>
@@ -19396,7 +19456,7 @@
               <a:t>Bio-material</a:t>
             </a:r>
             <a:endParaRPr lang="en-US" sz="1000" b="0" strike="noStrike" spc="-1">
-              <a:latin typeface="Arial" panose="020B0604020202090204"/>
+              <a:latin typeface="Arial" panose="020B0604020202020204"/>
             </a:endParaRPr>
           </a:p>
         </p:txBody>
@@ -19502,7 +19562,7 @@
               <a:t>Tumor content</a:t>
             </a:r>
             <a:endParaRPr lang="en-US" sz="1000" b="0" strike="noStrike" spc="-1" dirty="0">
-              <a:latin typeface="Arial" panose="020B0604020202090204"/>
+              <a:latin typeface="Arial" panose="020B0604020202020204"/>
             </a:endParaRPr>
           </a:p>
         </p:txBody>
@@ -19688,7 +19748,7 @@
               <a:solidFill>
                 <a:schemeClr val="bg1"/>
               </a:solidFill>
-              <a:latin typeface="Arial" panose="020B0604020202090204"/>
+              <a:latin typeface="Arial" panose="020B0604020202020204"/>
             </a:endParaRPr>
           </a:p>
           <a:p>
@@ -19710,7 +19770,7 @@
               <a:solidFill>
                 <a:schemeClr val="bg1"/>
               </a:solidFill>
-              <a:latin typeface="Arial" panose="020B0604020202090204"/>
+              <a:latin typeface="Arial" panose="020B0604020202020204"/>
             </a:endParaRPr>
           </a:p>
         </p:txBody>
@@ -23803,7 +23863,7 @@
                 <a:solidFill>
                   <a:schemeClr val="bg1"/>
                 </a:solidFill>
-                <a:latin typeface="Arial" panose="020B0604020202090204"/>
+                <a:latin typeface="Arial" panose="020B0604020202020204"/>
               </a:endParaRPr>
             </a:p>
           </p:txBody>
@@ -23897,7 +23957,7 @@
             </a:p>
             <a:p>
               <a:endParaRPr lang="en-US" sz="800" spc="-1" dirty="0">
-                <a:latin typeface="Arial" panose="020B0604020202090204"/>
+                <a:latin typeface="Arial" panose="020B0604020202020204"/>
               </a:endParaRPr>
             </a:p>
             <a:p>
@@ -23907,7 +23967,7 @@
                 </a:lnSpc>
               </a:pPr>
               <a:endParaRPr lang="en-US" sz="1000" b="0" strike="noStrike" spc="-1" dirty="0">
-                <a:latin typeface="Arial" panose="020B0604020202090204"/>
+                <a:latin typeface="Arial" panose="020B0604020202020204"/>
               </a:endParaRPr>
             </a:p>
           </p:txBody>
@@ -24033,7 +24093,7 @@
                   <a:effectLst/>
                   <a:uLnTx/>
                   <a:uFillTx/>
-                  <a:latin typeface="Arial" panose="020B0604020202090204"/>
+                  <a:latin typeface="Arial" panose="020B0604020202020204"/>
                   <a:ea typeface="+mn-ea"/>
                   <a:cs typeface="+mn-cs"/>
                 </a:rPr>
@@ -24050,7 +24110,7 @@
                   <a:effectLst/>
                   <a:uLnTx/>
                   <a:uFillTx/>
-                  <a:latin typeface="Arial" panose="020B0604020202090204"/>
+                  <a:latin typeface="Arial" panose="020B0604020202020204"/>
                   <a:ea typeface="+mn-ea"/>
                   <a:cs typeface="+mn-cs"/>
                 </a:rPr>
@@ -24066,7 +24126,7 @@
                 <a:effectLst/>
                 <a:uLnTx/>
                 <a:uFillTx/>
-                <a:latin typeface="Arial" panose="020B0604020202090204"/>
+                <a:latin typeface="Arial" panose="020B0604020202020204"/>
                 <a:ea typeface="+mn-ea"/>
                 <a:cs typeface="+mn-cs"/>
               </a:endParaRPr>
@@ -24174,7 +24234,7 @@
                 <a:effectLst/>
                 <a:uLnTx/>
                 <a:uFillTx/>
-                <a:latin typeface="Arial" panose="020B0604020202090204"/>
+                <a:latin typeface="Arial" panose="020B0604020202020204"/>
                 <a:ea typeface="+mn-ea"/>
                 <a:cs typeface="+mn-cs"/>
               </a:endParaRPr>
@@ -24206,7 +24266,7 @@
                 <a:effectLst/>
                 <a:uLnTx/>
                 <a:uFillTx/>
-                <a:latin typeface="Arial" panose="020B0604020202090204"/>
+                <a:latin typeface="Arial" panose="020B0604020202020204"/>
                 <a:ea typeface="+mn-ea"/>
                 <a:cs typeface="+mn-cs"/>
               </a:endParaRPr>
@@ -24334,7 +24394,7 @@
                   <a:effectLst/>
                   <a:uLnTx/>
                   <a:uFillTx/>
-                  <a:latin typeface="Arial" panose="020B0604020202090204"/>
+                  <a:latin typeface="Arial" panose="020B0604020202020204"/>
                   <a:ea typeface="+mn-ea"/>
                   <a:cs typeface="+mn-cs"/>
                 </a:rPr>
@@ -24351,7 +24411,7 @@
                   <a:effectLst/>
                   <a:uLnTx/>
                   <a:uFillTx/>
-                  <a:latin typeface="Arial" panose="020B0604020202090204"/>
+                  <a:latin typeface="Arial" panose="020B0604020202020204"/>
                   <a:ea typeface="+mn-ea"/>
                   <a:cs typeface="+mn-cs"/>
                 </a:rPr>
@@ -24367,7 +24427,7 @@
                 <a:effectLst/>
                 <a:uLnTx/>
                 <a:uFillTx/>
-                <a:latin typeface="Arial" panose="020B0604020202090204"/>
+                <a:latin typeface="Arial" panose="020B0604020202020204"/>
                 <a:ea typeface="+mn-ea"/>
                 <a:cs typeface="+mn-cs"/>
               </a:endParaRPr>
@@ -24647,7 +24707,7 @@
                 <a:effectLst/>
                 <a:uLnTx/>
                 <a:uFillTx/>
-                <a:latin typeface="Arial" panose="020B0604020202090204"/>
+                <a:latin typeface="Arial" panose="020B0604020202020204"/>
                 <a:ea typeface="+mn-ea"/>
                 <a:cs typeface="+mn-cs"/>
               </a:endParaRPr>
@@ -24679,7 +24739,7 @@
                 <a:effectLst/>
                 <a:uLnTx/>
                 <a:uFillTx/>
-                <a:latin typeface="Arial" panose="020B0604020202090204"/>
+                <a:latin typeface="Arial" panose="020B0604020202020204"/>
                 <a:ea typeface="+mn-ea"/>
                 <a:cs typeface="+mn-cs"/>
               </a:endParaRPr>
@@ -24807,7 +24867,7 @@
                   <a:effectLst/>
                   <a:uLnTx/>
                   <a:uFillTx/>
-                  <a:latin typeface="Arial" panose="020B0604020202090204"/>
+                  <a:latin typeface="Arial" panose="020B0604020202020204"/>
                   <a:ea typeface="+mn-ea"/>
                   <a:cs typeface="+mn-cs"/>
                 </a:rPr>
@@ -24824,7 +24884,7 @@
                   <a:effectLst/>
                   <a:uLnTx/>
                   <a:uFillTx/>
-                  <a:latin typeface="Arial" panose="020B0604020202090204"/>
+                  <a:latin typeface="Arial" panose="020B0604020202020204"/>
                   <a:ea typeface="+mn-ea"/>
                   <a:cs typeface="+mn-cs"/>
                 </a:rPr>
@@ -24840,7 +24900,7 @@
                 <a:effectLst/>
                 <a:uLnTx/>
                 <a:uFillTx/>
-                <a:latin typeface="Arial" panose="020B0604020202090204"/>
+                <a:latin typeface="Arial" panose="020B0604020202020204"/>
                 <a:ea typeface="+mn-ea"/>
                 <a:cs typeface="+mn-cs"/>
               </a:endParaRPr>
@@ -25162,7 +25222,7 @@
                 <a:effectLst/>
                 <a:uLnTx/>
                 <a:uFillTx/>
-                <a:latin typeface="Arial" panose="020B0604020202090204"/>
+                <a:latin typeface="Arial" panose="020B0604020202020204"/>
                 <a:ea typeface="+mn-ea"/>
                 <a:cs typeface="+mn-cs"/>
               </a:endParaRPr>
@@ -25194,7 +25254,7 @@
                 <a:effectLst/>
                 <a:uLnTx/>
                 <a:uFillTx/>
-                <a:latin typeface="Arial" panose="020B0604020202090204"/>
+                <a:latin typeface="Arial" panose="020B0604020202020204"/>
                 <a:ea typeface="+mn-ea"/>
                 <a:cs typeface="+mn-cs"/>
               </a:endParaRPr>

--- a/In/Template/InPreD_MTB_template.pptx
+++ b/In/Template/InPreD_MTB_template.pptx
@@ -6519,146 +6519,131 @@
           </p:style>
         </p:sp>
       </p:grpSp>
-      <p:grpSp>
-        <p:nvGrpSpPr>
-          <p:cNvPr id="65" name="Gruppe 64"/>
-          <p:cNvGrpSpPr/>
+      <p:pic>
+        <p:nvPicPr>
+          <p:cNvPr id="66" name="Bilde 65"/>
+          <p:cNvPicPr>
+            <a:picLocks noChangeAspect="1"/>
+          </p:cNvPicPr>
           <p:nvPr/>
-        </p:nvGrpSpPr>
-        <p:grpSpPr>
+        </p:nvPicPr>
+        <p:blipFill rotWithShape="1">
+          <a:blip r:embed="rId3" cstate="print">
+            <a:extLst>
+              <a:ext uri="{28A0092B-C50C-407E-A947-70E740481C1C}">
+                <a14:useLocalDpi xmlns:a14="http://schemas.microsoft.com/office/drawing/2010/main" val="0"/>
+              </a:ext>
+            </a:extLst>
+          </a:blip>
+          <a:srcRect r="55763"/>
+          <a:stretch>
+            <a:fillRect/>
+          </a:stretch>
+        </p:blipFill>
+        <p:spPr>
           <a:xfrm>
-            <a:off x="178883" y="4141493"/>
-            <a:ext cx="1386611" cy="631548"/>
-            <a:chOff x="178883" y="4141493"/>
-            <a:chExt cx="1386611" cy="631548"/>
+            <a:off x="179070" y="4227830"/>
+            <a:ext cx="576580" cy="542925"/>
           </a:xfrm>
-        </p:grpSpPr>
-        <p:pic>
-          <p:nvPicPr>
-            <p:cNvPr id="66" name="Bilde 65"/>
-            <p:cNvPicPr>
-              <a:picLocks noChangeAspect="1"/>
-            </p:cNvPicPr>
-            <p:nvPr/>
-          </p:nvPicPr>
-          <p:blipFill rotWithShape="1">
-            <a:blip r:embed="rId3" cstate="print">
-              <a:extLst>
-                <a:ext uri="{28A0092B-C50C-407E-A947-70E740481C1C}">
-                  <a14:useLocalDpi xmlns:a14="http://schemas.microsoft.com/office/drawing/2010/main" val="0"/>
-                </a:ext>
-              </a:extLst>
-            </a:blip>
-            <a:srcRect r="55763"/>
-            <a:stretch>
-              <a:fillRect/>
-            </a:stretch>
-          </p:blipFill>
-          <p:spPr>
-            <a:xfrm>
-              <a:off x="178883" y="4229919"/>
-              <a:ext cx="576693" cy="543122"/>
-            </a:xfrm>
-            <a:prstGeom prst="rect">
-              <a:avLst/>
-            </a:prstGeom>
-          </p:spPr>
-        </p:pic>
-        <p:sp>
-          <p:nvSpPr>
-            <p:cNvPr id="67" name="TekstSylinder 66"/>
-            <p:cNvSpPr txBox="1"/>
-            <p:nvPr/>
-          </p:nvSpPr>
-          <p:spPr>
-            <a:xfrm>
-              <a:off x="647284" y="4495960"/>
-              <a:ext cx="918210" cy="275590"/>
-            </a:xfrm>
-            <a:prstGeom prst="rect">
-              <a:avLst/>
-            </a:prstGeom>
-            <a:noFill/>
-          </p:spPr>
-          <p:txBody>
-            <a:bodyPr wrap="none" rtlCol="0">
-              <a:spAutoFit/>
-            </a:bodyPr>
-            <a:lstStyle/>
-            <a:p>
-              <a:pPr algn="ctr"/>
-              <a:r>
-                <a:rPr lang="en-US" sz="600" dirty="0">
-                  <a:solidFill>
-                    <a:srgbClr val="005495"/>
-                  </a:solidFill>
-                  <a:latin typeface="Calibri Light" panose="020F0302020204030204" pitchFamily="34" charset="0"/>
-                  <a:cs typeface="Calibri Light" panose="020F0302020204030204" pitchFamily="34" charset="0"/>
-                </a:rPr>
-                <a:t>Infrastructure for </a:t>
-              </a:r>
-              <a:endParaRPr lang="en-US" sz="600" dirty="0">
+          <a:prstGeom prst="rect">
+            <a:avLst/>
+          </a:prstGeom>
+        </p:spPr>
+      </p:pic>
+      <p:sp>
+        <p:nvSpPr>
+          <p:cNvPr id="67" name="TekstSylinder 66"/>
+          <p:cNvSpPr txBox="1"/>
+          <p:nvPr/>
+        </p:nvSpPr>
+        <p:spPr>
+          <a:xfrm>
+            <a:off x="647065" y="4493895"/>
+            <a:ext cx="918210" cy="275590"/>
+          </a:xfrm>
+          <a:prstGeom prst="rect">
+            <a:avLst/>
+          </a:prstGeom>
+          <a:noFill/>
+        </p:spPr>
+        <p:txBody>
+          <a:bodyPr wrap="none" rtlCol="0">
+            <a:spAutoFit/>
+          </a:bodyPr>
+          <a:lstStyle/>
+          <a:p>
+            <a:pPr algn="ctr"/>
+            <a:r>
+              <a:rPr lang="en-US" sz="600" dirty="0">
                 <a:solidFill>
                   <a:srgbClr val="005495"/>
                 </a:solidFill>
                 <a:latin typeface="Calibri Light" panose="020F0302020204030204" pitchFamily="34" charset="0"/>
                 <a:cs typeface="Calibri Light" panose="020F0302020204030204" pitchFamily="34" charset="0"/>
-              </a:endParaRPr>
-            </a:p>
-            <a:p>
-              <a:pPr algn="ctr"/>
-              <a:r>
-                <a:rPr lang="en-US" sz="600" dirty="0">
-                  <a:solidFill>
-                    <a:srgbClr val="005495"/>
-                  </a:solidFill>
-                  <a:latin typeface="Calibri Light" panose="020F0302020204030204" pitchFamily="34" charset="0"/>
-                  <a:cs typeface="Calibri Light" panose="020F0302020204030204" pitchFamily="34" charset="0"/>
-                </a:rPr>
-                <a:t>Precision Diagnostics</a:t>
-              </a:r>
-              <a:endParaRPr lang="nb-NO" sz="600" dirty="0">
+              </a:rPr>
+              <a:t>Infrastructure for </a:t>
+            </a:r>
+            <a:endParaRPr lang="en-US" sz="600" dirty="0">
+              <a:solidFill>
+                <a:srgbClr val="005495"/>
+              </a:solidFill>
+              <a:latin typeface="Calibri Light" panose="020F0302020204030204" pitchFamily="34" charset="0"/>
+              <a:cs typeface="Calibri Light" panose="020F0302020204030204" pitchFamily="34" charset="0"/>
+            </a:endParaRPr>
+          </a:p>
+          <a:p>
+            <a:pPr algn="ctr"/>
+            <a:r>
+              <a:rPr lang="en-US" sz="600" dirty="0">
                 <a:solidFill>
                   <a:srgbClr val="005495"/>
                 </a:solidFill>
                 <a:latin typeface="Calibri Light" panose="020F0302020204030204" pitchFamily="34" charset="0"/>
                 <a:cs typeface="Calibri Light" panose="020F0302020204030204" pitchFamily="34" charset="0"/>
-              </a:endParaRPr>
-            </a:p>
-          </p:txBody>
-        </p:sp>
-        <p:pic>
-          <p:nvPicPr>
-            <p:cNvPr id="68" name="Bilde 67"/>
-            <p:cNvPicPr>
-              <a:picLocks noChangeAspect="1"/>
-            </p:cNvPicPr>
-            <p:nvPr/>
-          </p:nvPicPr>
-          <p:blipFill rotWithShape="1">
-            <a:blip r:embed="rId3" cstate="print">
-              <a:extLst>
-                <a:ext uri="{28A0092B-C50C-407E-A947-70E740481C1C}">
-                  <a14:useLocalDpi xmlns:a14="http://schemas.microsoft.com/office/drawing/2010/main" val="0"/>
-                </a:ext>
-              </a:extLst>
-            </a:blip>
-            <a:srcRect l="42717" r="-3477"/>
-            <a:stretch>
-              <a:fillRect/>
-            </a:stretch>
-          </p:blipFill>
-          <p:spPr>
-            <a:xfrm>
-              <a:off x="737258" y="4141493"/>
-              <a:ext cx="792088" cy="543122"/>
-            </a:xfrm>
-            <a:prstGeom prst="rect">
-              <a:avLst/>
-            </a:prstGeom>
-          </p:spPr>
-        </p:pic>
-      </p:grpSp>
+              </a:rPr>
+              <a:t>Precision Diagnostics</a:t>
+            </a:r>
+            <a:endParaRPr lang="nb-NO" sz="600" dirty="0">
+              <a:solidFill>
+                <a:srgbClr val="005495"/>
+              </a:solidFill>
+              <a:latin typeface="Calibri Light" panose="020F0302020204030204" pitchFamily="34" charset="0"/>
+              <a:cs typeface="Calibri Light" panose="020F0302020204030204" pitchFamily="34" charset="0"/>
+            </a:endParaRPr>
+          </a:p>
+        </p:txBody>
+      </p:sp>
+      <p:pic>
+        <p:nvPicPr>
+          <p:cNvPr id="68" name="Bilde 67"/>
+          <p:cNvPicPr>
+            <a:picLocks noChangeAspect="1"/>
+          </p:cNvPicPr>
+          <p:nvPr/>
+        </p:nvPicPr>
+        <p:blipFill rotWithShape="1">
+          <a:blip r:embed="rId3" cstate="print">
+            <a:extLst>
+              <a:ext uri="{28A0092B-C50C-407E-A947-70E740481C1C}">
+                <a14:useLocalDpi xmlns:a14="http://schemas.microsoft.com/office/drawing/2010/main" val="0"/>
+              </a:ext>
+            </a:extLst>
+          </a:blip>
+          <a:srcRect l="42717" r="-3477"/>
+          <a:stretch>
+            <a:fillRect/>
+          </a:stretch>
+        </p:blipFill>
+        <p:spPr>
+          <a:xfrm>
+            <a:off x="737235" y="4139565"/>
+            <a:ext cx="791845" cy="542925"/>
+          </a:xfrm>
+          <a:prstGeom prst="rect">
+            <a:avLst/>
+          </a:prstGeom>
+        </p:spPr>
+      </p:pic>
       <p:sp>
         <p:nvSpPr>
           <p:cNvPr id="69" name="TextBox 41"/>
